--- a/templates/save.pptx
+++ b/templates/save.pptx
@@ -20,6 +20,7 @@
     <p:sldId id="268" r:id="rId15"/>
     <p:sldId id="269" r:id="rId16"/>
     <p:sldId id="270" r:id="rId17"/>
+    <p:sldId id="271" r:id="rId18"/>
   </p:sldIdLst>
   <p:sldSz cx="8280400" cy="11268075"/>
   <p:notesSz cx="7559675" cy="10691813"/>
@@ -77,7 +78,7 @@
         <p:txBody>
           <a:bodyPr/>
           <a:p>
-            <a:fld id="{A1E4188E-D919-4955-9051-E83D5E582C2A}" type="slidenum">
+            <a:fld id="{559CAD16-D01D-4618-BB22-E4C0547B09F5}" type="slidenum">
               <a:t>&lt;#&gt;</a:t>
             </a:fld>
           </a:p>
@@ -286,7 +287,7 @@
         <p:txBody>
           <a:bodyPr/>
           <a:p>
-            <a:fld id="{97E1E31D-189D-4ACD-AB96-D90FA9E242DC}" type="slidenum">
+            <a:fld id="{981A38BF-168E-41BB-8085-BC952E0A54BB}" type="slidenum">
               <a:t>&lt;#&gt;</a:t>
             </a:fld>
           </a:p>
@@ -581,7 +582,7 @@
         <p:txBody>
           <a:bodyPr/>
           <a:p>
-            <a:fld id="{D5602CAB-F5D8-4EA9-A56B-8001356E88F9}" type="slidenum">
+            <a:fld id="{E8B26555-FB4B-40F4-9ACC-A690A2D49235}" type="slidenum">
               <a:t>&lt;#&gt;</a:t>
             </a:fld>
           </a:p>
@@ -962,7 +963,7 @@
         <p:txBody>
           <a:bodyPr/>
           <a:p>
-            <a:fld id="{A32A8DF7-D859-4D8B-8213-BB301770CC63}" type="slidenum">
+            <a:fld id="{99530C4E-97EA-4FCB-B75B-2ABDB5F019C9}" type="slidenum">
               <a:t>&lt;#&gt;</a:t>
             </a:fld>
           </a:p>
@@ -1125,7 +1126,7 @@
         <p:txBody>
           <a:bodyPr/>
           <a:p>
-            <a:fld id="{85A617DF-BE84-4F7F-8F4D-E0BBEEB17EFD}" type="slidenum">
+            <a:fld id="{F82D63F7-CDC5-4397-B5A6-4DDF387E421F}" type="slidenum">
               <a:t>&lt;#&gt;</a:t>
             </a:fld>
           </a:p>
@@ -1291,7 +1292,7 @@
         <p:txBody>
           <a:bodyPr/>
           <a:p>
-            <a:fld id="{1EE84E2C-CC29-49E6-9CEA-6D1CF16184DB}" type="slidenum">
+            <a:fld id="{3A151D15-CCC1-46FD-B53C-2D08DAFF78BF}" type="slidenum">
               <a:t>&lt;#&gt;</a:t>
             </a:fld>
           </a:p>
@@ -1500,7 +1501,7 @@
         <p:txBody>
           <a:bodyPr/>
           <a:p>
-            <a:fld id="{06781F90-4C2D-4CB2-8BB7-A2B6EFBFC088}" type="slidenum">
+            <a:fld id="{A0265101-09B4-4942-B522-28541AD807DD}" type="slidenum">
               <a:t>&lt;#&gt;</a:t>
             </a:fld>
           </a:p>
@@ -1623,7 +1624,7 @@
         <p:txBody>
           <a:bodyPr/>
           <a:p>
-            <a:fld id="{D244A16C-E816-4EF8-9D9D-794320CEBC08}" type="slidenum">
+            <a:fld id="{F22644D2-766B-4E69-978F-FCB6B70FEF7E}" type="slidenum">
               <a:t>&lt;#&gt;</a:t>
             </a:fld>
           </a:p>
@@ -1744,7 +1745,7 @@
         <p:txBody>
           <a:bodyPr/>
           <a:p>
-            <a:fld id="{D6CB92D6-25E6-43AA-BFBA-3366D851FFB6}" type="slidenum">
+            <a:fld id="{39C1E799-3E57-4906-8DF2-7DC0E9722418}" type="slidenum">
               <a:t>&lt;#&gt;</a:t>
             </a:fld>
           </a:p>
@@ -1996,7 +1997,7 @@
         <p:txBody>
           <a:bodyPr/>
           <a:p>
-            <a:fld id="{EF0A2F8A-CDB2-496F-A171-078D2CBA3949}" type="slidenum">
+            <a:fld id="{B06E0F99-C14D-4615-9120-DF7CF161F98B}" type="slidenum">
               <a:t>&lt;#&gt;</a:t>
             </a:fld>
           </a:p>
@@ -2248,7 +2249,7 @@
         <p:txBody>
           <a:bodyPr/>
           <a:p>
-            <a:fld id="{EBD8F7D8-382D-4E24-BE68-927F40DF57AB}" type="slidenum">
+            <a:fld id="{BB703A99-A273-4DE5-AC53-172A790B6F4C}" type="slidenum">
               <a:t>&lt;#&gt;</a:t>
             </a:fld>
           </a:p>
@@ -2500,7 +2501,7 @@
         <p:txBody>
           <a:bodyPr/>
           <a:p>
-            <a:fld id="{D47C9236-CBAF-40D2-8585-8FBFEB45AD30}" type="slidenum">
+            <a:fld id="{489569C8-C897-4C30-BCBB-C6B56E8EC33B}" type="slidenum">
               <a:t>&lt;#&gt;</a:t>
             </a:fld>
           </a:p>
@@ -2569,7 +2570,7 @@
         <p:spPr>
           <a:xfrm>
             <a:off x="2742840" y="10443960"/>
-            <a:ext cx="2792880" cy="597960"/>
+            <a:ext cx="2790360" cy="595440"/>
           </a:xfrm>
           <a:prstGeom prst="rect">
             <a:avLst/>
@@ -2641,7 +2642,7 @@
         <p:spPr>
           <a:xfrm>
             <a:off x="5848200" y="10443960"/>
-            <a:ext cx="1861200" cy="597960"/>
+            <a:ext cx="1858680" cy="595440"/>
           </a:xfrm>
           <a:prstGeom prst="rect">
             <a:avLst/>
@@ -2683,7 +2684,7 @@
                 <a:tab algn="l" pos="0"/>
               </a:tabLst>
             </a:pPr>
-            <a:fld id="{00554933-28EB-4CB2-B3B4-2B3E1190A50E}" type="slidenum">
+            <a:fld id="{73D2D07A-891B-4466-8580-D20474186167}" type="slidenum">
               <a:rPr b="0" lang="en-AU" sz="1090" spc="-1" strike="noStrike">
                 <a:solidFill>
                   <a:srgbClr val="888888"/>
@@ -2715,7 +2716,7 @@
         <p:spPr>
           <a:xfrm>
             <a:off x="569160" y="10443960"/>
-            <a:ext cx="1861200" cy="597960"/>
+            <a:ext cx="1858680" cy="595440"/>
           </a:xfrm>
           <a:prstGeom prst="rect">
             <a:avLst/>
@@ -3085,8 +3086,8 @@
         </p:blipFill>
         <p:spPr>
           <a:xfrm rot="5400000">
-            <a:off x="-1040040" y="2157120"/>
-            <a:ext cx="10511280" cy="7116840"/>
+            <a:off x="-1035000" y="2157120"/>
+            <a:ext cx="10508760" cy="7114320"/>
           </a:xfrm>
           <a:prstGeom prst="rect">
             <a:avLst/>
@@ -3109,7 +3110,7 @@
         <p:spPr>
           <a:xfrm>
             <a:off x="714240" y="723960"/>
-            <a:ext cx="6702120" cy="9799560"/>
+            <a:ext cx="6699600" cy="9797040"/>
           </a:xfrm>
           <a:prstGeom prst="rect">
             <a:avLst/>
@@ -3132,8 +3133,8 @@
         </p:blipFill>
         <p:spPr>
           <a:xfrm rot="5400000">
-            <a:off x="-1509120" y="1476000"/>
-            <a:ext cx="11298600" cy="8278560"/>
+            <a:off x="-1504080" y="1473480"/>
+            <a:ext cx="11296080" cy="8276040"/>
           </a:xfrm>
           <a:prstGeom prst="rect">
             <a:avLst/>
@@ -3156,7 +3157,7 @@
         <p:spPr>
           <a:xfrm>
             <a:off x="1814040" y="8340840"/>
-            <a:ext cx="1442520" cy="1258560"/>
+            <a:ext cx="1440000" cy="1256040"/>
           </a:xfrm>
           <a:prstGeom prst="rect">
             <a:avLst/>
@@ -3174,8 +3175,8 @@
         </p:nvSpPr>
         <p:spPr>
           <a:xfrm>
-            <a:off x="712800" y="3027600"/>
-            <a:ext cx="6724800" cy="1065600"/>
+            <a:off x="712800" y="3028320"/>
+            <a:ext cx="6722280" cy="1064160"/>
           </a:xfrm>
           <a:prstGeom prst="rect">
             <a:avLst/>
@@ -3218,7 +3219,7 @@
               <a:solidFill>
                 <a:srgbClr val="000000"/>
               </a:solidFill>
-              <a:latin typeface="Old English Five"/>
+              <a:latin typeface="Arial"/>
             </a:endParaRPr>
           </a:p>
         </p:txBody>
@@ -3232,7 +3233,7 @@
         <p:spPr>
           <a:xfrm>
             <a:off x="1390680" y="4144320"/>
-            <a:ext cx="5371200" cy="639000"/>
+            <a:ext cx="5368680" cy="638280"/>
           </a:xfrm>
           <a:prstGeom prst="rect">
             <a:avLst/>
@@ -3289,7 +3290,7 @@
         <p:spPr>
           <a:xfrm>
             <a:off x="2985840" y="8685000"/>
-            <a:ext cx="4284000" cy="592560"/>
+            <a:ext cx="4281480" cy="591840"/>
           </a:xfrm>
           <a:prstGeom prst="rect">
             <a:avLst/>
@@ -3326,7 +3327,7 @@
                 <a:latin typeface="Times New Roman"/>
                 <a:ea typeface="Times New Roman"/>
               </a:rPr>
-              <a:t>{signaturer}</a:t>
+              <a:t>MAJ {signaturer}</a:t>
             </a:r>
             <a:br>
               <a:rPr sz="1100"/>
@@ -3339,7 +3340,7 @@
                 <a:latin typeface="Times New Roman"/>
                 <a:ea typeface="Times New Roman"/>
               </a:rPr>
-              <a:t>Commanding Officer </a:t>
+              <a:t>Officer Commanding</a:t>
             </a:r>
             <a:br>
               <a:rPr sz="1100"/>
@@ -3372,7 +3373,7 @@
         <p:spPr>
           <a:xfrm>
             <a:off x="3721320" y="8197200"/>
-            <a:ext cx="2815200" cy="516960"/>
+            <a:ext cx="2937600" cy="516240"/>
           </a:xfrm>
           <a:prstGeom prst="rect">
             <a:avLst/>
@@ -3402,14 +3403,14 @@
               </a:tabLst>
             </a:pPr>
             <a:r>
-              <a:rPr b="0" lang="en-AU" sz="2800" spc="-1" strike="noStrike">
+              <a:rPr b="0" i="1" lang="en-AU" sz="2800" spc="-1" strike="noStrike">
                 <a:solidFill>
                   <a:schemeClr val="dk1"/>
                 </a:solidFill>
                 <a:latin typeface="Courgette"/>
                 <a:ea typeface="Courgette"/>
               </a:rPr>
-              <a:t>{signaturer}</a:t>
+              <a:t>MAJ{signaturer}</a:t>
             </a:r>
             <a:endParaRPr b="0" lang="en-AU" sz="2800" spc="-1" strike="noStrike">
               <a:solidFill>
@@ -3429,7 +3430,7 @@
         <p:spPr>
           <a:xfrm flipH="1">
             <a:off x="3720960" y="8684280"/>
-            <a:ext cx="2815920" cy="1800"/>
+            <a:ext cx="2818440" cy="4320"/>
           </a:xfrm>
           <a:prstGeom prst="straightConnector1">
             <a:avLst/>
@@ -3451,7 +3452,7 @@
         <p:spPr>
           <a:xfrm>
             <a:off x="889200" y="5752800"/>
-            <a:ext cx="6498000" cy="700200"/>
+            <a:ext cx="6495480" cy="699480"/>
           </a:xfrm>
           <a:prstGeom prst="rect">
             <a:avLst/>
@@ -3498,6 +3499,26 @@
                 <a:latin typeface="Times New Roman"/>
                 <a:ea typeface="Times New Roman"/>
               </a:rPr>
+              <a:t>Major</a:t>
+            </a:r>
+            <a:r>
+              <a:rPr b="0" lang="en-AU" sz="2000" spc="-1" strike="noStrike">
+                <a:solidFill>
+                  <a:srgbClr val="000000"/>
+                </a:solidFill>
+                <a:latin typeface="Times New Roman"/>
+                <a:ea typeface="Times New Roman"/>
+              </a:rPr>
+              <a:t> </a:t>
+            </a:r>
+            <a:r>
+              <a:rPr b="0" i="1" lang="en-AU" sz="2000" spc="-1" strike="noStrike">
+                <a:solidFill>
+                  <a:srgbClr val="000000"/>
+                </a:solidFill>
+                <a:latin typeface="Times New Roman"/>
+                <a:ea typeface="Times New Roman"/>
+              </a:rPr>
               <a:t>{signaturer},</a:t>
             </a:r>
             <a:r>
@@ -3508,7 +3529,7 @@
                 <a:latin typeface="Times New Roman"/>
                 <a:ea typeface="Times New Roman"/>
               </a:rPr>
-              <a:t> Commanding Officer, Australian Special Operations Taskforce, hereby grant</a:t>
+              <a:t> Officer Commanding, Australian Special Operations Taskforce, hereby grant</a:t>
             </a:r>
             <a:endParaRPr b="0" lang="en-AU" sz="2000" spc="-1" strike="noStrike">
               <a:solidFill>
@@ -3528,7 +3549,7 @@
         <p:spPr>
           <a:xfrm>
             <a:off x="817920" y="6433920"/>
-            <a:ext cx="6498000" cy="577800"/>
+            <a:ext cx="6495480" cy="577080"/>
           </a:xfrm>
           <a:prstGeom prst="rect">
             <a:avLst/>
@@ -3585,7 +3606,7 @@
         <p:spPr>
           <a:xfrm>
             <a:off x="886320" y="7030440"/>
-            <a:ext cx="6498000" cy="395280"/>
+            <a:ext cx="6495480" cy="394560"/>
           </a:xfrm>
           <a:prstGeom prst="rect">
             <a:avLst/>
@@ -3672,7 +3693,7 @@
         <p:spPr>
           <a:xfrm>
             <a:off x="817920" y="4791600"/>
-            <a:ext cx="6498000" cy="1005120"/>
+            <a:ext cx="6495480" cy="1004400"/>
           </a:xfrm>
           <a:prstGeom prst="rect">
             <a:avLst/>
@@ -3743,7 +3764,7 @@
         <p:spPr>
           <a:xfrm>
             <a:off x="2922480" y="1274040"/>
-            <a:ext cx="2286000" cy="1605600"/>
+            <a:ext cx="2283480" cy="1603080"/>
           </a:xfrm>
           <a:prstGeom prst="rect">
             <a:avLst/>
@@ -3785,7 +3806,7 @@
       </p:grpSpPr>
       <p:pic>
         <p:nvPicPr>
-          <p:cNvPr id="171" name="Google Shape;250;p9" descr=""/>
+          <p:cNvPr id="171" name="Google Shape;102;p 8" descr=""/>
           <p:cNvPicPr/>
           <p:nvPr/>
         </p:nvPicPr>
@@ -3795,8 +3816,8 @@
         </p:blipFill>
         <p:spPr>
           <a:xfrm rot="5400000">
-            <a:off x="-1118520" y="2058480"/>
-            <a:ext cx="10511280" cy="7116840"/>
+            <a:off x="-1113480" y="2058480"/>
+            <a:ext cx="10508760" cy="7114320"/>
           </a:xfrm>
           <a:prstGeom prst="rect">
             <a:avLst/>
@@ -3808,7 +3829,7 @@
       </p:pic>
       <p:pic>
         <p:nvPicPr>
-          <p:cNvPr id="172" name="Google Shape;251;p9" descr=""/>
+          <p:cNvPr id="172" name="Google Shape;103;p 8" descr=""/>
           <p:cNvPicPr/>
           <p:nvPr/>
         </p:nvPicPr>
@@ -3818,8 +3839,8 @@
         </p:blipFill>
         <p:spPr>
           <a:xfrm>
-            <a:off x="714240" y="723960"/>
-            <a:ext cx="6702120" cy="9799560"/>
+            <a:off x="712800" y="723600"/>
+            <a:ext cx="6700680" cy="9800280"/>
           </a:xfrm>
           <a:prstGeom prst="rect">
             <a:avLst/>
@@ -3831,7 +3852,7 @@
       </p:pic>
       <p:pic>
         <p:nvPicPr>
-          <p:cNvPr id="173" name="Google Shape;252;p9" descr=""/>
+          <p:cNvPr id="173" name="Google Shape;104;p 8" descr=""/>
           <p:cNvPicPr/>
           <p:nvPr/>
         </p:nvPicPr>
@@ -3842,8 +3863,8 @@
         </p:blipFill>
         <p:spPr>
           <a:xfrm rot="5400000">
-            <a:off x="-1506600" y="1476000"/>
-            <a:ext cx="11298600" cy="8278560"/>
+            <a:off x="-1501560" y="1473480"/>
+            <a:ext cx="11296080" cy="8276040"/>
           </a:xfrm>
           <a:prstGeom prst="rect">
             <a:avLst/>
@@ -3855,7 +3876,7 @@
       </p:pic>
       <p:pic>
         <p:nvPicPr>
-          <p:cNvPr id="174" name="Google Shape;253;p9" descr=""/>
+          <p:cNvPr id="174" name="Google Shape;105;p 8" descr=""/>
           <p:cNvPicPr/>
           <p:nvPr/>
         </p:nvPicPr>
@@ -3865,8 +3886,8 @@
         </p:blipFill>
         <p:spPr>
           <a:xfrm>
-            <a:off x="1814040" y="8340840"/>
-            <a:ext cx="1442520" cy="1258560"/>
+            <a:off x="1814400" y="8354520"/>
+            <a:ext cx="1440000" cy="1256040"/>
           </a:xfrm>
           <a:prstGeom prst="rect">
             <a:avLst/>
@@ -3878,14 +3899,14 @@
       </p:pic>
       <p:sp>
         <p:nvSpPr>
-          <p:cNvPr id="175" name="Google Shape;254;p9"/>
+          <p:cNvPr id="175" name="Google Shape;106;p 8"/>
           <p:cNvSpPr/>
           <p:nvPr/>
         </p:nvSpPr>
         <p:spPr>
           <a:xfrm>
-            <a:off x="704160" y="3409560"/>
-            <a:ext cx="6722280" cy="759960"/>
+            <a:off x="705600" y="3553200"/>
+            <a:ext cx="6723000" cy="577080"/>
           </a:xfrm>
           <a:prstGeom prst="rect">
             <a:avLst/>
@@ -3915,34 +3936,34 @@
               </a:tabLst>
             </a:pPr>
             <a:r>
-              <a:rPr b="0" lang="en-AU" sz="4400" spc="-1" strike="noStrike">
+              <a:rPr b="0" lang="en-AU" sz="3200" spc="-1" strike="noStrike">
                 <a:solidFill>
                   <a:schemeClr val="dk1"/>
                 </a:solidFill>
-                <a:latin typeface="Arial"/>
+                <a:latin typeface="Old English Five"/>
                 <a:ea typeface="Arial"/>
               </a:rPr>
               <a:t>Certificate Of Promotion</a:t>
             </a:r>
-            <a:endParaRPr b="0" lang="en-AU" sz="4400" spc="-1" strike="noStrike">
-              <a:solidFill>
-                <a:srgbClr val="000000"/>
-              </a:solidFill>
-              <a:latin typeface="Arial"/>
-            </a:endParaRPr>
-          </a:p>
-        </p:txBody>
-      </p:sp>
-      <p:sp>
-        <p:nvSpPr>
-          <p:cNvPr id="176" name="Google Shape;255;p9"/>
+            <a:endParaRPr b="0" lang="en-AU" sz="3200" spc="-1" strike="noStrike">
+              <a:solidFill>
+                <a:srgbClr val="000000"/>
+              </a:solidFill>
+              <a:latin typeface="Arial"/>
+            </a:endParaRPr>
+          </a:p>
+        </p:txBody>
+      </p:sp>
+      <p:sp>
+        <p:nvSpPr>
+          <p:cNvPr id="176" name="Google Shape;107;p 8"/>
           <p:cNvSpPr/>
           <p:nvPr/>
         </p:nvSpPr>
         <p:spPr>
           <a:xfrm>
-            <a:off x="1454400" y="4110120"/>
-            <a:ext cx="5369760" cy="638280"/>
+            <a:off x="1454400" y="4124520"/>
+            <a:ext cx="5368680" cy="638280"/>
           </a:xfrm>
           <a:prstGeom prst="rect">
             <a:avLst/>
@@ -3992,14 +4013,14 @@
       </p:sp>
       <p:sp>
         <p:nvSpPr>
-          <p:cNvPr id="177" name="Google Shape;256;p9"/>
+          <p:cNvPr id="177" name="Google Shape;108;p 8"/>
           <p:cNvSpPr/>
           <p:nvPr/>
         </p:nvSpPr>
         <p:spPr>
           <a:xfrm>
             <a:off x="2985840" y="8685000"/>
-            <a:ext cx="4281840" cy="591840"/>
+            <a:ext cx="4279320" cy="591840"/>
           </a:xfrm>
           <a:prstGeom prst="rect">
             <a:avLst/>
@@ -4029,14 +4050,14 @@
               </a:tabLst>
             </a:pPr>
             <a:r>
-              <a:rPr b="0" lang="en-AU" sz="1100" spc="-1" strike="noStrike">
-                <a:solidFill>
-                  <a:srgbClr val="000000"/>
-                </a:solidFill>
-                <a:latin typeface="Times New Roman"/>
-                <a:ea typeface="DejaVu Sans"/>
-              </a:rPr>
-              <a:t>{signaturer}</a:t>
+              <a:rPr b="1" lang="en-AU" sz="1100" spc="-1" strike="noStrike">
+                <a:solidFill>
+                  <a:srgbClr val="000000"/>
+                </a:solidFill>
+                <a:latin typeface="Times New Roman"/>
+                <a:ea typeface="Times New Roman"/>
+              </a:rPr>
+              <a:t>MAJ {signaturer}</a:t>
             </a:r>
             <a:br>
               <a:rPr sz="1100"/>
@@ -4046,10 +4067,20 @@
                 <a:solidFill>
                   <a:srgbClr val="000000"/>
                 </a:solidFill>
-                <a:latin typeface="Times New Roman"/>
-                <a:ea typeface="Times New Roman"/>
-              </a:rPr>
-              <a:t>Commanding Officer </a:t>
+                <a:latin typeface="Arial"/>
+                <a:ea typeface="DejaVu Sans"/>
+              </a:rPr>
+              <a:t>Officer Commanding</a:t>
+            </a:r>
+            <a:r>
+              <a:rPr b="1" lang="en-AU" sz="1100" spc="-1" strike="noStrike">
+                <a:solidFill>
+                  <a:srgbClr val="000000"/>
+                </a:solidFill>
+                <a:latin typeface="Times New Roman"/>
+                <a:ea typeface="Times New Roman"/>
+              </a:rPr>
+              <a:t> </a:t>
             </a:r>
             <a:br>
               <a:rPr sz="1100"/>
@@ -4075,14 +4106,14 @@
       </p:sp>
       <p:sp>
         <p:nvSpPr>
-          <p:cNvPr id="178" name="Google Shape;257;p9"/>
+          <p:cNvPr id="178" name="Google Shape;109;p 8"/>
           <p:cNvSpPr/>
           <p:nvPr/>
         </p:nvSpPr>
         <p:spPr>
           <a:xfrm>
-            <a:off x="3721320" y="8197200"/>
-            <a:ext cx="2812320" cy="516240"/>
+            <a:off x="3722400" y="8210520"/>
+            <a:ext cx="3116520" cy="516240"/>
           </a:xfrm>
           <a:prstGeom prst="rect">
             <a:avLst/>
@@ -4112,14 +4143,14 @@
               </a:tabLst>
             </a:pPr>
             <a:r>
-              <a:rPr b="0" lang="en-AU" sz="2800" spc="-1" strike="noStrike">
+              <a:rPr b="0" i="1" lang="en-AU" sz="2800" spc="-1" strike="noStrike">
                 <a:solidFill>
                   <a:schemeClr val="dk1"/>
                 </a:solidFill>
                 <a:latin typeface="Courgette"/>
                 <a:ea typeface="Courgette"/>
               </a:rPr>
-              <a:t>{signaturer}</a:t>
+              <a:t>MAJ {signaturer}</a:t>
             </a:r>
             <a:endParaRPr b="0" lang="en-AU" sz="2800" spc="-1" strike="noStrike">
               <a:solidFill>
@@ -4132,14 +4163,14 @@
       </p:sp>
       <p:cxnSp>
         <p:nvCxnSpPr>
-          <p:cNvPr id="179" name="Google Shape;258;p9"/>
+          <p:cNvPr id="179" name="Google Shape;110;p 8"/>
           <p:cNvCxnSpPr/>
           <p:nvPr/>
         </p:nvCxnSpPr>
         <p:spPr>
           <a:xfrm flipH="1">
-            <a:off x="3720960" y="8684280"/>
-            <a:ext cx="2815920" cy="1800"/>
+            <a:off x="3722400" y="8696520"/>
+            <a:ext cx="2818440" cy="4320"/>
           </a:xfrm>
           <a:prstGeom prst="straightConnector1">
             <a:avLst/>
@@ -4154,14 +4185,14 @@
       </p:cxnSp>
       <p:sp>
         <p:nvSpPr>
-          <p:cNvPr id="180" name="Google Shape;259;p9"/>
+          <p:cNvPr id="180" name="Google Shape;111;p 8"/>
           <p:cNvSpPr/>
           <p:nvPr/>
         </p:nvSpPr>
         <p:spPr>
           <a:xfrm>
-            <a:off x="886320" y="5655600"/>
-            <a:ext cx="6494760" cy="699480"/>
+            <a:off x="885600" y="5668920"/>
+            <a:ext cx="6495480" cy="699480"/>
           </a:xfrm>
           <a:prstGeom prst="rect">
             <a:avLst/>
@@ -4198,7 +4229,7 @@
                 <a:latin typeface="Times New Roman"/>
                 <a:ea typeface="Times New Roman"/>
               </a:rPr>
-              <a:t>I, {signaturer}</a:t>
+              <a:t>I, </a:t>
             </a:r>
             <a:r>
               <a:rPr b="0" i="1" lang="en-AU" sz="2000" spc="-1" strike="noStrike">
@@ -4208,7 +4239,7 @@
                 <a:latin typeface="Times New Roman"/>
                 <a:ea typeface="Times New Roman"/>
               </a:rPr>
-              <a:t>,</a:t>
+              <a:t>Major</a:t>
             </a:r>
             <a:r>
               <a:rPr b="0" lang="en-AU" sz="2000" spc="-1" strike="noStrike">
@@ -4218,7 +4249,27 @@
                 <a:latin typeface="Times New Roman"/>
                 <a:ea typeface="Times New Roman"/>
               </a:rPr>
-              <a:t> Commanding Officer, Australian Special Operations Taskforce, hereby promote</a:t>
+              <a:t> </a:t>
+            </a:r>
+            <a:r>
+              <a:rPr b="0" i="1" lang="en-AU" sz="2000" spc="-1" strike="noStrike">
+                <a:solidFill>
+                  <a:srgbClr val="000000"/>
+                </a:solidFill>
+                <a:latin typeface="Times New Roman"/>
+                <a:ea typeface="Times New Roman"/>
+              </a:rPr>
+              <a:t>{signaturer},</a:t>
+            </a:r>
+            <a:r>
+              <a:rPr b="0" lang="en-AU" sz="2000" spc="-1" strike="noStrike">
+                <a:solidFill>
+                  <a:srgbClr val="000000"/>
+                </a:solidFill>
+                <a:latin typeface="Times New Roman"/>
+                <a:ea typeface="Times New Roman"/>
+              </a:rPr>
+              <a:t> Officer Commanding, Australian Special Operations Taskforce, hereby promote</a:t>
             </a:r>
             <a:endParaRPr b="0" lang="en-AU" sz="2000" spc="-1" strike="noStrike">
               <a:solidFill>
@@ -4231,14 +4282,14 @@
       </p:sp>
       <p:sp>
         <p:nvSpPr>
-          <p:cNvPr id="181" name="Google Shape;260;p9"/>
+          <p:cNvPr id="181" name="Google Shape;113;p 8"/>
           <p:cNvSpPr/>
           <p:nvPr/>
         </p:nvSpPr>
         <p:spPr>
           <a:xfrm>
             <a:off x="817920" y="6433920"/>
-            <a:ext cx="6494760" cy="577080"/>
+            <a:ext cx="6495480" cy="577080"/>
           </a:xfrm>
           <a:prstGeom prst="rect">
             <a:avLst/>
@@ -4268,7 +4319,7 @@
               </a:tabLst>
             </a:pPr>
             <a:r>
-              <a:rPr b="0" lang="en-AU" sz="3200" spc="-1" strike="noStrike">
+              <a:rPr b="0" i="1" lang="en-AU" sz="3200" spc="-1" strike="noStrike">
                 <a:solidFill>
                   <a:srgbClr val="000000"/>
                 </a:solidFill>
@@ -4288,14 +4339,14 @@
       </p:sp>
       <p:sp>
         <p:nvSpPr>
-          <p:cNvPr id="182" name="Google Shape;261;p9"/>
+          <p:cNvPr id="182" name="Google Shape;114;p 8"/>
           <p:cNvSpPr/>
           <p:nvPr/>
         </p:nvSpPr>
         <p:spPr>
           <a:xfrm>
-            <a:off x="873720" y="7107120"/>
-            <a:ext cx="6494760" cy="699480"/>
+            <a:off x="874800" y="7119720"/>
+            <a:ext cx="6495480" cy="699480"/>
           </a:xfrm>
           <a:prstGeom prst="rect">
             <a:avLst/>
@@ -4342,7 +4393,7 @@
                 <a:latin typeface="Times New Roman"/>
                 <a:ea typeface="Times New Roman"/>
               </a:rPr>
-              <a:t>Warrant Officer 2 </a:t>
+              <a:t>Warrant Officer Class Two </a:t>
             </a:r>
             <a:r>
               <a:rPr b="0" lang="en-AU" sz="2000" spc="-1" strike="noStrike">
@@ -4354,19 +4405,6 @@
               </a:rPr>
               <a:t>with effect </a:t>
             </a:r>
-            <a:br>
-              <a:rPr sz="2000"/>
-            </a:br>
-            <a:r>
-              <a:rPr b="0" i="1" lang="en-AU" sz="2000" spc="-1" strike="noStrike">
-                <a:solidFill>
-                  <a:srgbClr val="000000"/>
-                </a:solidFill>
-                <a:latin typeface="Times New Roman"/>
-                <a:ea typeface="Times New Roman"/>
-              </a:rPr>
-              <a:t>{date}.</a:t>
-            </a:r>
             <a:endParaRPr b="0" lang="en-AU" sz="2000" spc="-1" strike="noStrike">
               <a:solidFill>
                 <a:srgbClr val="000000"/>
@@ -4374,37 +4412,6 @@
               <a:latin typeface="Arial"/>
             </a:endParaRPr>
           </a:p>
-        </p:txBody>
-      </p:sp>
-      <p:sp>
-        <p:nvSpPr>
-          <p:cNvPr id="183" name="Google Shape;262;p9"/>
-          <p:cNvSpPr/>
-          <p:nvPr/>
-        </p:nvSpPr>
-        <p:spPr>
-          <a:xfrm>
-            <a:off x="897480" y="4820400"/>
-            <a:ext cx="6494760" cy="699480"/>
-          </a:xfrm>
-          <a:prstGeom prst="rect">
-            <a:avLst/>
-          </a:prstGeom>
-          <a:noFill/>
-          <a:ln w="0">
-            <a:noFill/>
-          </a:ln>
-        </p:spPr>
-        <p:style>
-          <a:lnRef idx="0"/>
-          <a:fillRef idx="0"/>
-          <a:effectRef idx="0"/>
-          <a:fontRef idx="minor"/>
-        </p:style>
-        <p:txBody>
-          <a:bodyPr lIns="90000" rIns="90000" tIns="45000" bIns="45000" anchor="t">
-            <a:spAutoFit/>
-          </a:bodyPr>
           <a:p>
             <a:pPr algn="ctr">
               <a:lnSpc>
@@ -4422,6 +4429,63 @@
                 <a:latin typeface="Times New Roman"/>
                 <a:ea typeface="Times New Roman"/>
               </a:rPr>
+              <a:t>{date}.</a:t>
+            </a:r>
+            <a:endParaRPr b="0" lang="en-AU" sz="2000" spc="-1" strike="noStrike">
+              <a:solidFill>
+                <a:srgbClr val="000000"/>
+              </a:solidFill>
+              <a:latin typeface="Arial"/>
+            </a:endParaRPr>
+          </a:p>
+        </p:txBody>
+      </p:sp>
+      <p:sp>
+        <p:nvSpPr>
+          <p:cNvPr id="183" name="Google Shape;115;p 8"/>
+          <p:cNvSpPr/>
+          <p:nvPr/>
+        </p:nvSpPr>
+        <p:spPr>
+          <a:xfrm>
+            <a:off x="896400" y="4833720"/>
+            <a:ext cx="6495480" cy="699480"/>
+          </a:xfrm>
+          <a:prstGeom prst="rect">
+            <a:avLst/>
+          </a:prstGeom>
+          <a:noFill/>
+          <a:ln w="0">
+            <a:noFill/>
+          </a:ln>
+        </p:spPr>
+        <p:style>
+          <a:lnRef idx="0"/>
+          <a:fillRef idx="0"/>
+          <a:effectRef idx="0"/>
+          <a:fontRef idx="minor"/>
+        </p:style>
+        <p:txBody>
+          <a:bodyPr lIns="90000" rIns="90000" tIns="45000" bIns="45000" anchor="t">
+            <a:spAutoFit/>
+          </a:bodyPr>
+          <a:p>
+            <a:pPr algn="ctr">
+              <a:lnSpc>
+                <a:spcPct val="100000"/>
+              </a:lnSpc>
+              <a:tabLst>
+                <a:tab algn="l" pos="0"/>
+              </a:tabLst>
+            </a:pPr>
+            <a:r>
+              <a:rPr b="0" i="1" lang="en-AU" sz="2000" spc="-1" strike="noStrike">
+                <a:solidFill>
+                  <a:srgbClr val="000000"/>
+                </a:solidFill>
+                <a:latin typeface="Times New Roman"/>
+                <a:ea typeface="Times New Roman"/>
+              </a:rPr>
               <a:t>{name} </a:t>
             </a:r>
             <a:r>
@@ -4469,7 +4533,7 @@
         <p:spPr>
           <a:xfrm>
             <a:off x="3147480" y="1544760"/>
-            <a:ext cx="1825920" cy="1513440"/>
+            <a:ext cx="1823400" cy="1510920"/>
           </a:xfrm>
           <a:prstGeom prst="rect">
             <a:avLst/>
@@ -4511,7 +4575,7 @@
       </p:grpSpPr>
       <p:pic>
         <p:nvPicPr>
-          <p:cNvPr id="185" name="Google Shape;268;p10" descr=""/>
+          <p:cNvPr id="185" name="Google Shape;102;p 9" descr=""/>
           <p:cNvPicPr/>
           <p:nvPr/>
         </p:nvPicPr>
@@ -4521,8 +4585,8 @@
         </p:blipFill>
         <p:spPr>
           <a:xfrm rot="5400000">
-            <a:off x="-1118520" y="2058480"/>
-            <a:ext cx="10511280" cy="7116840"/>
+            <a:off x="-1113480" y="2058480"/>
+            <a:ext cx="10508760" cy="7114320"/>
           </a:xfrm>
           <a:prstGeom prst="rect">
             <a:avLst/>
@@ -4534,7 +4598,7 @@
       </p:pic>
       <p:pic>
         <p:nvPicPr>
-          <p:cNvPr id="186" name="Google Shape;269;p10" descr=""/>
+          <p:cNvPr id="186" name="Google Shape;103;p 9" descr=""/>
           <p:cNvPicPr/>
           <p:nvPr/>
         </p:nvPicPr>
@@ -4544,8 +4608,8 @@
         </p:blipFill>
         <p:spPr>
           <a:xfrm>
-            <a:off x="714240" y="723960"/>
-            <a:ext cx="6702120" cy="9799560"/>
+            <a:off x="712800" y="723600"/>
+            <a:ext cx="6700680" cy="9800280"/>
           </a:xfrm>
           <a:prstGeom prst="rect">
             <a:avLst/>
@@ -4557,7 +4621,7 @@
       </p:pic>
       <p:pic>
         <p:nvPicPr>
-          <p:cNvPr id="187" name="Google Shape;270;p10" descr=""/>
+          <p:cNvPr id="187" name="Google Shape;104;p 9" descr=""/>
           <p:cNvPicPr/>
           <p:nvPr/>
         </p:nvPicPr>
@@ -4568,8 +4632,8 @@
         </p:blipFill>
         <p:spPr>
           <a:xfrm rot="5400000">
-            <a:off x="-1506600" y="1476000"/>
-            <a:ext cx="11298600" cy="8278560"/>
+            <a:off x="-1501560" y="1473480"/>
+            <a:ext cx="11296080" cy="8276040"/>
           </a:xfrm>
           <a:prstGeom prst="rect">
             <a:avLst/>
@@ -4581,7 +4645,7 @@
       </p:pic>
       <p:pic>
         <p:nvPicPr>
-          <p:cNvPr id="188" name="Google Shape;271;p10" descr=""/>
+          <p:cNvPr id="188" name="Google Shape;105;p 9" descr=""/>
           <p:cNvPicPr/>
           <p:nvPr/>
         </p:nvPicPr>
@@ -4591,8 +4655,8 @@
         </p:blipFill>
         <p:spPr>
           <a:xfrm>
-            <a:off x="1814040" y="8340840"/>
-            <a:ext cx="1442520" cy="1258560"/>
+            <a:off x="1814400" y="8354520"/>
+            <a:ext cx="1440000" cy="1256040"/>
           </a:xfrm>
           <a:prstGeom prst="rect">
             <a:avLst/>
@@ -4604,14 +4668,14 @@
       </p:pic>
       <p:sp>
         <p:nvSpPr>
-          <p:cNvPr id="189" name="Google Shape;272;p10"/>
+          <p:cNvPr id="189" name="Google Shape;106;p 9"/>
           <p:cNvSpPr/>
           <p:nvPr/>
         </p:nvSpPr>
         <p:spPr>
           <a:xfrm>
-            <a:off x="704160" y="3409560"/>
-            <a:ext cx="6722280" cy="759960"/>
+            <a:off x="705600" y="3553200"/>
+            <a:ext cx="6723000" cy="577080"/>
           </a:xfrm>
           <a:prstGeom prst="rect">
             <a:avLst/>
@@ -4641,34 +4705,34 @@
               </a:tabLst>
             </a:pPr>
             <a:r>
-              <a:rPr b="0" lang="en-AU" sz="4400" spc="-1" strike="noStrike">
+              <a:rPr b="0" lang="en-AU" sz="3200" spc="-1" strike="noStrike">
                 <a:solidFill>
                   <a:schemeClr val="dk1"/>
                 </a:solidFill>
-                <a:latin typeface="Arial"/>
+                <a:latin typeface="Old English Five"/>
                 <a:ea typeface="Arial"/>
               </a:rPr>
               <a:t>Certificate Of Promotion</a:t>
             </a:r>
-            <a:endParaRPr b="0" lang="en-AU" sz="4400" spc="-1" strike="noStrike">
-              <a:solidFill>
-                <a:srgbClr val="000000"/>
-              </a:solidFill>
-              <a:latin typeface="Arial"/>
-            </a:endParaRPr>
-          </a:p>
-        </p:txBody>
-      </p:sp>
-      <p:sp>
-        <p:nvSpPr>
-          <p:cNvPr id="190" name="Google Shape;273;p10"/>
+            <a:endParaRPr b="0" lang="en-AU" sz="3200" spc="-1" strike="noStrike">
+              <a:solidFill>
+                <a:srgbClr val="000000"/>
+              </a:solidFill>
+              <a:latin typeface="Arial"/>
+            </a:endParaRPr>
+          </a:p>
+        </p:txBody>
+      </p:sp>
+      <p:sp>
+        <p:nvSpPr>
+          <p:cNvPr id="190" name="Google Shape;107;p 9"/>
           <p:cNvSpPr/>
           <p:nvPr/>
         </p:nvSpPr>
         <p:spPr>
           <a:xfrm>
-            <a:off x="1454400" y="4110120"/>
-            <a:ext cx="5369760" cy="638280"/>
+            <a:off x="1454400" y="4124520"/>
+            <a:ext cx="5368680" cy="638280"/>
           </a:xfrm>
           <a:prstGeom prst="rect">
             <a:avLst/>
@@ -4718,14 +4782,14 @@
       </p:sp>
       <p:sp>
         <p:nvSpPr>
-          <p:cNvPr id="191" name="Google Shape;274;p10"/>
+          <p:cNvPr id="191" name="Google Shape;108;p 9"/>
           <p:cNvSpPr/>
           <p:nvPr/>
         </p:nvSpPr>
         <p:spPr>
           <a:xfrm>
             <a:off x="2985840" y="8685000"/>
-            <a:ext cx="4281840" cy="591840"/>
+            <a:ext cx="4279320" cy="591840"/>
           </a:xfrm>
           <a:prstGeom prst="rect">
             <a:avLst/>
@@ -4755,14 +4819,14 @@
               </a:tabLst>
             </a:pPr>
             <a:r>
-              <a:rPr b="0" lang="en-AU" sz="1100" spc="-1" strike="noStrike">
-                <a:solidFill>
-                  <a:srgbClr val="000000"/>
-                </a:solidFill>
-                <a:latin typeface="Times New Roman"/>
-                <a:ea typeface="DejaVu Sans"/>
-              </a:rPr>
-              <a:t>{signaturer}</a:t>
+              <a:rPr b="1" lang="en-AU" sz="1100" spc="-1" strike="noStrike">
+                <a:solidFill>
+                  <a:srgbClr val="000000"/>
+                </a:solidFill>
+                <a:latin typeface="Times New Roman"/>
+                <a:ea typeface="Times New Roman"/>
+              </a:rPr>
+              <a:t>MAJ {signaturer}</a:t>
             </a:r>
             <a:br>
               <a:rPr sz="1100"/>
@@ -4772,10 +4836,10 @@
                 <a:solidFill>
                   <a:srgbClr val="000000"/>
                 </a:solidFill>
-                <a:latin typeface="Times New Roman"/>
-                <a:ea typeface="Times New Roman"/>
-              </a:rPr>
-              <a:t>Commanding Officer </a:t>
+                <a:latin typeface="Arial"/>
+                <a:ea typeface="DejaVu Sans"/>
+              </a:rPr>
+              <a:t>Officer Commanding</a:t>
             </a:r>
             <a:br>
               <a:rPr sz="1100"/>
@@ -4801,14 +4865,14 @@
       </p:sp>
       <p:sp>
         <p:nvSpPr>
-          <p:cNvPr id="192" name="Google Shape;275;p10"/>
+          <p:cNvPr id="192" name="Google Shape;109;p 9"/>
           <p:cNvSpPr/>
           <p:nvPr/>
         </p:nvSpPr>
         <p:spPr>
           <a:xfrm>
-            <a:off x="3721320" y="8197200"/>
-            <a:ext cx="2812320" cy="516240"/>
+            <a:off x="3722400" y="8210520"/>
+            <a:ext cx="3116520" cy="516240"/>
           </a:xfrm>
           <a:prstGeom prst="rect">
             <a:avLst/>
@@ -4838,14 +4902,14 @@
               </a:tabLst>
             </a:pPr>
             <a:r>
-              <a:rPr b="0" lang="en-AU" sz="2800" spc="-1" strike="noStrike">
+              <a:rPr b="0" i="1" lang="en-AU" sz="2800" spc="-1" strike="noStrike">
                 <a:solidFill>
                   <a:schemeClr val="dk1"/>
                 </a:solidFill>
                 <a:latin typeface="Courgette"/>
                 <a:ea typeface="Courgette"/>
               </a:rPr>
-              <a:t>{signaturer}</a:t>
+              <a:t>MAJ {signaturer}</a:t>
             </a:r>
             <a:endParaRPr b="0" lang="en-AU" sz="2800" spc="-1" strike="noStrike">
               <a:solidFill>
@@ -4858,14 +4922,14 @@
       </p:sp>
       <p:cxnSp>
         <p:nvCxnSpPr>
-          <p:cNvPr id="193" name="Google Shape;276;p10"/>
+          <p:cNvPr id="193" name="Google Shape;110;p 9"/>
           <p:cNvCxnSpPr/>
           <p:nvPr/>
         </p:nvCxnSpPr>
         <p:spPr>
           <a:xfrm flipH="1">
-            <a:off x="3720960" y="8684280"/>
-            <a:ext cx="2815920" cy="1800"/>
+            <a:off x="3722400" y="8696520"/>
+            <a:ext cx="2818440" cy="4320"/>
           </a:xfrm>
           <a:prstGeom prst="straightConnector1">
             <a:avLst/>
@@ -4880,14 +4944,14 @@
       </p:cxnSp>
       <p:sp>
         <p:nvSpPr>
-          <p:cNvPr id="194" name="Google Shape;277;p10"/>
+          <p:cNvPr id="194" name="Google Shape;111;p 9"/>
           <p:cNvSpPr/>
           <p:nvPr/>
         </p:nvSpPr>
         <p:spPr>
           <a:xfrm>
-            <a:off x="886320" y="5655600"/>
-            <a:ext cx="6494760" cy="699480"/>
+            <a:off x="885600" y="5668920"/>
+            <a:ext cx="6495480" cy="699480"/>
           </a:xfrm>
           <a:prstGeom prst="rect">
             <a:avLst/>
@@ -4924,7 +4988,7 @@
                 <a:latin typeface="Times New Roman"/>
                 <a:ea typeface="Times New Roman"/>
               </a:rPr>
-              <a:t>I, {signaturer}</a:t>
+              <a:t>I, </a:t>
             </a:r>
             <a:r>
               <a:rPr b="0" i="1" lang="en-AU" sz="2000" spc="-1" strike="noStrike">
@@ -4934,7 +4998,7 @@
                 <a:latin typeface="Times New Roman"/>
                 <a:ea typeface="Times New Roman"/>
               </a:rPr>
-              <a:t>,</a:t>
+              <a:t>Major</a:t>
             </a:r>
             <a:r>
               <a:rPr b="0" lang="en-AU" sz="2000" spc="-1" strike="noStrike">
@@ -4944,7 +5008,27 @@
                 <a:latin typeface="Times New Roman"/>
                 <a:ea typeface="Times New Roman"/>
               </a:rPr>
-              <a:t> Commanding Officer, Australian Special Operations Taskforce, hereby promote</a:t>
+              <a:t> </a:t>
+            </a:r>
+            <a:r>
+              <a:rPr b="0" i="1" lang="en-AU" sz="2000" spc="-1" strike="noStrike">
+                <a:solidFill>
+                  <a:srgbClr val="000000"/>
+                </a:solidFill>
+                <a:latin typeface="Times New Roman"/>
+                <a:ea typeface="Times New Roman"/>
+              </a:rPr>
+              <a:t>{signaturer},</a:t>
+            </a:r>
+            <a:r>
+              <a:rPr b="0" lang="en-AU" sz="2000" spc="-1" strike="noStrike">
+                <a:solidFill>
+                  <a:srgbClr val="000000"/>
+                </a:solidFill>
+                <a:latin typeface="Times New Roman"/>
+                <a:ea typeface="Times New Roman"/>
+              </a:rPr>
+              <a:t> Officer Commanding, Australian Special Operations Taskforce, hereby promote</a:t>
             </a:r>
             <a:endParaRPr b="0" lang="en-AU" sz="2000" spc="-1" strike="noStrike">
               <a:solidFill>
@@ -4957,14 +5041,14 @@
       </p:sp>
       <p:sp>
         <p:nvSpPr>
-          <p:cNvPr id="195" name="Google Shape;278;p10"/>
+          <p:cNvPr id="195" name="Google Shape;113;p 9"/>
           <p:cNvSpPr/>
           <p:nvPr/>
         </p:nvSpPr>
         <p:spPr>
           <a:xfrm>
             <a:off x="817920" y="6433920"/>
-            <a:ext cx="6494760" cy="577080"/>
+            <a:ext cx="6495480" cy="577080"/>
           </a:xfrm>
           <a:prstGeom prst="rect">
             <a:avLst/>
@@ -4994,14 +5078,14 @@
               </a:tabLst>
             </a:pPr>
             <a:r>
-              <a:rPr b="0" lang="en-AU" sz="3200" spc="-1" strike="noStrike">
-                <a:solidFill>
-                  <a:srgbClr val="000000"/>
-                </a:solidFill>
-                <a:latin typeface="Times New Roman"/>
-                <a:ea typeface="Times New Roman"/>
-              </a:rPr>
-              <a:t>{name} </a:t>
+              <a:rPr b="0" i="1" lang="en-AU" sz="3200" spc="-1" strike="noStrike">
+                <a:solidFill>
+                  <a:srgbClr val="000000"/>
+                </a:solidFill>
+                <a:latin typeface="Times New Roman"/>
+                <a:ea typeface="Times New Roman"/>
+              </a:rPr>
+              <a:t>{name}</a:t>
             </a:r>
             <a:endParaRPr b="0" lang="en-AU" sz="3200" spc="-1" strike="noStrike">
               <a:solidFill>
@@ -5014,14 +5098,14 @@
       </p:sp>
       <p:sp>
         <p:nvSpPr>
-          <p:cNvPr id="196" name="Google Shape;279;p10"/>
+          <p:cNvPr id="196" name="Google Shape;114;p 9"/>
           <p:cNvSpPr/>
           <p:nvPr/>
         </p:nvSpPr>
         <p:spPr>
           <a:xfrm>
-            <a:off x="873720" y="7107120"/>
-            <a:ext cx="6494760" cy="394560"/>
+            <a:off x="874800" y="7119720"/>
+            <a:ext cx="6495480" cy="699480"/>
           </a:xfrm>
           <a:prstGeom prst="rect">
             <a:avLst/>
@@ -5078,7 +5162,7 @@
                 <a:latin typeface="Times New Roman"/>
                 <a:ea typeface="Times New Roman"/>
               </a:rPr>
-              <a:t>with effect {date}.</a:t>
+              <a:t>with effect </a:t>
             </a:r>
             <a:endParaRPr b="0" lang="en-AU" sz="2000" spc="-1" strike="noStrike">
               <a:solidFill>
@@ -5087,37 +5171,6 @@
               <a:latin typeface="Arial"/>
             </a:endParaRPr>
           </a:p>
-        </p:txBody>
-      </p:sp>
-      <p:sp>
-        <p:nvSpPr>
-          <p:cNvPr id="197" name="Google Shape;280;p10"/>
-          <p:cNvSpPr/>
-          <p:nvPr/>
-        </p:nvSpPr>
-        <p:spPr>
-          <a:xfrm>
-            <a:off x="897480" y="4820400"/>
-            <a:ext cx="6494760" cy="699480"/>
-          </a:xfrm>
-          <a:prstGeom prst="rect">
-            <a:avLst/>
-          </a:prstGeom>
-          <a:noFill/>
-          <a:ln w="0">
-            <a:noFill/>
-          </a:ln>
-        </p:spPr>
-        <p:style>
-          <a:lnRef idx="0"/>
-          <a:fillRef idx="0"/>
-          <a:effectRef idx="0"/>
-          <a:fontRef idx="minor"/>
-        </p:style>
-        <p:txBody>
-          <a:bodyPr lIns="90000" rIns="90000" tIns="45000" bIns="45000" anchor="t">
-            <a:spAutoFit/>
-          </a:bodyPr>
           <a:p>
             <a:pPr algn="ctr">
               <a:lnSpc>
@@ -5135,6 +5188,63 @@
                 <a:latin typeface="Times New Roman"/>
                 <a:ea typeface="Times New Roman"/>
               </a:rPr>
+              <a:t>{date}.</a:t>
+            </a:r>
+            <a:endParaRPr b="0" lang="en-AU" sz="2000" spc="-1" strike="noStrike">
+              <a:solidFill>
+                <a:srgbClr val="000000"/>
+              </a:solidFill>
+              <a:latin typeface="Arial"/>
+            </a:endParaRPr>
+          </a:p>
+        </p:txBody>
+      </p:sp>
+      <p:sp>
+        <p:nvSpPr>
+          <p:cNvPr id="197" name="Google Shape;115;p 9"/>
+          <p:cNvSpPr/>
+          <p:nvPr/>
+        </p:nvSpPr>
+        <p:spPr>
+          <a:xfrm>
+            <a:off x="896400" y="4833720"/>
+            <a:ext cx="6495480" cy="699480"/>
+          </a:xfrm>
+          <a:prstGeom prst="rect">
+            <a:avLst/>
+          </a:prstGeom>
+          <a:noFill/>
+          <a:ln w="0">
+            <a:noFill/>
+          </a:ln>
+        </p:spPr>
+        <p:style>
+          <a:lnRef idx="0"/>
+          <a:fillRef idx="0"/>
+          <a:effectRef idx="0"/>
+          <a:fontRef idx="minor"/>
+        </p:style>
+        <p:txBody>
+          <a:bodyPr lIns="90000" rIns="90000" tIns="45000" bIns="45000" anchor="t">
+            <a:spAutoFit/>
+          </a:bodyPr>
+          <a:p>
+            <a:pPr algn="ctr">
+              <a:lnSpc>
+                <a:spcPct val="100000"/>
+              </a:lnSpc>
+              <a:tabLst>
+                <a:tab algn="l" pos="0"/>
+              </a:tabLst>
+            </a:pPr>
+            <a:r>
+              <a:rPr b="0" i="1" lang="en-AU" sz="2000" spc="-1" strike="noStrike">
+                <a:solidFill>
+                  <a:srgbClr val="000000"/>
+                </a:solidFill>
+                <a:latin typeface="Times New Roman"/>
+                <a:ea typeface="Times New Roman"/>
+              </a:rPr>
               <a:t>{name} </a:t>
             </a:r>
             <a:r>
@@ -5181,8 +5291,8 @@
         </p:blipFill>
         <p:spPr>
           <a:xfrm>
-            <a:off x="3101040" y="1388520"/>
-            <a:ext cx="1928520" cy="1928520"/>
+            <a:off x="3101400" y="1388880"/>
+            <a:ext cx="1926000" cy="1926000"/>
           </a:xfrm>
           <a:prstGeom prst="rect">
             <a:avLst/>
@@ -5224,7 +5334,7 @@
       </p:grpSpPr>
       <p:pic>
         <p:nvPicPr>
-          <p:cNvPr id="199" name="Google Shape;286;p11" descr=""/>
+          <p:cNvPr id="199" name="Google Shape;102;p 10" descr=""/>
           <p:cNvPicPr/>
           <p:nvPr/>
         </p:nvPicPr>
@@ -5234,8 +5344,8 @@
         </p:blipFill>
         <p:spPr>
           <a:xfrm rot="5400000">
-            <a:off x="-1118520" y="2058480"/>
-            <a:ext cx="10511280" cy="7116840"/>
+            <a:off x="-1113480" y="2058480"/>
+            <a:ext cx="10508760" cy="7114320"/>
           </a:xfrm>
           <a:prstGeom prst="rect">
             <a:avLst/>
@@ -5247,7 +5357,7 @@
       </p:pic>
       <p:pic>
         <p:nvPicPr>
-          <p:cNvPr id="200" name="Google Shape;287;p11" descr=""/>
+          <p:cNvPr id="200" name="Google Shape;103;p 10" descr=""/>
           <p:cNvPicPr/>
           <p:nvPr/>
         </p:nvPicPr>
@@ -5257,8 +5367,8 @@
         </p:blipFill>
         <p:spPr>
           <a:xfrm>
-            <a:off x="714240" y="723960"/>
-            <a:ext cx="6702120" cy="9799560"/>
+            <a:off x="712800" y="723600"/>
+            <a:ext cx="6700680" cy="9800280"/>
           </a:xfrm>
           <a:prstGeom prst="rect">
             <a:avLst/>
@@ -5270,7 +5380,7 @@
       </p:pic>
       <p:pic>
         <p:nvPicPr>
-          <p:cNvPr id="201" name="Google Shape;288;p11" descr=""/>
+          <p:cNvPr id="201" name="Google Shape;104;p 10" descr=""/>
           <p:cNvPicPr/>
           <p:nvPr/>
         </p:nvPicPr>
@@ -5281,8 +5391,8 @@
         </p:blipFill>
         <p:spPr>
           <a:xfrm rot="5400000">
-            <a:off x="-1506600" y="1476000"/>
-            <a:ext cx="11298600" cy="8278560"/>
+            <a:off x="-1501560" y="1473480"/>
+            <a:ext cx="11296080" cy="8276040"/>
           </a:xfrm>
           <a:prstGeom prst="rect">
             <a:avLst/>
@@ -5294,7 +5404,7 @@
       </p:pic>
       <p:pic>
         <p:nvPicPr>
-          <p:cNvPr id="202" name="Google Shape;289;p11" descr=""/>
+          <p:cNvPr id="202" name="Google Shape;105;p 10" descr=""/>
           <p:cNvPicPr/>
           <p:nvPr/>
         </p:nvPicPr>
@@ -5304,8 +5414,8 @@
         </p:blipFill>
         <p:spPr>
           <a:xfrm>
-            <a:off x="1814040" y="8340840"/>
-            <a:ext cx="1442520" cy="1258560"/>
+            <a:off x="1814400" y="8354520"/>
+            <a:ext cx="1440000" cy="1256040"/>
           </a:xfrm>
           <a:prstGeom prst="rect">
             <a:avLst/>
@@ -5317,14 +5427,14 @@
       </p:pic>
       <p:sp>
         <p:nvSpPr>
-          <p:cNvPr id="203" name="Google Shape;290;p11"/>
+          <p:cNvPr id="203" name="Google Shape;106;p 10"/>
           <p:cNvSpPr/>
           <p:nvPr/>
         </p:nvSpPr>
         <p:spPr>
           <a:xfrm>
-            <a:off x="704160" y="3409560"/>
-            <a:ext cx="6722280" cy="759960"/>
+            <a:off x="705600" y="3553200"/>
+            <a:ext cx="6723000" cy="577080"/>
           </a:xfrm>
           <a:prstGeom prst="rect">
             <a:avLst/>
@@ -5354,34 +5464,34 @@
               </a:tabLst>
             </a:pPr>
             <a:r>
-              <a:rPr b="0" lang="en-AU" sz="4400" spc="-1" strike="noStrike">
+              <a:rPr b="0" lang="en-AU" sz="3200" spc="-1" strike="noStrike">
                 <a:solidFill>
                   <a:schemeClr val="dk1"/>
                 </a:solidFill>
-                <a:latin typeface="Arial"/>
+                <a:latin typeface="Old English Five"/>
                 <a:ea typeface="Arial"/>
               </a:rPr>
               <a:t>Certificate Of Promotion</a:t>
             </a:r>
-            <a:endParaRPr b="0" lang="en-AU" sz="4400" spc="-1" strike="noStrike">
-              <a:solidFill>
-                <a:srgbClr val="000000"/>
-              </a:solidFill>
-              <a:latin typeface="Arial"/>
-            </a:endParaRPr>
-          </a:p>
-        </p:txBody>
-      </p:sp>
-      <p:sp>
-        <p:nvSpPr>
-          <p:cNvPr id="204" name="Google Shape;291;p11"/>
+            <a:endParaRPr b="0" lang="en-AU" sz="3200" spc="-1" strike="noStrike">
+              <a:solidFill>
+                <a:srgbClr val="000000"/>
+              </a:solidFill>
+              <a:latin typeface="Arial"/>
+            </a:endParaRPr>
+          </a:p>
+        </p:txBody>
+      </p:sp>
+      <p:sp>
+        <p:nvSpPr>
+          <p:cNvPr id="204" name="Google Shape;107;p 10"/>
           <p:cNvSpPr/>
           <p:nvPr/>
         </p:nvSpPr>
         <p:spPr>
           <a:xfrm>
-            <a:off x="1454400" y="4110120"/>
-            <a:ext cx="5370120" cy="638280"/>
+            <a:off x="1454400" y="4124520"/>
+            <a:ext cx="5368680" cy="638280"/>
           </a:xfrm>
           <a:prstGeom prst="rect">
             <a:avLst/>
@@ -5431,14 +5541,14 @@
       </p:sp>
       <p:sp>
         <p:nvSpPr>
-          <p:cNvPr id="205" name="Google Shape;292;p11"/>
+          <p:cNvPr id="205" name="Google Shape;108;p 10"/>
           <p:cNvSpPr/>
           <p:nvPr/>
         </p:nvSpPr>
         <p:spPr>
           <a:xfrm>
             <a:off x="2985840" y="8685000"/>
-            <a:ext cx="4281840" cy="591840"/>
+            <a:ext cx="4279320" cy="591840"/>
           </a:xfrm>
           <a:prstGeom prst="rect">
             <a:avLst/>
@@ -5468,14 +5578,14 @@
               </a:tabLst>
             </a:pPr>
             <a:r>
-              <a:rPr b="0" lang="en-AU" sz="1100" spc="-1" strike="noStrike">
-                <a:solidFill>
-                  <a:srgbClr val="000000"/>
-                </a:solidFill>
-                <a:latin typeface="Times New Roman"/>
-                <a:ea typeface="DejaVu Sans"/>
-              </a:rPr>
-              <a:t>{signaturer}</a:t>
+              <a:rPr b="1" lang="en-AU" sz="1100" spc="-1" strike="noStrike">
+                <a:solidFill>
+                  <a:srgbClr val="000000"/>
+                </a:solidFill>
+                <a:latin typeface="Times New Roman"/>
+                <a:ea typeface="Times New Roman"/>
+              </a:rPr>
+              <a:t>MAJ {signaturer}</a:t>
             </a:r>
             <a:br>
               <a:rPr sz="1100"/>
@@ -5485,10 +5595,20 @@
                 <a:solidFill>
                   <a:srgbClr val="000000"/>
                 </a:solidFill>
-                <a:latin typeface="Times New Roman"/>
-                <a:ea typeface="Times New Roman"/>
-              </a:rPr>
-              <a:t>Commanding Officer </a:t>
+                <a:latin typeface="Arial"/>
+                <a:ea typeface="DejaVu Sans"/>
+              </a:rPr>
+              <a:t>Officer Commanding</a:t>
+            </a:r>
+            <a:r>
+              <a:rPr b="1" lang="en-AU" sz="1100" spc="-1" strike="noStrike">
+                <a:solidFill>
+                  <a:srgbClr val="000000"/>
+                </a:solidFill>
+                <a:latin typeface="Times New Roman"/>
+                <a:ea typeface="Times New Roman"/>
+              </a:rPr>
+              <a:t> </a:t>
             </a:r>
             <a:br>
               <a:rPr sz="1100"/>
@@ -5514,14 +5634,14 @@
       </p:sp>
       <p:sp>
         <p:nvSpPr>
-          <p:cNvPr id="206" name="Google Shape;293;p11"/>
+          <p:cNvPr id="206" name="Google Shape;109;p 10"/>
           <p:cNvSpPr/>
           <p:nvPr/>
         </p:nvSpPr>
         <p:spPr>
           <a:xfrm>
-            <a:off x="3721320" y="8197200"/>
-            <a:ext cx="2812320" cy="516240"/>
+            <a:off x="3722400" y="8210520"/>
+            <a:ext cx="3116520" cy="516240"/>
           </a:xfrm>
           <a:prstGeom prst="rect">
             <a:avLst/>
@@ -5551,14 +5671,14 @@
               </a:tabLst>
             </a:pPr>
             <a:r>
-              <a:rPr b="0" lang="en-AU" sz="2800" spc="-1" strike="noStrike">
+              <a:rPr b="0" i="1" lang="en-AU" sz="2800" spc="-1" strike="noStrike">
                 <a:solidFill>
                   <a:schemeClr val="dk1"/>
                 </a:solidFill>
                 <a:latin typeface="Courgette"/>
                 <a:ea typeface="Courgette"/>
               </a:rPr>
-              <a:t>{signaturer}</a:t>
+              <a:t>MAJ {signaturer}</a:t>
             </a:r>
             <a:endParaRPr b="0" lang="en-AU" sz="2800" spc="-1" strike="noStrike">
               <a:solidFill>
@@ -5571,14 +5691,14 @@
       </p:sp>
       <p:cxnSp>
         <p:nvCxnSpPr>
-          <p:cNvPr id="207" name="Google Shape;294;p11"/>
+          <p:cNvPr id="207" name="Google Shape;110;p 10"/>
           <p:cNvCxnSpPr/>
           <p:nvPr/>
         </p:nvCxnSpPr>
         <p:spPr>
           <a:xfrm flipH="1">
-            <a:off x="3720960" y="8684280"/>
-            <a:ext cx="2815920" cy="1800"/>
+            <a:off x="3722400" y="8696520"/>
+            <a:ext cx="2818440" cy="4320"/>
           </a:xfrm>
           <a:prstGeom prst="straightConnector1">
             <a:avLst/>
@@ -5593,14 +5713,14 @@
       </p:cxnSp>
       <p:sp>
         <p:nvSpPr>
-          <p:cNvPr id="208" name="Google Shape;295;p11"/>
+          <p:cNvPr id="208" name="Google Shape;111;p 10"/>
           <p:cNvSpPr/>
           <p:nvPr/>
         </p:nvSpPr>
         <p:spPr>
           <a:xfrm>
-            <a:off x="886320" y="5655600"/>
-            <a:ext cx="6494760" cy="699480"/>
+            <a:off x="885600" y="5668920"/>
+            <a:ext cx="6495480" cy="699480"/>
           </a:xfrm>
           <a:prstGeom prst="rect">
             <a:avLst/>
@@ -5637,7 +5757,7 @@
                 <a:latin typeface="Times New Roman"/>
                 <a:ea typeface="Times New Roman"/>
               </a:rPr>
-              <a:t>I, {signaturer}</a:t>
+              <a:t>I, </a:t>
             </a:r>
             <a:r>
               <a:rPr b="0" i="1" lang="en-AU" sz="2000" spc="-1" strike="noStrike">
@@ -5647,7 +5767,7 @@
                 <a:latin typeface="Times New Roman"/>
                 <a:ea typeface="Times New Roman"/>
               </a:rPr>
-              <a:t>,</a:t>
+              <a:t>Major</a:t>
             </a:r>
             <a:r>
               <a:rPr b="0" lang="en-AU" sz="2000" spc="-1" strike="noStrike">
@@ -5657,7 +5777,27 @@
                 <a:latin typeface="Times New Roman"/>
                 <a:ea typeface="Times New Roman"/>
               </a:rPr>
-              <a:t> Commanding Officer, Australian Special Operations Taskforce, hereby promote</a:t>
+              <a:t> </a:t>
+            </a:r>
+            <a:r>
+              <a:rPr b="0" i="1" lang="en-AU" sz="2000" spc="-1" strike="noStrike">
+                <a:solidFill>
+                  <a:srgbClr val="000000"/>
+                </a:solidFill>
+                <a:latin typeface="Times New Roman"/>
+                <a:ea typeface="Times New Roman"/>
+              </a:rPr>
+              <a:t>{signaturer},</a:t>
+            </a:r>
+            <a:r>
+              <a:rPr b="0" lang="en-AU" sz="2000" spc="-1" strike="noStrike">
+                <a:solidFill>
+                  <a:srgbClr val="000000"/>
+                </a:solidFill>
+                <a:latin typeface="Times New Roman"/>
+                <a:ea typeface="Times New Roman"/>
+              </a:rPr>
+              <a:t> Officer Commanding, Australian Special Operations Taskforce, hereby promote</a:t>
             </a:r>
             <a:endParaRPr b="0" lang="en-AU" sz="2000" spc="-1" strike="noStrike">
               <a:solidFill>
@@ -5670,14 +5810,14 @@
       </p:sp>
       <p:sp>
         <p:nvSpPr>
-          <p:cNvPr id="209" name="Google Shape;296;p11"/>
+          <p:cNvPr id="209" name="Google Shape;113;p 10"/>
           <p:cNvSpPr/>
           <p:nvPr/>
         </p:nvSpPr>
         <p:spPr>
           <a:xfrm>
             <a:off x="817920" y="6433920"/>
-            <a:ext cx="6495120" cy="577080"/>
+            <a:ext cx="6495480" cy="577080"/>
           </a:xfrm>
           <a:prstGeom prst="rect">
             <a:avLst/>
@@ -5709,7 +5849,7 @@
             <a:r>
               <a:rPr b="0" i="1" lang="en-AU" sz="3200" spc="-1" strike="noStrike">
                 <a:solidFill>
-                  <a:schemeClr val="dk1"/>
+                  <a:srgbClr val="000000"/>
                 </a:solidFill>
                 <a:latin typeface="Times New Roman"/>
                 <a:ea typeface="Times New Roman"/>
@@ -5727,14 +5867,14 @@
       </p:sp>
       <p:sp>
         <p:nvSpPr>
-          <p:cNvPr id="210" name="Google Shape;297;p11"/>
+          <p:cNvPr id="210" name="Google Shape;114;p 10"/>
           <p:cNvSpPr/>
           <p:nvPr/>
         </p:nvSpPr>
         <p:spPr>
           <a:xfrm>
-            <a:off x="873720" y="7107120"/>
-            <a:ext cx="6494760" cy="394560"/>
+            <a:off x="874800" y="7119720"/>
+            <a:ext cx="6495480" cy="699480"/>
           </a:xfrm>
           <a:prstGeom prst="rect">
             <a:avLst/>
@@ -5793,26 +5933,6 @@
               </a:rPr>
               <a:t>with effect </a:t>
             </a:r>
-            <a:r>
-              <a:rPr b="0" i="1" lang="en-AU" sz="2000" spc="-1" strike="noStrike">
-                <a:solidFill>
-                  <a:srgbClr val="000000"/>
-                </a:solidFill>
-                <a:latin typeface="Times New Roman"/>
-                <a:ea typeface="Times New Roman"/>
-              </a:rPr>
-              <a:t>{date}.</a:t>
-            </a:r>
-            <a:r>
-              <a:rPr b="0" lang="en-AU" sz="2000" spc="-1" strike="noStrike">
-                <a:solidFill>
-                  <a:srgbClr val="000000"/>
-                </a:solidFill>
-                <a:latin typeface="Times New Roman"/>
-                <a:ea typeface="Times New Roman"/>
-              </a:rPr>
-              <a:t> </a:t>
-            </a:r>
             <a:endParaRPr b="0" lang="en-AU" sz="2000" spc="-1" strike="noStrike">
               <a:solidFill>
                 <a:srgbClr val="000000"/>
@@ -5820,37 +5940,6 @@
               <a:latin typeface="Arial"/>
             </a:endParaRPr>
           </a:p>
-        </p:txBody>
-      </p:sp>
-      <p:sp>
-        <p:nvSpPr>
-          <p:cNvPr id="211" name="Google Shape;298;p11"/>
-          <p:cNvSpPr/>
-          <p:nvPr/>
-        </p:nvSpPr>
-        <p:spPr>
-          <a:xfrm>
-            <a:off x="886320" y="4748400"/>
-            <a:ext cx="6505920" cy="699480"/>
-          </a:xfrm>
-          <a:prstGeom prst="rect">
-            <a:avLst/>
-          </a:prstGeom>
-          <a:noFill/>
-          <a:ln w="0">
-            <a:noFill/>
-          </a:ln>
-        </p:spPr>
-        <p:style>
-          <a:lnRef idx="0"/>
-          <a:fillRef idx="0"/>
-          <a:effectRef idx="0"/>
-          <a:fontRef idx="minor"/>
-        </p:style>
-        <p:txBody>
-          <a:bodyPr lIns="90000" rIns="90000" tIns="45000" bIns="45000" anchor="t">
-            <a:spAutoFit/>
-          </a:bodyPr>
           <a:p>
             <a:pPr algn="ctr">
               <a:lnSpc>
@@ -5863,7 +5952,64 @@
             <a:r>
               <a:rPr b="0" i="1" lang="en-AU" sz="2000" spc="-1" strike="noStrike">
                 <a:solidFill>
-                  <a:schemeClr val="dk1"/>
+                  <a:srgbClr val="000000"/>
+                </a:solidFill>
+                <a:latin typeface="Times New Roman"/>
+                <a:ea typeface="Times New Roman"/>
+              </a:rPr>
+              <a:t>{date}.</a:t>
+            </a:r>
+            <a:endParaRPr b="0" lang="en-AU" sz="2000" spc="-1" strike="noStrike">
+              <a:solidFill>
+                <a:srgbClr val="000000"/>
+              </a:solidFill>
+              <a:latin typeface="Arial"/>
+            </a:endParaRPr>
+          </a:p>
+        </p:txBody>
+      </p:sp>
+      <p:sp>
+        <p:nvSpPr>
+          <p:cNvPr id="211" name="Google Shape;115;p 10"/>
+          <p:cNvSpPr/>
+          <p:nvPr/>
+        </p:nvSpPr>
+        <p:spPr>
+          <a:xfrm>
+            <a:off x="896400" y="4833720"/>
+            <a:ext cx="6495480" cy="699480"/>
+          </a:xfrm>
+          <a:prstGeom prst="rect">
+            <a:avLst/>
+          </a:prstGeom>
+          <a:noFill/>
+          <a:ln w="0">
+            <a:noFill/>
+          </a:ln>
+        </p:spPr>
+        <p:style>
+          <a:lnRef idx="0"/>
+          <a:fillRef idx="0"/>
+          <a:effectRef idx="0"/>
+          <a:fontRef idx="minor"/>
+        </p:style>
+        <p:txBody>
+          <a:bodyPr lIns="90000" rIns="90000" tIns="45000" bIns="45000" anchor="t">
+            <a:spAutoFit/>
+          </a:bodyPr>
+          <a:p>
+            <a:pPr algn="ctr">
+              <a:lnSpc>
+                <a:spcPct val="100000"/>
+              </a:lnSpc>
+              <a:tabLst>
+                <a:tab algn="l" pos="0"/>
+              </a:tabLst>
+            </a:pPr>
+            <a:r>
+              <a:rPr b="0" i="1" lang="en-AU" sz="2000" spc="-1" strike="noStrike">
+                <a:solidFill>
+                  <a:srgbClr val="000000"/>
                 </a:solidFill>
                 <a:latin typeface="Times New Roman"/>
                 <a:ea typeface="Times New Roman"/>
@@ -5878,7 +6024,20 @@
                 <a:latin typeface="Times New Roman"/>
                 <a:ea typeface="Times New Roman"/>
               </a:rPr>
-              <a:t>has completed all necessary trainings and been deemed suitable in all areas required for promotion.</a:t>
+              <a:t>has completed all necessary trainings and </a:t>
+            </a:r>
+            <a:br>
+              <a:rPr sz="2000"/>
+            </a:br>
+            <a:r>
+              <a:rPr b="0" lang="en-AU" sz="2000" spc="-1" strike="noStrike">
+                <a:solidFill>
+                  <a:srgbClr val="000000"/>
+                </a:solidFill>
+                <a:latin typeface="Times New Roman"/>
+                <a:ea typeface="Times New Roman"/>
+              </a:rPr>
+              <a:t>been deemed suitable in all areas required for promotion.</a:t>
             </a:r>
             <a:endParaRPr b="0" lang="en-AU" sz="2000" spc="-1" strike="noStrike">
               <a:solidFill>
@@ -5891,7 +6050,7 @@
       </p:sp>
       <p:pic>
         <p:nvPicPr>
-          <p:cNvPr id="212" name="Google Shape;299;p11" descr=""/>
+          <p:cNvPr id="212" name="Google Shape;299;p 1" descr=""/>
           <p:cNvPicPr/>
           <p:nvPr/>
         </p:nvPicPr>
@@ -5901,8 +6060,8 @@
         </p:blipFill>
         <p:spPr>
           <a:xfrm>
-            <a:off x="3056760" y="1412280"/>
-            <a:ext cx="2017080" cy="1623600"/>
+            <a:off x="3057120" y="1412280"/>
+            <a:ext cx="2014560" cy="1621080"/>
           </a:xfrm>
           <a:prstGeom prst="rect">
             <a:avLst/>
@@ -5944,7 +6103,7 @@
       </p:grpSpPr>
       <p:pic>
         <p:nvPicPr>
-          <p:cNvPr id="213" name="Google Shape;304;p12" descr=""/>
+          <p:cNvPr id="213" name="Google Shape;102;p 11" descr=""/>
           <p:cNvPicPr/>
           <p:nvPr/>
         </p:nvPicPr>
@@ -5954,8 +6113,8 @@
         </p:blipFill>
         <p:spPr>
           <a:xfrm rot="5400000">
-            <a:off x="-1118520" y="2058480"/>
-            <a:ext cx="10511280" cy="7116840"/>
+            <a:off x="-1113480" y="2058480"/>
+            <a:ext cx="10508760" cy="7114320"/>
           </a:xfrm>
           <a:prstGeom prst="rect">
             <a:avLst/>
@@ -5967,7 +6126,7 @@
       </p:pic>
       <p:pic>
         <p:nvPicPr>
-          <p:cNvPr id="214" name="Google Shape;305;p12" descr=""/>
+          <p:cNvPr id="214" name="Google Shape;103;p 11" descr=""/>
           <p:cNvPicPr/>
           <p:nvPr/>
         </p:nvPicPr>
@@ -5977,8 +6136,8 @@
         </p:blipFill>
         <p:spPr>
           <a:xfrm>
-            <a:off x="714240" y="723960"/>
-            <a:ext cx="6702120" cy="9799560"/>
+            <a:off x="712800" y="723600"/>
+            <a:ext cx="6700680" cy="9800280"/>
           </a:xfrm>
           <a:prstGeom prst="rect">
             <a:avLst/>
@@ -5990,7 +6149,7 @@
       </p:pic>
       <p:pic>
         <p:nvPicPr>
-          <p:cNvPr id="215" name="Google Shape;306;p12" descr=""/>
+          <p:cNvPr id="215" name="Google Shape;104;p 11" descr=""/>
           <p:cNvPicPr/>
           <p:nvPr/>
         </p:nvPicPr>
@@ -6001,8 +6160,8 @@
         </p:blipFill>
         <p:spPr>
           <a:xfrm rot="5400000">
-            <a:off x="-1506600" y="1476000"/>
-            <a:ext cx="11298600" cy="8278560"/>
+            <a:off x="-1501560" y="1473480"/>
+            <a:ext cx="11296080" cy="8276040"/>
           </a:xfrm>
           <a:prstGeom prst="rect">
             <a:avLst/>
@@ -6014,7 +6173,7 @@
       </p:pic>
       <p:pic>
         <p:nvPicPr>
-          <p:cNvPr id="216" name="Google Shape;307;p12" descr=""/>
+          <p:cNvPr id="216" name="Google Shape;105;p 11" descr=""/>
           <p:cNvPicPr/>
           <p:nvPr/>
         </p:nvPicPr>
@@ -6024,8 +6183,8 @@
         </p:blipFill>
         <p:spPr>
           <a:xfrm>
-            <a:off x="1814040" y="8340840"/>
-            <a:ext cx="1442520" cy="1258560"/>
+            <a:off x="1814400" y="8354520"/>
+            <a:ext cx="1440000" cy="1256040"/>
           </a:xfrm>
           <a:prstGeom prst="rect">
             <a:avLst/>
@@ -6037,14 +6196,14 @@
       </p:pic>
       <p:sp>
         <p:nvSpPr>
-          <p:cNvPr id="217" name="Google Shape;308;p12"/>
+          <p:cNvPr id="217" name="Google Shape;106;p 11"/>
           <p:cNvSpPr/>
           <p:nvPr/>
         </p:nvSpPr>
         <p:spPr>
           <a:xfrm>
-            <a:off x="704160" y="3409560"/>
-            <a:ext cx="6722280" cy="759960"/>
+            <a:off x="705600" y="3553200"/>
+            <a:ext cx="6723000" cy="577080"/>
           </a:xfrm>
           <a:prstGeom prst="rect">
             <a:avLst/>
@@ -6074,34 +6233,34 @@
               </a:tabLst>
             </a:pPr>
             <a:r>
-              <a:rPr b="0" lang="en-AU" sz="4400" spc="-1" strike="noStrike">
+              <a:rPr b="0" lang="en-AU" sz="3200" spc="-1" strike="noStrike">
                 <a:solidFill>
                   <a:schemeClr val="dk1"/>
                 </a:solidFill>
-                <a:latin typeface="Arial"/>
+                <a:latin typeface="Old English Five"/>
                 <a:ea typeface="Arial"/>
               </a:rPr>
               <a:t>Certificate Of Promotion</a:t>
             </a:r>
-            <a:endParaRPr b="0" lang="en-AU" sz="4400" spc="-1" strike="noStrike">
-              <a:solidFill>
-                <a:srgbClr val="000000"/>
-              </a:solidFill>
-              <a:latin typeface="Arial"/>
-            </a:endParaRPr>
-          </a:p>
-        </p:txBody>
-      </p:sp>
-      <p:sp>
-        <p:nvSpPr>
-          <p:cNvPr id="218" name="Google Shape;309;p12"/>
+            <a:endParaRPr b="0" lang="en-AU" sz="3200" spc="-1" strike="noStrike">
+              <a:solidFill>
+                <a:srgbClr val="000000"/>
+              </a:solidFill>
+              <a:latin typeface="Arial"/>
+            </a:endParaRPr>
+          </a:p>
+        </p:txBody>
+      </p:sp>
+      <p:sp>
+        <p:nvSpPr>
+          <p:cNvPr id="218" name="Google Shape;107;p 11"/>
           <p:cNvSpPr/>
           <p:nvPr/>
         </p:nvSpPr>
         <p:spPr>
           <a:xfrm>
-            <a:off x="1454400" y="4110120"/>
-            <a:ext cx="5370120" cy="638280"/>
+            <a:off x="1454400" y="4124520"/>
+            <a:ext cx="5368680" cy="638280"/>
           </a:xfrm>
           <a:prstGeom prst="rect">
             <a:avLst/>
@@ -6151,14 +6310,14 @@
       </p:sp>
       <p:sp>
         <p:nvSpPr>
-          <p:cNvPr id="219" name="Google Shape;310;p12"/>
+          <p:cNvPr id="219" name="Google Shape;108;p 11"/>
           <p:cNvSpPr/>
           <p:nvPr/>
         </p:nvSpPr>
         <p:spPr>
           <a:xfrm>
             <a:off x="2985840" y="8685000"/>
-            <a:ext cx="4281840" cy="591840"/>
+            <a:ext cx="4279320" cy="591840"/>
           </a:xfrm>
           <a:prstGeom prst="rect">
             <a:avLst/>
@@ -6193,9 +6352,9 @@
                   <a:srgbClr val="000000"/>
                 </a:solidFill>
                 <a:latin typeface="Times New Roman"/>
-                <a:ea typeface="DejaVu Sans"/>
-              </a:rPr>
-              <a:t>{signaturer}</a:t>
+                <a:ea typeface="Times New Roman"/>
+              </a:rPr>
+              <a:t>MAJ {signaturer}</a:t>
             </a:r>
             <a:br>
               <a:rPr sz="1100"/>
@@ -6205,10 +6364,20 @@
                 <a:solidFill>
                   <a:srgbClr val="000000"/>
                 </a:solidFill>
-                <a:latin typeface="Times New Roman"/>
-                <a:ea typeface="Times New Roman"/>
-              </a:rPr>
-              <a:t>Commanding Officer </a:t>
+                <a:latin typeface="Arial"/>
+                <a:ea typeface="DejaVu Sans"/>
+              </a:rPr>
+              <a:t>Officer Commanding</a:t>
+            </a:r>
+            <a:r>
+              <a:rPr b="1" lang="en-AU" sz="1100" spc="-1" strike="noStrike">
+                <a:solidFill>
+                  <a:srgbClr val="000000"/>
+                </a:solidFill>
+                <a:latin typeface="Times New Roman"/>
+                <a:ea typeface="Times New Roman"/>
+              </a:rPr>
+              <a:t> </a:t>
             </a:r>
             <a:br>
               <a:rPr sz="1100"/>
@@ -6234,14 +6403,14 @@
       </p:sp>
       <p:sp>
         <p:nvSpPr>
-          <p:cNvPr id="220" name="Google Shape;311;p12"/>
+          <p:cNvPr id="220" name="Google Shape;109;p 11"/>
           <p:cNvSpPr/>
           <p:nvPr/>
         </p:nvSpPr>
         <p:spPr>
           <a:xfrm>
-            <a:off x="3721320" y="8197200"/>
-            <a:ext cx="2812320" cy="516240"/>
+            <a:off x="3722400" y="8210520"/>
+            <a:ext cx="3116520" cy="516240"/>
           </a:xfrm>
           <a:prstGeom prst="rect">
             <a:avLst/>
@@ -6271,14 +6440,14 @@
               </a:tabLst>
             </a:pPr>
             <a:r>
-              <a:rPr b="0" lang="en-AU" sz="2800" spc="-1" strike="noStrike">
+              <a:rPr b="0" i="1" lang="en-AU" sz="2800" spc="-1" strike="noStrike">
                 <a:solidFill>
                   <a:schemeClr val="dk1"/>
                 </a:solidFill>
                 <a:latin typeface="Courgette"/>
                 <a:ea typeface="Courgette"/>
               </a:rPr>
-              <a:t>{signaturer}</a:t>
+              <a:t>MAJ {signaturer}</a:t>
             </a:r>
             <a:endParaRPr b="0" lang="en-AU" sz="2800" spc="-1" strike="noStrike">
               <a:solidFill>
@@ -6291,14 +6460,14 @@
       </p:sp>
       <p:cxnSp>
         <p:nvCxnSpPr>
-          <p:cNvPr id="221" name="Google Shape;312;p12"/>
+          <p:cNvPr id="221" name="Google Shape;110;p 11"/>
           <p:cNvCxnSpPr/>
           <p:nvPr/>
         </p:nvCxnSpPr>
         <p:spPr>
           <a:xfrm flipH="1">
-            <a:off x="3720960" y="8684280"/>
-            <a:ext cx="2815920" cy="1800"/>
+            <a:off x="3722400" y="8696520"/>
+            <a:ext cx="2818440" cy="4320"/>
           </a:xfrm>
           <a:prstGeom prst="straightConnector1">
             <a:avLst/>
@@ -6313,14 +6482,14 @@
       </p:cxnSp>
       <p:sp>
         <p:nvSpPr>
-          <p:cNvPr id="222" name="Google Shape;313;p12"/>
+          <p:cNvPr id="222" name="Google Shape;111;p 11"/>
           <p:cNvSpPr/>
           <p:nvPr/>
         </p:nvSpPr>
         <p:spPr>
           <a:xfrm>
-            <a:off x="886320" y="5655600"/>
-            <a:ext cx="6494760" cy="699480"/>
+            <a:off x="885600" y="5668920"/>
+            <a:ext cx="6495480" cy="699480"/>
           </a:xfrm>
           <a:prstGeom prst="rect">
             <a:avLst/>
@@ -6357,7 +6526,7 @@
                 <a:latin typeface="Times New Roman"/>
                 <a:ea typeface="Times New Roman"/>
               </a:rPr>
-              <a:t>I, {signaturer}</a:t>
+              <a:t>I, </a:t>
             </a:r>
             <a:r>
               <a:rPr b="0" i="1" lang="en-AU" sz="2000" spc="-1" strike="noStrike">
@@ -6367,7 +6536,7 @@
                 <a:latin typeface="Times New Roman"/>
                 <a:ea typeface="Times New Roman"/>
               </a:rPr>
-              <a:t>,</a:t>
+              <a:t>Major</a:t>
             </a:r>
             <a:r>
               <a:rPr b="0" lang="en-AU" sz="2000" spc="-1" strike="noStrike">
@@ -6377,7 +6546,27 @@
                 <a:latin typeface="Times New Roman"/>
                 <a:ea typeface="Times New Roman"/>
               </a:rPr>
-              <a:t> Commanding Officer, Australian Special Operations Taskforce, hereby promote</a:t>
+              <a:t> </a:t>
+            </a:r>
+            <a:r>
+              <a:rPr b="0" i="1" lang="en-AU" sz="2000" spc="-1" strike="noStrike">
+                <a:solidFill>
+                  <a:srgbClr val="000000"/>
+                </a:solidFill>
+                <a:latin typeface="Times New Roman"/>
+                <a:ea typeface="Times New Roman"/>
+              </a:rPr>
+              <a:t>{signaturer},</a:t>
+            </a:r>
+            <a:r>
+              <a:rPr b="0" lang="en-AU" sz="2000" spc="-1" strike="noStrike">
+                <a:solidFill>
+                  <a:srgbClr val="000000"/>
+                </a:solidFill>
+                <a:latin typeface="Times New Roman"/>
+                <a:ea typeface="Times New Roman"/>
+              </a:rPr>
+              <a:t> Officer Commanding, Australian Special Operations Taskforce, hereby promote</a:t>
             </a:r>
             <a:endParaRPr b="0" lang="en-AU" sz="2000" spc="-1" strike="noStrike">
               <a:solidFill>
@@ -6390,14 +6579,14 @@
       </p:sp>
       <p:sp>
         <p:nvSpPr>
-          <p:cNvPr id="223" name="Google Shape;314;p12"/>
+          <p:cNvPr id="223" name="Google Shape;113;p 11"/>
           <p:cNvSpPr/>
           <p:nvPr/>
         </p:nvSpPr>
         <p:spPr>
           <a:xfrm>
             <a:off x="817920" y="6433920"/>
-            <a:ext cx="6495120" cy="577080"/>
+            <a:ext cx="6495480" cy="577080"/>
           </a:xfrm>
           <a:prstGeom prst="rect">
             <a:avLst/>
@@ -6447,14 +6636,14 @@
       </p:sp>
       <p:sp>
         <p:nvSpPr>
-          <p:cNvPr id="224" name="Google Shape;315;p12"/>
+          <p:cNvPr id="224" name="Google Shape;114;p 11"/>
           <p:cNvSpPr/>
           <p:nvPr/>
         </p:nvSpPr>
         <p:spPr>
           <a:xfrm>
-            <a:off x="873720" y="7107120"/>
-            <a:ext cx="6494760" cy="699480"/>
+            <a:off x="874800" y="7119720"/>
+            <a:ext cx="6495480" cy="699480"/>
           </a:xfrm>
           <a:prstGeom prst="rect">
             <a:avLst/>
@@ -6491,7 +6680,7 @@
                 <a:latin typeface="Times New Roman"/>
                 <a:ea typeface="Times New Roman"/>
               </a:rPr>
-              <a:t>to the rank of Lance </a:t>
+              <a:t>to the rank of </a:t>
             </a:r>
             <a:r>
               <a:rPr b="0" i="1" lang="en-AU" sz="2000" spc="-1" strike="noStrike">
@@ -6501,6 +6690,26 @@
                 <a:latin typeface="Times New Roman"/>
                 <a:ea typeface="Times New Roman"/>
               </a:rPr>
+              <a:t>Lance</a:t>
+            </a:r>
+            <a:r>
+              <a:rPr b="0" lang="en-AU" sz="2000" spc="-1" strike="noStrike">
+                <a:solidFill>
+                  <a:srgbClr val="000000"/>
+                </a:solidFill>
+                <a:latin typeface="Times New Roman"/>
+                <a:ea typeface="Times New Roman"/>
+              </a:rPr>
+              <a:t> </a:t>
+            </a:r>
+            <a:r>
+              <a:rPr b="0" i="1" lang="en-AU" sz="2000" spc="-1" strike="noStrike">
+                <a:solidFill>
+                  <a:srgbClr val="000000"/>
+                </a:solidFill>
+                <a:latin typeface="Times New Roman"/>
+                <a:ea typeface="Times New Roman"/>
+              </a:rPr>
               <a:t>Corporal </a:t>
             </a:r>
             <a:r>
@@ -6513,19 +6722,6 @@
               </a:rPr>
               <a:t>with effect </a:t>
             </a:r>
-            <a:br>
-              <a:rPr sz="2000"/>
-            </a:br>
-            <a:r>
-              <a:rPr b="0" lang="en-AU" sz="2000" spc="-1" strike="noStrike">
-                <a:solidFill>
-                  <a:srgbClr val="000000"/>
-                </a:solidFill>
-                <a:latin typeface="Times New Roman"/>
-                <a:ea typeface="Times New Roman"/>
-              </a:rPr>
-              <a:t>{date}.</a:t>
-            </a:r>
             <a:endParaRPr b="0" lang="en-AU" sz="2000" spc="-1" strike="noStrike">
               <a:solidFill>
                 <a:srgbClr val="000000"/>
@@ -6533,37 +6729,6 @@
               <a:latin typeface="Arial"/>
             </a:endParaRPr>
           </a:p>
-        </p:txBody>
-      </p:sp>
-      <p:sp>
-        <p:nvSpPr>
-          <p:cNvPr id="225" name="Google Shape;316;p12"/>
-          <p:cNvSpPr/>
-          <p:nvPr/>
-        </p:nvSpPr>
-        <p:spPr>
-          <a:xfrm>
-            <a:off x="897480" y="4820400"/>
-            <a:ext cx="6494760" cy="699480"/>
-          </a:xfrm>
-          <a:prstGeom prst="rect">
-            <a:avLst/>
-          </a:prstGeom>
-          <a:noFill/>
-          <a:ln w="0">
-            <a:noFill/>
-          </a:ln>
-        </p:spPr>
-        <p:style>
-          <a:lnRef idx="0"/>
-          <a:fillRef idx="0"/>
-          <a:effectRef idx="0"/>
-          <a:fontRef idx="minor"/>
-        </p:style>
-        <p:txBody>
-          <a:bodyPr lIns="90000" rIns="90000" tIns="45000" bIns="45000" anchor="t">
-            <a:spAutoFit/>
-          </a:bodyPr>
           <a:p>
             <a:pPr algn="ctr">
               <a:lnSpc>
@@ -6581,6 +6746,63 @@
                 <a:latin typeface="Times New Roman"/>
                 <a:ea typeface="Times New Roman"/>
               </a:rPr>
+              <a:t>{date}.</a:t>
+            </a:r>
+            <a:endParaRPr b="0" lang="en-AU" sz="2000" spc="-1" strike="noStrike">
+              <a:solidFill>
+                <a:srgbClr val="000000"/>
+              </a:solidFill>
+              <a:latin typeface="Arial"/>
+            </a:endParaRPr>
+          </a:p>
+        </p:txBody>
+      </p:sp>
+      <p:sp>
+        <p:nvSpPr>
+          <p:cNvPr id="225" name="Google Shape;115;p 11"/>
+          <p:cNvSpPr/>
+          <p:nvPr/>
+        </p:nvSpPr>
+        <p:spPr>
+          <a:xfrm>
+            <a:off x="896400" y="4833720"/>
+            <a:ext cx="6495480" cy="699480"/>
+          </a:xfrm>
+          <a:prstGeom prst="rect">
+            <a:avLst/>
+          </a:prstGeom>
+          <a:noFill/>
+          <a:ln w="0">
+            <a:noFill/>
+          </a:ln>
+        </p:spPr>
+        <p:style>
+          <a:lnRef idx="0"/>
+          <a:fillRef idx="0"/>
+          <a:effectRef idx="0"/>
+          <a:fontRef idx="minor"/>
+        </p:style>
+        <p:txBody>
+          <a:bodyPr lIns="90000" rIns="90000" tIns="45000" bIns="45000" anchor="t">
+            <a:spAutoFit/>
+          </a:bodyPr>
+          <a:p>
+            <a:pPr algn="ctr">
+              <a:lnSpc>
+                <a:spcPct val="100000"/>
+              </a:lnSpc>
+              <a:tabLst>
+                <a:tab algn="l" pos="0"/>
+              </a:tabLst>
+            </a:pPr>
+            <a:r>
+              <a:rPr b="0" i="1" lang="en-AU" sz="2000" spc="-1" strike="noStrike">
+                <a:solidFill>
+                  <a:srgbClr val="000000"/>
+                </a:solidFill>
+                <a:latin typeface="Times New Roman"/>
+                <a:ea typeface="Times New Roman"/>
+              </a:rPr>
               <a:t>{name} </a:t>
             </a:r>
             <a:r>
@@ -6627,8 +6849,8 @@
         </p:blipFill>
         <p:spPr>
           <a:xfrm>
-            <a:off x="3088440" y="1587600"/>
-            <a:ext cx="1953720" cy="1242720"/>
+            <a:off x="3088800" y="1587600"/>
+            <a:ext cx="1951200" cy="1240200"/>
           </a:xfrm>
           <a:prstGeom prst="rect">
             <a:avLst/>
@@ -6680,8 +6902,8 @@
         </p:blipFill>
         <p:spPr>
           <a:xfrm rot="5400000">
-            <a:off x="-1118520" y="2058480"/>
-            <a:ext cx="10511280" cy="7116840"/>
+            <a:off x="-1113480" y="2058480"/>
+            <a:ext cx="10508760" cy="7114320"/>
           </a:xfrm>
           <a:prstGeom prst="rect">
             <a:avLst/>
@@ -6704,7 +6926,7 @@
         <p:spPr>
           <a:xfrm>
             <a:off x="714240" y="723960"/>
-            <a:ext cx="6702120" cy="9799560"/>
+            <a:ext cx="6699600" cy="9797040"/>
           </a:xfrm>
           <a:prstGeom prst="rect">
             <a:avLst/>
@@ -6727,8 +6949,8 @@
         </p:blipFill>
         <p:spPr>
           <a:xfrm rot="5400000">
-            <a:off x="-1506600" y="1476000"/>
-            <a:ext cx="11298600" cy="8278560"/>
+            <a:off x="-1501560" y="1473480"/>
+            <a:ext cx="11296080" cy="8276040"/>
           </a:xfrm>
           <a:prstGeom prst="rect">
             <a:avLst/>
@@ -6751,7 +6973,7 @@
         <p:spPr>
           <a:xfrm>
             <a:off x="1814400" y="8354520"/>
-            <a:ext cx="1442520" cy="1258560"/>
+            <a:ext cx="1440000" cy="1256040"/>
           </a:xfrm>
           <a:prstGeom prst="rect">
             <a:avLst/>
@@ -6770,7 +6992,7 @@
         <p:spPr>
           <a:xfrm>
             <a:off x="705600" y="3422520"/>
-            <a:ext cx="6724800" cy="577800"/>
+            <a:ext cx="6722280" cy="577080"/>
           </a:xfrm>
           <a:prstGeom prst="rect">
             <a:avLst/>
@@ -6813,7 +7035,7 @@
               <a:solidFill>
                 <a:srgbClr val="000000"/>
               </a:solidFill>
-              <a:latin typeface="Old English Five"/>
+              <a:latin typeface="Arial"/>
             </a:endParaRPr>
           </a:p>
         </p:txBody>
@@ -6827,7 +7049,7 @@
         <p:spPr>
           <a:xfrm>
             <a:off x="1454400" y="4110120"/>
-            <a:ext cx="5370120" cy="638280"/>
+            <a:ext cx="5367600" cy="638280"/>
           </a:xfrm>
           <a:prstGeom prst="rect">
             <a:avLst/>
@@ -6884,7 +7106,7 @@
         <p:spPr>
           <a:xfrm>
             <a:off x="2984400" y="8700120"/>
-            <a:ext cx="4284000" cy="592560"/>
+            <a:ext cx="4281480" cy="591840"/>
           </a:xfrm>
           <a:prstGeom prst="rect">
             <a:avLst/>
@@ -6914,14 +7136,14 @@
               </a:tabLst>
             </a:pPr>
             <a:r>
-              <a:rPr b="0" lang="en-AU" sz="1100" spc="-1" strike="noStrike">
+              <a:rPr b="1" lang="en-AU" sz="1100" spc="-1" strike="noStrike">
                 <a:solidFill>
                   <a:srgbClr val="000000"/>
                 </a:solidFill>
                 <a:latin typeface="Times New Roman"/>
                 <a:ea typeface="DejaVu Sans"/>
               </a:rPr>
-              <a:t>{signaturer}</a:t>
+              <a:t>MAJ {signaturer}</a:t>
             </a:r>
             <a:br>
               <a:rPr sz="1100"/>
@@ -6931,10 +7153,10 @@
                 <a:solidFill>
                   <a:srgbClr val="000000"/>
                 </a:solidFill>
-                <a:latin typeface="Times New Roman"/>
-                <a:ea typeface="Times New Roman"/>
-              </a:rPr>
-              <a:t>Commanding Officer </a:t>
+                <a:latin typeface="Arial"/>
+                <a:ea typeface="DejaVu Sans"/>
+              </a:rPr>
+              <a:t>Officer Commanding</a:t>
             </a:r>
             <a:br>
               <a:rPr sz="1100"/>
@@ -6967,7 +7189,7 @@
         <p:spPr>
           <a:xfrm>
             <a:off x="3722400" y="8210520"/>
-            <a:ext cx="2815200" cy="516960"/>
+            <a:ext cx="3116520" cy="516240"/>
           </a:xfrm>
           <a:prstGeom prst="rect">
             <a:avLst/>
@@ -6997,14 +7219,14 @@
               </a:tabLst>
             </a:pPr>
             <a:r>
-              <a:rPr b="0" lang="en-AU" sz="2800" spc="-1" strike="noStrike">
+              <a:rPr b="0" i="1" lang="en-AU" sz="2800" spc="-1" strike="noStrike">
                 <a:solidFill>
                   <a:schemeClr val="dk1"/>
                 </a:solidFill>
                 <a:latin typeface="Courgette"/>
                 <a:ea typeface="Courgette"/>
               </a:rPr>
-              <a:t>{signaturer}</a:t>
+              <a:t>MAJ {signaturer}</a:t>
             </a:r>
             <a:endParaRPr b="0" lang="en-AU" sz="2800" spc="-1" strike="noStrike">
               <a:solidFill>
@@ -7024,7 +7246,7 @@
         <p:spPr>
           <a:xfrm flipH="1">
             <a:off x="3722400" y="8696520"/>
-            <a:ext cx="2815920" cy="1800"/>
+            <a:ext cx="2818440" cy="4320"/>
           </a:xfrm>
           <a:prstGeom prst="straightConnector1">
             <a:avLst/>
@@ -7046,7 +7268,7 @@
         <p:spPr>
           <a:xfrm>
             <a:off x="885600" y="5668920"/>
-            <a:ext cx="6498000" cy="700200"/>
+            <a:ext cx="6495480" cy="699480"/>
           </a:xfrm>
           <a:prstGeom prst="rect">
             <a:avLst/>
@@ -7093,6 +7315,26 @@
                 <a:latin typeface="Times New Roman"/>
                 <a:ea typeface="Times New Roman"/>
               </a:rPr>
+              <a:t>Major</a:t>
+            </a:r>
+            <a:r>
+              <a:rPr b="0" lang="en-AU" sz="2000" spc="-1" strike="noStrike">
+                <a:solidFill>
+                  <a:srgbClr val="000000"/>
+                </a:solidFill>
+                <a:latin typeface="Times New Roman"/>
+                <a:ea typeface="Times New Roman"/>
+              </a:rPr>
+              <a:t> </a:t>
+            </a:r>
+            <a:r>
+              <a:rPr b="0" i="1" lang="en-AU" sz="2000" spc="-1" strike="noStrike">
+                <a:solidFill>
+                  <a:srgbClr val="000000"/>
+                </a:solidFill>
+                <a:latin typeface="Times New Roman"/>
+                <a:ea typeface="Times New Roman"/>
+              </a:rPr>
               <a:t>{signaturer},</a:t>
             </a:r>
             <a:r>
@@ -7103,7 +7345,7 @@
                 <a:latin typeface="Times New Roman"/>
                 <a:ea typeface="Times New Roman"/>
               </a:rPr>
-              <a:t> Commanding Officer, Australian Special Operations Taskforce, hereby promote</a:t>
+              <a:t> Officer Commanding, Australian Special Operations Taskforce, hereby promote</a:t>
             </a:r>
             <a:endParaRPr b="0" lang="en-AU" sz="2000" spc="-1" strike="noStrike">
               <a:solidFill>
@@ -7123,7 +7365,7 @@
         <p:spPr>
           <a:xfrm>
             <a:off x="817200" y="6446520"/>
-            <a:ext cx="6498000" cy="577800"/>
+            <a:ext cx="6495480" cy="577080"/>
           </a:xfrm>
           <a:prstGeom prst="rect">
             <a:avLst/>
@@ -7180,7 +7422,7 @@
         <p:spPr>
           <a:xfrm>
             <a:off x="874800" y="7119720"/>
-            <a:ext cx="6498000" cy="700200"/>
+            <a:ext cx="6495480" cy="699480"/>
           </a:xfrm>
           <a:prstGeom prst="rect">
             <a:avLst/>
@@ -7280,7 +7522,7 @@
         <p:spPr>
           <a:xfrm>
             <a:off x="896400" y="4833720"/>
-            <a:ext cx="6498000" cy="700200"/>
+            <a:ext cx="6495480" cy="699480"/>
           </a:xfrm>
           <a:prstGeom prst="rect">
             <a:avLst/>
@@ -7361,7 +7603,7 @@
         <p:spPr>
           <a:xfrm>
             <a:off x="2923200" y="1471320"/>
-            <a:ext cx="2286000" cy="1605600"/>
+            <a:ext cx="2283480" cy="1603080"/>
           </a:xfrm>
           <a:prstGeom prst="rect">
             <a:avLst/>
@@ -7413,8 +7655,8 @@
         </p:blipFill>
         <p:spPr>
           <a:xfrm rot="5400000">
-            <a:off x="-1118520" y="2058480"/>
-            <a:ext cx="10511280" cy="7116840"/>
+            <a:off x="-1113480" y="2058480"/>
+            <a:ext cx="10508760" cy="7114320"/>
           </a:xfrm>
           <a:prstGeom prst="rect">
             <a:avLst/>
@@ -7437,7 +7679,7 @@
         <p:spPr>
           <a:xfrm>
             <a:off x="712800" y="736920"/>
-            <a:ext cx="6703200" cy="9802800"/>
+            <a:ext cx="6700680" cy="9800280"/>
           </a:xfrm>
           <a:prstGeom prst="rect">
             <a:avLst/>
@@ -7460,8 +7702,8 @@
         </p:blipFill>
         <p:spPr>
           <a:xfrm rot="5400000">
-            <a:off x="-1506600" y="1476000"/>
-            <a:ext cx="11298600" cy="8278560"/>
+            <a:off x="-1501560" y="1473480"/>
+            <a:ext cx="11296080" cy="8276040"/>
           </a:xfrm>
           <a:prstGeom prst="rect">
             <a:avLst/>
@@ -7484,7 +7726,7 @@
         <p:spPr>
           <a:xfrm>
             <a:off x="1814400" y="8354520"/>
-            <a:ext cx="1442520" cy="1258560"/>
+            <a:ext cx="1440000" cy="1256040"/>
           </a:xfrm>
           <a:prstGeom prst="rect">
             <a:avLst/>
@@ -7503,7 +7745,7 @@
         <p:spPr>
           <a:xfrm>
             <a:off x="705600" y="3422520"/>
-            <a:ext cx="6724800" cy="577800"/>
+            <a:ext cx="6722280" cy="577080"/>
           </a:xfrm>
           <a:prstGeom prst="rect">
             <a:avLst/>
@@ -7546,7 +7788,7 @@
               <a:solidFill>
                 <a:srgbClr val="000000"/>
               </a:solidFill>
-              <a:latin typeface="Old English Five"/>
+              <a:latin typeface="Arial"/>
             </a:endParaRPr>
           </a:p>
         </p:txBody>
@@ -7560,7 +7802,7 @@
         <p:spPr>
           <a:xfrm>
             <a:off x="1454400" y="4124520"/>
-            <a:ext cx="5371200" cy="639000"/>
+            <a:ext cx="5368680" cy="638280"/>
           </a:xfrm>
           <a:prstGeom prst="rect">
             <a:avLst/>
@@ -7617,7 +7859,7 @@
         <p:spPr>
           <a:xfrm>
             <a:off x="2984400" y="8700120"/>
-            <a:ext cx="4284000" cy="592560"/>
+            <a:ext cx="4281480" cy="591840"/>
           </a:xfrm>
           <a:prstGeom prst="rect">
             <a:avLst/>
@@ -7647,14 +7889,14 @@
               </a:tabLst>
             </a:pPr>
             <a:r>
-              <a:rPr b="0" lang="en-AU" sz="1100" spc="-1" strike="noStrike">
+              <a:rPr b="1" lang="en-AU" sz="1100" spc="-1" strike="noStrike">
                 <a:solidFill>
                   <a:srgbClr val="000000"/>
                 </a:solidFill>
                 <a:latin typeface="Times New Roman"/>
                 <a:ea typeface="DejaVu Sans"/>
               </a:rPr>
-              <a:t>{signaturer}</a:t>
+              <a:t>MAJ {signaturer}</a:t>
             </a:r>
             <a:br>
               <a:rPr sz="1100"/>
@@ -7664,10 +7906,20 @@
                 <a:solidFill>
                   <a:srgbClr val="000000"/>
                 </a:solidFill>
-                <a:latin typeface="Times New Roman"/>
-                <a:ea typeface="Times New Roman"/>
-              </a:rPr>
-              <a:t>Commanding Officer </a:t>
+                <a:latin typeface="Arial"/>
+                <a:ea typeface="DejaVu Sans"/>
+              </a:rPr>
+              <a:t>Officer Commanding</a:t>
+            </a:r>
+            <a:r>
+              <a:rPr b="1" lang="en-AU" sz="1100" spc="-1" strike="noStrike">
+                <a:solidFill>
+                  <a:srgbClr val="000000"/>
+                </a:solidFill>
+                <a:latin typeface="Times New Roman"/>
+                <a:ea typeface="Times New Roman"/>
+              </a:rPr>
+              <a:t> </a:t>
             </a:r>
             <a:br>
               <a:rPr sz="1100"/>
@@ -7700,7 +7952,7 @@
         <p:spPr>
           <a:xfrm>
             <a:off x="3722400" y="8210520"/>
-            <a:ext cx="2815200" cy="516960"/>
+            <a:ext cx="3116520" cy="516240"/>
           </a:xfrm>
           <a:prstGeom prst="rect">
             <a:avLst/>
@@ -7730,14 +7982,14 @@
               </a:tabLst>
             </a:pPr>
             <a:r>
-              <a:rPr b="0" lang="en-AU" sz="2800" spc="-1" strike="noStrike">
+              <a:rPr b="0" i="1" lang="en-AU" sz="2800" spc="-1" strike="noStrike">
                 <a:solidFill>
                   <a:schemeClr val="dk1"/>
                 </a:solidFill>
                 <a:latin typeface="Courgette"/>
                 <a:ea typeface="Courgette"/>
               </a:rPr>
-              <a:t>{signaturer}</a:t>
+              <a:t>MAJ {signaturer}</a:t>
             </a:r>
             <a:endParaRPr b="0" lang="en-AU" sz="2800" spc="-1" strike="noStrike">
               <a:solidFill>
@@ -7757,7 +8009,7 @@
         <p:spPr>
           <a:xfrm flipH="1">
             <a:off x="3722400" y="8696520"/>
-            <a:ext cx="2815920" cy="1800"/>
+            <a:ext cx="2818440" cy="4320"/>
           </a:xfrm>
           <a:prstGeom prst="straightConnector1">
             <a:avLst/>
@@ -7778,8 +8030,8 @@
         </p:nvSpPr>
         <p:spPr>
           <a:xfrm>
-            <a:off x="885600" y="5816520"/>
-            <a:ext cx="5803200" cy="700200"/>
+            <a:off x="885600" y="5742000"/>
+            <a:ext cx="6494400" cy="699480"/>
           </a:xfrm>
           <a:prstGeom prst="rect">
             <a:avLst/>
@@ -7826,6 +8078,26 @@
                 <a:latin typeface="Times New Roman"/>
                 <a:ea typeface="Times New Roman"/>
               </a:rPr>
+              <a:t>Major</a:t>
+            </a:r>
+            <a:r>
+              <a:rPr b="0" lang="en-AU" sz="2000" spc="-1" strike="noStrike">
+                <a:solidFill>
+                  <a:srgbClr val="000000"/>
+                </a:solidFill>
+                <a:latin typeface="Times New Roman"/>
+                <a:ea typeface="Times New Roman"/>
+              </a:rPr>
+              <a:t> </a:t>
+            </a:r>
+            <a:r>
+              <a:rPr b="0" i="1" lang="en-AU" sz="2000" spc="-1" strike="noStrike">
+                <a:solidFill>
+                  <a:srgbClr val="000000"/>
+                </a:solidFill>
+                <a:latin typeface="Times New Roman"/>
+                <a:ea typeface="Times New Roman"/>
+              </a:rPr>
               <a:t>{signaturer},</a:t>
             </a:r>
             <a:r>
@@ -7836,7 +8108,7 @@
                 <a:latin typeface="Times New Roman"/>
                 <a:ea typeface="Times New Roman"/>
               </a:rPr>
-              <a:t> Commanding Officer, Australian Special Operations Taskforce, hereby grant</a:t>
+              <a:t> Officer Commanding, Australian Special Operations Taskforce, hereby promote</a:t>
             </a:r>
             <a:endParaRPr b="0" lang="en-AU" sz="2000" spc="-1" strike="noStrike">
               <a:solidFill>
@@ -7856,7 +8128,7 @@
         <p:spPr>
           <a:xfrm>
             <a:off x="817920" y="6433920"/>
-            <a:ext cx="6494400" cy="577800"/>
+            <a:ext cx="6491880" cy="577080"/>
           </a:xfrm>
           <a:prstGeom prst="rect">
             <a:avLst/>
@@ -7913,7 +8185,7 @@
         <p:spPr>
           <a:xfrm>
             <a:off x="874800" y="7119720"/>
-            <a:ext cx="6498000" cy="395280"/>
+            <a:ext cx="6495480" cy="394560"/>
           </a:xfrm>
           <a:prstGeom prst="rect">
             <a:avLst/>
@@ -7990,7 +8262,7 @@
         <p:spPr>
           <a:xfrm>
             <a:off x="862200" y="4820400"/>
-            <a:ext cx="6494760" cy="1004400"/>
+            <a:ext cx="6492240" cy="1004400"/>
           </a:xfrm>
           <a:prstGeom prst="rect">
             <a:avLst/>
@@ -8061,7 +8333,746 @@
         <p:spPr>
           <a:xfrm>
             <a:off x="2923200" y="1471320"/>
-            <a:ext cx="2286000" cy="1605600"/>
+            <a:ext cx="2283480" cy="1603080"/>
+          </a:xfrm>
+          <a:prstGeom prst="rect">
+            <a:avLst/>
+          </a:prstGeom>
+          <a:ln w="0">
+            <a:noFill/>
+          </a:ln>
+        </p:spPr>
+      </p:pic>
+    </p:spTree>
+  </p:cSld>
+  <mc:AlternateContent>
+    <mc:Choice Requires="p14">
+      <p:transition spd="slow" p14:dur="2000"/>
+    </mc:Choice>
+    <mc:Fallback>
+      <p:transition spd="slow"/>
+    </mc:Fallback>
+  </mc:AlternateContent>
+</p:sld>
+</file>
+
+<file path=ppt/slides/slide16.xml><?xml version="1.0" encoding="utf-8"?>
+<p:sld xmlns:a="http://schemas.openxmlformats.org/drawingml/2006/main" xmlns:p="http://schemas.openxmlformats.org/presentationml/2006/main" xmlns:r="http://schemas.openxmlformats.org/officeDocument/2006/relationships" xmlns:p14="http://schemas.microsoft.com/office/powerpoint/2010/main" xmlns:p15="http://schemas.microsoft.com/office/powerpoint/2012/main" xmlns:mc="http://schemas.openxmlformats.org/markup-compatibility/2006">
+  <p:cSld>
+    <p:spTree>
+      <p:nvGrpSpPr>
+        <p:cNvPr id="1" name=""/>
+        <p:cNvGrpSpPr/>
+        <p:nvPr/>
+      </p:nvGrpSpPr>
+      <p:grpSpPr>
+        <a:xfrm>
+          <a:off x="0" y="0"/>
+          <a:ext cx="0" cy="0"/>
+          <a:chOff x="0" y="0"/>
+          <a:chExt cx="0" cy="0"/>
+        </a:xfrm>
+      </p:grpSpPr>
+      <p:pic>
+        <p:nvPicPr>
+          <p:cNvPr id="255" name="Google Shape;102;p 13" descr=""/>
+          <p:cNvPicPr/>
+          <p:nvPr/>
+        </p:nvPicPr>
+        <p:blipFill>
+          <a:blip r:embed="rId1"/>
+          <a:stretch/>
+        </p:blipFill>
+        <p:spPr>
+          <a:xfrm rot="5400000">
+            <a:off x="-1113480" y="2058480"/>
+            <a:ext cx="10508760" cy="7114320"/>
+          </a:xfrm>
+          <a:prstGeom prst="rect">
+            <a:avLst/>
+          </a:prstGeom>
+          <a:ln w="0">
+            <a:noFill/>
+          </a:ln>
+        </p:spPr>
+      </p:pic>
+      <p:pic>
+        <p:nvPicPr>
+          <p:cNvPr id="256" name="Google Shape;103;p 13" descr=""/>
+          <p:cNvPicPr/>
+          <p:nvPr/>
+        </p:nvPicPr>
+        <p:blipFill>
+          <a:blip r:embed="rId2"/>
+          <a:stretch/>
+        </p:blipFill>
+        <p:spPr>
+          <a:xfrm>
+            <a:off x="712800" y="723600"/>
+            <a:ext cx="6700680" cy="9800280"/>
+          </a:xfrm>
+          <a:prstGeom prst="rect">
+            <a:avLst/>
+          </a:prstGeom>
+          <a:ln w="0">
+            <a:noFill/>
+          </a:ln>
+        </p:spPr>
+      </p:pic>
+      <p:pic>
+        <p:nvPicPr>
+          <p:cNvPr id="257" name="Google Shape;104;p 13" descr=""/>
+          <p:cNvPicPr/>
+          <p:nvPr/>
+        </p:nvPicPr>
+        <p:blipFill>
+          <a:blip r:embed="rId3"/>
+          <a:srcRect l="10028" t="12536" r="10465" b="20264"/>
+          <a:stretch/>
+        </p:blipFill>
+        <p:spPr>
+          <a:xfrm rot="5400000">
+            <a:off x="-1501560" y="1473480"/>
+            <a:ext cx="11296080" cy="8276040"/>
+          </a:xfrm>
+          <a:prstGeom prst="rect">
+            <a:avLst/>
+          </a:prstGeom>
+          <a:ln w="0">
+            <a:noFill/>
+          </a:ln>
+        </p:spPr>
+      </p:pic>
+      <p:pic>
+        <p:nvPicPr>
+          <p:cNvPr id="258" name="Google Shape;105;p 13" descr=""/>
+          <p:cNvPicPr/>
+          <p:nvPr/>
+        </p:nvPicPr>
+        <p:blipFill>
+          <a:blip r:embed="rId4"/>
+          <a:stretch/>
+        </p:blipFill>
+        <p:spPr>
+          <a:xfrm>
+            <a:off x="1814400" y="8354520"/>
+            <a:ext cx="1440000" cy="1256040"/>
+          </a:xfrm>
+          <a:prstGeom prst="rect">
+            <a:avLst/>
+          </a:prstGeom>
+          <a:ln w="0">
+            <a:noFill/>
+          </a:ln>
+        </p:spPr>
+      </p:pic>
+      <p:sp>
+        <p:nvSpPr>
+          <p:cNvPr id="259" name="Google Shape;106;p 13"/>
+          <p:cNvSpPr/>
+          <p:nvPr/>
+        </p:nvSpPr>
+        <p:spPr>
+          <a:xfrm>
+            <a:off x="705600" y="3553200"/>
+            <a:ext cx="6723000" cy="577080"/>
+          </a:xfrm>
+          <a:prstGeom prst="rect">
+            <a:avLst/>
+          </a:prstGeom>
+          <a:noFill/>
+          <a:ln w="0">
+            <a:noFill/>
+          </a:ln>
+        </p:spPr>
+        <p:style>
+          <a:lnRef idx="0"/>
+          <a:fillRef idx="0"/>
+          <a:effectRef idx="0"/>
+          <a:fontRef idx="minor"/>
+        </p:style>
+        <p:txBody>
+          <a:bodyPr lIns="90000" rIns="90000" tIns="45000" bIns="45000" anchor="t">
+            <a:spAutoFit/>
+          </a:bodyPr>
+          <a:p>
+            <a:pPr algn="ctr">
+              <a:lnSpc>
+                <a:spcPct val="100000"/>
+              </a:lnSpc>
+              <a:tabLst>
+                <a:tab algn="l" pos="0"/>
+              </a:tabLst>
+            </a:pPr>
+            <a:r>
+              <a:rPr b="0" lang="en-AU" sz="3200" spc="-1" strike="noStrike">
+                <a:solidFill>
+                  <a:schemeClr val="dk1"/>
+                </a:solidFill>
+                <a:latin typeface="Old English Five"/>
+                <a:ea typeface="Arial"/>
+              </a:rPr>
+              <a:t>Certificate Of Promotion</a:t>
+            </a:r>
+            <a:endParaRPr b="0" lang="en-AU" sz="3200" spc="-1" strike="noStrike">
+              <a:solidFill>
+                <a:srgbClr val="000000"/>
+              </a:solidFill>
+              <a:latin typeface="Arial"/>
+            </a:endParaRPr>
+          </a:p>
+        </p:txBody>
+      </p:sp>
+      <p:sp>
+        <p:nvSpPr>
+          <p:cNvPr id="260" name="Google Shape;107;p 13"/>
+          <p:cNvSpPr/>
+          <p:nvPr/>
+        </p:nvSpPr>
+        <p:spPr>
+          <a:xfrm>
+            <a:off x="1454400" y="4124520"/>
+            <a:ext cx="5368680" cy="577080"/>
+          </a:xfrm>
+          <a:prstGeom prst="rect">
+            <a:avLst/>
+          </a:prstGeom>
+          <a:noFill/>
+          <a:ln w="0">
+            <a:noFill/>
+          </a:ln>
+        </p:spPr>
+        <p:style>
+          <a:lnRef idx="0"/>
+          <a:fillRef idx="0"/>
+          <a:effectRef idx="0"/>
+          <a:fontRef idx="minor"/>
+        </p:style>
+        <p:txBody>
+          <a:bodyPr lIns="90000" rIns="90000" tIns="45000" bIns="45000" anchor="t">
+            <a:spAutoFit/>
+          </a:bodyPr>
+          <a:p>
+            <a:pPr algn="ctr">
+              <a:lnSpc>
+                <a:spcPct val="100000"/>
+              </a:lnSpc>
+              <a:tabLst>
+                <a:tab algn="l" pos="0"/>
+              </a:tabLst>
+            </a:pPr>
+            <a:r>
+              <a:rPr b="0" i="1" lang="en-AU" sz="3200" spc="-1" strike="noStrike">
+                <a:solidFill>
+                  <a:schemeClr val="dk1"/>
+                </a:solidFill>
+                <a:latin typeface="Times New Roman"/>
+                <a:ea typeface="Times New Roman"/>
+              </a:rPr>
+              <a:t>{name}</a:t>
+            </a:r>
+            <a:endParaRPr b="0" lang="en-AU" sz="3200" spc="-1" strike="noStrike">
+              <a:solidFill>
+                <a:srgbClr val="000000"/>
+              </a:solidFill>
+              <a:latin typeface="Arial"/>
+            </a:endParaRPr>
+          </a:p>
+        </p:txBody>
+      </p:sp>
+      <p:sp>
+        <p:nvSpPr>
+          <p:cNvPr id="261" name="Google Shape;108;p 13"/>
+          <p:cNvSpPr/>
+          <p:nvPr/>
+        </p:nvSpPr>
+        <p:spPr>
+          <a:xfrm>
+            <a:off x="2985840" y="8685000"/>
+            <a:ext cx="4279320" cy="591840"/>
+          </a:xfrm>
+          <a:prstGeom prst="rect">
+            <a:avLst/>
+          </a:prstGeom>
+          <a:noFill/>
+          <a:ln w="0">
+            <a:noFill/>
+          </a:ln>
+        </p:spPr>
+        <p:style>
+          <a:lnRef idx="0"/>
+          <a:fillRef idx="0"/>
+          <a:effectRef idx="0"/>
+          <a:fontRef idx="minor"/>
+        </p:style>
+        <p:txBody>
+          <a:bodyPr lIns="90000" rIns="90000" tIns="45000" bIns="45000" anchor="t">
+            <a:spAutoFit/>
+          </a:bodyPr>
+          <a:p>
+            <a:pPr algn="ctr">
+              <a:lnSpc>
+                <a:spcPct val="100000"/>
+              </a:lnSpc>
+              <a:tabLst>
+                <a:tab algn="l" pos="0"/>
+              </a:tabLst>
+            </a:pPr>
+            <a:r>
+              <a:rPr b="1" lang="en-AU" sz="1100" spc="-1" strike="noStrike">
+                <a:solidFill>
+                  <a:srgbClr val="000000"/>
+                </a:solidFill>
+                <a:latin typeface="Times New Roman"/>
+                <a:ea typeface="Times New Roman"/>
+              </a:rPr>
+              <a:t>MAJ {signaturer}</a:t>
+            </a:r>
+            <a:br>
+              <a:rPr sz="1100"/>
+            </a:br>
+            <a:r>
+              <a:rPr b="1" lang="en-AU" sz="1100" spc="-1" strike="noStrike">
+                <a:solidFill>
+                  <a:srgbClr val="000000"/>
+                </a:solidFill>
+                <a:latin typeface="Times New Roman"/>
+                <a:ea typeface="Times New Roman"/>
+              </a:rPr>
+              <a:t>Officer Commanding</a:t>
+            </a:r>
+            <a:br>
+              <a:rPr sz="1100"/>
+            </a:br>
+            <a:r>
+              <a:rPr b="1" lang="en-AU" sz="1100" spc="-1" strike="noStrike">
+                <a:solidFill>
+                  <a:srgbClr val="000000"/>
+                </a:solidFill>
+                <a:latin typeface="Times New Roman"/>
+                <a:ea typeface="Times New Roman"/>
+              </a:rPr>
+              <a:t>Australian Special Operations Taskforce HQ</a:t>
+            </a:r>
+            <a:endParaRPr b="0" lang="en-AU" sz="1100" spc="-1" strike="noStrike">
+              <a:solidFill>
+                <a:srgbClr val="000000"/>
+              </a:solidFill>
+              <a:latin typeface="Arial"/>
+            </a:endParaRPr>
+          </a:p>
+        </p:txBody>
+      </p:sp>
+      <p:sp>
+        <p:nvSpPr>
+          <p:cNvPr id="262" name="Google Shape;109;p 13"/>
+          <p:cNvSpPr/>
+          <p:nvPr/>
+        </p:nvSpPr>
+        <p:spPr>
+          <a:xfrm>
+            <a:off x="3559320" y="8244000"/>
+            <a:ext cx="3279600" cy="516240"/>
+          </a:xfrm>
+          <a:prstGeom prst="rect">
+            <a:avLst/>
+          </a:prstGeom>
+          <a:noFill/>
+          <a:ln w="0">
+            <a:noFill/>
+          </a:ln>
+        </p:spPr>
+        <p:style>
+          <a:lnRef idx="0"/>
+          <a:fillRef idx="0"/>
+          <a:effectRef idx="0"/>
+          <a:fontRef idx="minor"/>
+        </p:style>
+        <p:txBody>
+          <a:bodyPr lIns="90000" rIns="90000" tIns="45000" bIns="45000" anchor="t">
+            <a:spAutoFit/>
+          </a:bodyPr>
+          <a:p>
+            <a:pPr algn="ctr">
+              <a:lnSpc>
+                <a:spcPct val="100000"/>
+              </a:lnSpc>
+              <a:tabLst>
+                <a:tab algn="l" pos="0"/>
+              </a:tabLst>
+            </a:pPr>
+            <a:r>
+              <a:rPr b="0" i="1" lang="en-AU" sz="2800" spc="-1" strike="noStrike">
+                <a:solidFill>
+                  <a:schemeClr val="dk1"/>
+                </a:solidFill>
+                <a:latin typeface="Courgette"/>
+                <a:ea typeface="Courgette"/>
+              </a:rPr>
+              <a:t>MAJ {signaturer}</a:t>
+            </a:r>
+            <a:endParaRPr b="0" lang="en-AU" sz="2800" spc="-1" strike="noStrike">
+              <a:solidFill>
+                <a:srgbClr val="000000"/>
+              </a:solidFill>
+              <a:latin typeface="Arial"/>
+            </a:endParaRPr>
+          </a:p>
+        </p:txBody>
+      </p:sp>
+      <p:cxnSp>
+        <p:nvCxnSpPr>
+          <p:cNvPr id="263" name="Google Shape;110;p 13"/>
+          <p:cNvCxnSpPr/>
+          <p:nvPr/>
+        </p:nvCxnSpPr>
+        <p:spPr>
+          <a:xfrm flipH="1">
+            <a:off x="3722400" y="8696520"/>
+            <a:ext cx="2818440" cy="4320"/>
+          </a:xfrm>
+          <a:prstGeom prst="straightConnector1">
+            <a:avLst/>
+          </a:prstGeom>
+          <a:ln w="12700">
+            <a:solidFill>
+              <a:srgbClr val="000000"/>
+            </a:solidFill>
+            <a:miter/>
+          </a:ln>
+        </p:spPr>
+      </p:cxnSp>
+      <p:sp>
+        <p:nvSpPr>
+          <p:cNvPr id="264" name="Google Shape;111;p 13"/>
+          <p:cNvSpPr/>
+          <p:nvPr/>
+        </p:nvSpPr>
+        <p:spPr>
+          <a:xfrm>
+            <a:off x="885600" y="5668920"/>
+            <a:ext cx="6495480" cy="699480"/>
+          </a:xfrm>
+          <a:prstGeom prst="rect">
+            <a:avLst/>
+          </a:prstGeom>
+          <a:noFill/>
+          <a:ln w="0">
+            <a:noFill/>
+          </a:ln>
+        </p:spPr>
+        <p:style>
+          <a:lnRef idx="0"/>
+          <a:fillRef idx="0"/>
+          <a:effectRef idx="0"/>
+          <a:fontRef idx="minor"/>
+        </p:style>
+        <p:txBody>
+          <a:bodyPr lIns="90000" rIns="90000" tIns="45000" bIns="45000" anchor="t">
+            <a:spAutoFit/>
+          </a:bodyPr>
+          <a:p>
+            <a:pPr algn="ctr">
+              <a:lnSpc>
+                <a:spcPct val="100000"/>
+              </a:lnSpc>
+              <a:tabLst>
+                <a:tab algn="l" pos="0"/>
+              </a:tabLst>
+            </a:pPr>
+            <a:r>
+              <a:rPr b="0" lang="en-AU" sz="2000" spc="-1" strike="noStrike">
+                <a:solidFill>
+                  <a:srgbClr val="000000"/>
+                </a:solidFill>
+                <a:latin typeface="Times New Roman"/>
+                <a:ea typeface="Times New Roman"/>
+              </a:rPr>
+              <a:t>I, </a:t>
+            </a:r>
+            <a:r>
+              <a:rPr b="0" i="1" lang="en-AU" sz="2000" spc="-1" strike="noStrike">
+                <a:solidFill>
+                  <a:srgbClr val="000000"/>
+                </a:solidFill>
+                <a:latin typeface="Times New Roman"/>
+                <a:ea typeface="Times New Roman"/>
+              </a:rPr>
+              <a:t>Major {signaturer},</a:t>
+            </a:r>
+            <a:r>
+              <a:rPr b="0" lang="en-AU" sz="2000" spc="-1" strike="noStrike">
+                <a:solidFill>
+                  <a:srgbClr val="000000"/>
+                </a:solidFill>
+                <a:latin typeface="Times New Roman"/>
+                <a:ea typeface="Times New Roman"/>
+              </a:rPr>
+              <a:t> Officer Commanding, Australian Special Operations Taskforce, hereby promote</a:t>
+            </a:r>
+            <a:endParaRPr b="0" lang="en-AU" sz="2000" spc="-1" strike="noStrike">
+              <a:solidFill>
+                <a:srgbClr val="000000"/>
+              </a:solidFill>
+              <a:latin typeface="Arial"/>
+            </a:endParaRPr>
+          </a:p>
+        </p:txBody>
+      </p:sp>
+      <p:sp>
+        <p:nvSpPr>
+          <p:cNvPr id="265" name="Google Shape;113;p 13"/>
+          <p:cNvSpPr/>
+          <p:nvPr/>
+        </p:nvSpPr>
+        <p:spPr>
+          <a:xfrm>
+            <a:off x="817920" y="6433920"/>
+            <a:ext cx="6495480" cy="577080"/>
+          </a:xfrm>
+          <a:prstGeom prst="rect">
+            <a:avLst/>
+          </a:prstGeom>
+          <a:noFill/>
+          <a:ln w="0">
+            <a:noFill/>
+          </a:ln>
+        </p:spPr>
+        <p:style>
+          <a:lnRef idx="0"/>
+          <a:fillRef idx="0"/>
+          <a:effectRef idx="0"/>
+          <a:fontRef idx="minor"/>
+        </p:style>
+        <p:txBody>
+          <a:bodyPr lIns="90000" rIns="90000" tIns="45000" bIns="45000" anchor="t">
+            <a:spAutoFit/>
+          </a:bodyPr>
+          <a:p>
+            <a:pPr algn="ctr">
+              <a:lnSpc>
+                <a:spcPct val="100000"/>
+              </a:lnSpc>
+              <a:tabLst>
+                <a:tab algn="l" pos="0"/>
+              </a:tabLst>
+            </a:pPr>
+            <a:r>
+              <a:rPr b="0" i="1" lang="en-AU" sz="3200" spc="-1" strike="noStrike">
+                <a:solidFill>
+                  <a:srgbClr val="000000"/>
+                </a:solidFill>
+                <a:latin typeface="Times New Roman"/>
+                <a:ea typeface="Times New Roman"/>
+              </a:rPr>
+              <a:t>{name}</a:t>
+            </a:r>
+            <a:endParaRPr b="0" lang="en-AU" sz="3200" spc="-1" strike="noStrike">
+              <a:solidFill>
+                <a:srgbClr val="000000"/>
+              </a:solidFill>
+              <a:latin typeface="Arial"/>
+            </a:endParaRPr>
+          </a:p>
+        </p:txBody>
+      </p:sp>
+      <p:sp>
+        <p:nvSpPr>
+          <p:cNvPr id="266" name="Google Shape;114;p 13"/>
+          <p:cNvSpPr/>
+          <p:nvPr/>
+        </p:nvSpPr>
+        <p:spPr>
+          <a:xfrm>
+            <a:off x="874800" y="7119720"/>
+            <a:ext cx="6495480" cy="699480"/>
+          </a:xfrm>
+          <a:prstGeom prst="rect">
+            <a:avLst/>
+          </a:prstGeom>
+          <a:noFill/>
+          <a:ln w="0">
+            <a:noFill/>
+          </a:ln>
+        </p:spPr>
+        <p:style>
+          <a:lnRef idx="0"/>
+          <a:fillRef idx="0"/>
+          <a:effectRef idx="0"/>
+          <a:fontRef idx="minor"/>
+        </p:style>
+        <p:txBody>
+          <a:bodyPr lIns="90000" rIns="90000" tIns="45000" bIns="45000" anchor="t">
+            <a:spAutoFit/>
+          </a:bodyPr>
+          <a:p>
+            <a:pPr algn="ctr">
+              <a:lnSpc>
+                <a:spcPct val="100000"/>
+              </a:lnSpc>
+              <a:tabLst>
+                <a:tab algn="l" pos="0"/>
+              </a:tabLst>
+            </a:pPr>
+            <a:r>
+              <a:rPr b="0" lang="en-AU" sz="2000" spc="-1" strike="noStrike">
+                <a:solidFill>
+                  <a:srgbClr val="000000"/>
+                </a:solidFill>
+                <a:latin typeface="Times New Roman"/>
+                <a:ea typeface="Times New Roman"/>
+              </a:rPr>
+              <a:t>to the rank of </a:t>
+            </a:r>
+            <a:r>
+              <a:rPr b="0" i="1" lang="en-AU" sz="2000" spc="-1" strike="noStrike">
+                <a:solidFill>
+                  <a:srgbClr val="000000"/>
+                </a:solidFill>
+                <a:latin typeface="Times New Roman"/>
+                <a:ea typeface="Times New Roman"/>
+              </a:rPr>
+              <a:t>Group Captain </a:t>
+            </a:r>
+            <a:r>
+              <a:rPr b="0" lang="en-AU" sz="2000" spc="-1" strike="noStrike">
+                <a:solidFill>
+                  <a:srgbClr val="000000"/>
+                </a:solidFill>
+                <a:latin typeface="Times New Roman"/>
+                <a:ea typeface="Times New Roman"/>
+              </a:rPr>
+              <a:t>with effect </a:t>
+            </a:r>
+            <a:endParaRPr b="0" lang="en-AU" sz="2000" spc="-1" strike="noStrike">
+              <a:solidFill>
+                <a:srgbClr val="000000"/>
+              </a:solidFill>
+              <a:latin typeface="Arial"/>
+            </a:endParaRPr>
+          </a:p>
+          <a:p>
+            <a:pPr algn="ctr">
+              <a:lnSpc>
+                <a:spcPct val="100000"/>
+              </a:lnSpc>
+              <a:tabLst>
+                <a:tab algn="l" pos="0"/>
+              </a:tabLst>
+            </a:pPr>
+            <a:r>
+              <a:rPr b="0" i="1" lang="en-AU" sz="2000" spc="-1" strike="noStrike">
+                <a:solidFill>
+                  <a:srgbClr val="000000"/>
+                </a:solidFill>
+                <a:latin typeface="Times New Roman"/>
+                <a:ea typeface="Times New Roman"/>
+              </a:rPr>
+              <a:t>{date}.</a:t>
+            </a:r>
+            <a:endParaRPr b="0" lang="en-AU" sz="2000" spc="-1" strike="noStrike">
+              <a:solidFill>
+                <a:srgbClr val="000000"/>
+              </a:solidFill>
+              <a:latin typeface="Arial"/>
+            </a:endParaRPr>
+          </a:p>
+        </p:txBody>
+      </p:sp>
+      <p:sp>
+        <p:nvSpPr>
+          <p:cNvPr id="267" name="Google Shape;115;p 13"/>
+          <p:cNvSpPr/>
+          <p:nvPr/>
+        </p:nvSpPr>
+        <p:spPr>
+          <a:xfrm>
+            <a:off x="896400" y="4833720"/>
+            <a:ext cx="6495480" cy="699480"/>
+          </a:xfrm>
+          <a:prstGeom prst="rect">
+            <a:avLst/>
+          </a:prstGeom>
+          <a:noFill/>
+          <a:ln w="0">
+            <a:noFill/>
+          </a:ln>
+        </p:spPr>
+        <p:style>
+          <a:lnRef idx="0"/>
+          <a:fillRef idx="0"/>
+          <a:effectRef idx="0"/>
+          <a:fontRef idx="minor"/>
+        </p:style>
+        <p:txBody>
+          <a:bodyPr lIns="90000" rIns="90000" tIns="45000" bIns="45000" anchor="t">
+            <a:spAutoFit/>
+          </a:bodyPr>
+          <a:p>
+            <a:pPr algn="ctr">
+              <a:lnSpc>
+                <a:spcPct val="100000"/>
+              </a:lnSpc>
+              <a:tabLst>
+                <a:tab algn="l" pos="0"/>
+              </a:tabLst>
+            </a:pPr>
+            <a:r>
+              <a:rPr b="0" i="1" lang="en-AU" sz="2000" spc="-1" strike="noStrike">
+                <a:solidFill>
+                  <a:srgbClr val="000000"/>
+                </a:solidFill>
+                <a:latin typeface="Times New Roman"/>
+                <a:ea typeface="Times New Roman"/>
+              </a:rPr>
+              <a:t>{name} </a:t>
+            </a:r>
+            <a:r>
+              <a:rPr b="0" lang="en-AU" sz="2000" spc="-1" strike="noStrike">
+                <a:solidFill>
+                  <a:srgbClr val="000000"/>
+                </a:solidFill>
+                <a:latin typeface="Times New Roman"/>
+                <a:ea typeface="Times New Roman"/>
+              </a:rPr>
+              <a:t>has completed all necessary trainings and </a:t>
+            </a:r>
+            <a:br>
+              <a:rPr sz="2000"/>
+            </a:br>
+            <a:r>
+              <a:rPr b="0" lang="en-AU" sz="2000" spc="-1" strike="noStrike">
+                <a:solidFill>
+                  <a:srgbClr val="000000"/>
+                </a:solidFill>
+                <a:latin typeface="Times New Roman"/>
+                <a:ea typeface="Times New Roman"/>
+              </a:rPr>
+              <a:t>been deemed suitable in all areas required for promotion.</a:t>
+            </a:r>
+            <a:endParaRPr b="0" lang="en-AU" sz="2000" spc="-1" strike="noStrike">
+              <a:solidFill>
+                <a:srgbClr val="000000"/>
+              </a:solidFill>
+              <a:latin typeface="Arial"/>
+            </a:endParaRPr>
+          </a:p>
+        </p:txBody>
+      </p:sp>
+      <p:pic>
+        <p:nvPicPr>
+          <p:cNvPr id="268" name="" descr=""/>
+          <p:cNvPicPr/>
+          <p:nvPr/>
+        </p:nvPicPr>
+        <p:blipFill>
+          <a:blip r:embed="rId5"/>
+          <a:stretch/>
+        </p:blipFill>
+        <p:spPr>
+          <a:xfrm>
+            <a:off x="3434400" y="1393200"/>
+            <a:ext cx="1262880" cy="2015280"/>
           </a:xfrm>
           <a:prstGeom prst="rect">
             <a:avLst/>
@@ -8113,8 +9124,8 @@
         </p:blipFill>
         <p:spPr>
           <a:xfrm rot="5400000">
-            <a:off x="-1118520" y="2058480"/>
-            <a:ext cx="10511280" cy="7116840"/>
+            <a:off x="-1113480" y="2058480"/>
+            <a:ext cx="10508760" cy="7114320"/>
           </a:xfrm>
           <a:prstGeom prst="rect">
             <a:avLst/>
@@ -8137,7 +9148,7 @@
         <p:spPr>
           <a:xfrm>
             <a:off x="712800" y="736920"/>
-            <a:ext cx="6703200" cy="9802800"/>
+            <a:ext cx="6700680" cy="9800280"/>
           </a:xfrm>
           <a:prstGeom prst="rect">
             <a:avLst/>
@@ -8160,8 +9171,8 @@
         </p:blipFill>
         <p:spPr>
           <a:xfrm rot="5400000">
-            <a:off x="-1506600" y="1476000"/>
-            <a:ext cx="11298600" cy="8278560"/>
+            <a:off x="-1501560" y="1473480"/>
+            <a:ext cx="11296080" cy="8276040"/>
           </a:xfrm>
           <a:prstGeom prst="rect">
             <a:avLst/>
@@ -8184,7 +9195,7 @@
         <p:spPr>
           <a:xfrm>
             <a:off x="1814400" y="8354520"/>
-            <a:ext cx="1442520" cy="1258560"/>
+            <a:ext cx="1440000" cy="1256040"/>
           </a:xfrm>
           <a:prstGeom prst="rect">
             <a:avLst/>
@@ -8202,8 +9213,8 @@
         </p:nvSpPr>
         <p:spPr>
           <a:xfrm>
-            <a:off x="705600" y="3422520"/>
-            <a:ext cx="6724800" cy="577800"/>
+            <a:off x="705600" y="3458520"/>
+            <a:ext cx="6722280" cy="577080"/>
           </a:xfrm>
           <a:prstGeom prst="rect">
             <a:avLst/>
@@ -8246,7 +9257,7 @@
               <a:solidFill>
                 <a:srgbClr val="000000"/>
               </a:solidFill>
-              <a:latin typeface="Old English Five"/>
+              <a:latin typeface="Arial"/>
             </a:endParaRPr>
           </a:p>
         </p:txBody>
@@ -8260,7 +9271,7 @@
         <p:spPr>
           <a:xfrm>
             <a:off x="1454400" y="4124520"/>
-            <a:ext cx="5371200" cy="639000"/>
+            <a:ext cx="5368680" cy="638280"/>
           </a:xfrm>
           <a:prstGeom prst="rect">
             <a:avLst/>
@@ -8317,7 +9328,7 @@
         <p:spPr>
           <a:xfrm>
             <a:off x="2985840" y="8685000"/>
-            <a:ext cx="4281840" cy="591840"/>
+            <a:ext cx="4279320" cy="591840"/>
           </a:xfrm>
           <a:prstGeom prst="rect">
             <a:avLst/>
@@ -8354,7 +9365,7 @@
                 <a:latin typeface="Times New Roman"/>
                 <a:ea typeface="Times New Roman"/>
               </a:rPr>
-              <a:t>{signaturer}</a:t>
+              <a:t>LTCOL {signaturer}</a:t>
             </a:r>
             <a:br>
               <a:rPr sz="1100"/>
@@ -8399,8 +9410,8 @@
         </p:nvSpPr>
         <p:spPr>
           <a:xfrm>
-            <a:off x="3722400" y="8210520"/>
-            <a:ext cx="2815200" cy="516960"/>
+            <a:off x="3542400" y="8210520"/>
+            <a:ext cx="3296520" cy="516240"/>
           </a:xfrm>
           <a:prstGeom prst="rect">
             <a:avLst/>
@@ -8437,9 +9448,9 @@
                 <a:latin typeface="Courgette"/>
                 <a:ea typeface="Courgette"/>
               </a:rPr>
-              <a:t>{signaturer}</a:t>
-            </a:r>
-            <a:endParaRPr b="0" i="1" lang="en-AU" sz="2800" spc="-1" strike="noStrike">
+              <a:t>LTCOL {signaturer}</a:t>
+            </a:r>
+            <a:endParaRPr b="0" lang="en-AU" sz="2800" spc="-1" strike="noStrike">
               <a:solidFill>
                 <a:srgbClr val="000000"/>
               </a:solidFill>
@@ -8457,7 +9468,7 @@
         <p:spPr>
           <a:xfrm flipH="1">
             <a:off x="3722400" y="8696520"/>
-            <a:ext cx="2815920" cy="1800"/>
+            <a:ext cx="2818440" cy="4320"/>
           </a:xfrm>
           <a:prstGeom prst="straightConnector1">
             <a:avLst/>
@@ -8479,7 +9490,7 @@
         <p:spPr>
           <a:xfrm>
             <a:off x="885600" y="5668920"/>
-            <a:ext cx="6498000" cy="700200"/>
+            <a:ext cx="6495480" cy="699480"/>
           </a:xfrm>
           <a:prstGeom prst="rect">
             <a:avLst/>
@@ -8526,7 +9537,7 @@
                 <a:latin typeface="Times New Roman"/>
                 <a:ea typeface="Times New Roman"/>
               </a:rPr>
-              <a:t>{signaturer},</a:t>
+              <a:t>Lieutenant Colonel {signaturer},</a:t>
             </a:r>
             <a:r>
               <a:rPr b="0" lang="en-AU" sz="2000" spc="-1" strike="noStrike">
@@ -8560,7 +9571,7 @@
         <p:spPr>
           <a:xfrm>
             <a:off x="3762000" y="1694520"/>
-            <a:ext cx="745200" cy="770400"/>
+            <a:ext cx="742680" cy="767880"/>
           </a:xfrm>
           <a:prstGeom prst="rect">
             <a:avLst/>
@@ -8579,7 +9590,7 @@
         <p:spPr>
           <a:xfrm>
             <a:off x="817920" y="6433920"/>
-            <a:ext cx="6498000" cy="577800"/>
+            <a:ext cx="6495480" cy="577080"/>
           </a:xfrm>
           <a:prstGeom prst="rect">
             <a:avLst/>
@@ -8636,7 +9647,7 @@
         <p:spPr>
           <a:xfrm>
             <a:off x="874800" y="7119720"/>
-            <a:ext cx="6498000" cy="395280"/>
+            <a:ext cx="6495480" cy="394560"/>
           </a:xfrm>
           <a:prstGeom prst="rect">
             <a:avLst/>
@@ -8723,7 +9734,7 @@
         <p:spPr>
           <a:xfrm>
             <a:off x="896400" y="4833720"/>
-            <a:ext cx="6498000" cy="699480"/>
+            <a:ext cx="6495480" cy="699480"/>
           </a:xfrm>
           <a:prstGeom prst="rect">
             <a:avLst/>
@@ -8807,7 +9818,7 @@
         <p:spPr>
           <a:xfrm>
             <a:off x="3870000" y="2770920"/>
-            <a:ext cx="529200" cy="550800"/>
+            <a:ext cx="526680" cy="548280"/>
           </a:xfrm>
           <a:prstGeom prst="rect">
             <a:avLst/>
@@ -8849,7 +9860,7 @@
       </p:grpSpPr>
       <p:pic>
         <p:nvPicPr>
-          <p:cNvPr id="70" name="Google Shape;121;p2" descr=""/>
+          <p:cNvPr id="70" name="Google Shape;102;p 1" descr=""/>
           <p:cNvPicPr/>
           <p:nvPr/>
         </p:nvPicPr>
@@ -8859,8 +9870,8 @@
         </p:blipFill>
         <p:spPr>
           <a:xfrm rot="5400000">
-            <a:off x="-1118520" y="2058480"/>
-            <a:ext cx="10511280" cy="7116840"/>
+            <a:off x="-1113480" y="2058480"/>
+            <a:ext cx="10508760" cy="7114320"/>
           </a:xfrm>
           <a:prstGeom prst="rect">
             <a:avLst/>
@@ -8872,7 +9883,7 @@
       </p:pic>
       <p:pic>
         <p:nvPicPr>
-          <p:cNvPr id="71" name="Google Shape;122;p2" descr=""/>
+          <p:cNvPr id="71" name="Google Shape;103;p 1" descr=""/>
           <p:cNvPicPr/>
           <p:nvPr/>
         </p:nvPicPr>
@@ -8882,8 +9893,8 @@
         </p:blipFill>
         <p:spPr>
           <a:xfrm>
-            <a:off x="714240" y="723960"/>
-            <a:ext cx="6702120" cy="9799560"/>
+            <a:off x="712800" y="736920"/>
+            <a:ext cx="6700680" cy="9800280"/>
           </a:xfrm>
           <a:prstGeom prst="rect">
             <a:avLst/>
@@ -8895,7 +9906,7 @@
       </p:pic>
       <p:pic>
         <p:nvPicPr>
-          <p:cNvPr id="72" name="Google Shape;123;p2" descr=""/>
+          <p:cNvPr id="72" name="Google Shape;104;p 1" descr=""/>
           <p:cNvPicPr/>
           <p:nvPr/>
         </p:nvPicPr>
@@ -8906,8 +9917,8 @@
         </p:blipFill>
         <p:spPr>
           <a:xfrm rot="5400000">
-            <a:off x="-1506600" y="1476000"/>
-            <a:ext cx="11298600" cy="8278560"/>
+            <a:off x="-1501560" y="1473480"/>
+            <a:ext cx="11296080" cy="8276040"/>
           </a:xfrm>
           <a:prstGeom prst="rect">
             <a:avLst/>
@@ -8919,7 +9930,7 @@
       </p:pic>
       <p:pic>
         <p:nvPicPr>
-          <p:cNvPr id="73" name="Google Shape;124;p2" descr=""/>
+          <p:cNvPr id="73" name="Google Shape;105;p 1" descr=""/>
           <p:cNvPicPr/>
           <p:nvPr/>
         </p:nvPicPr>
@@ -8929,8 +9940,8 @@
         </p:blipFill>
         <p:spPr>
           <a:xfrm>
-            <a:off x="1814040" y="8340840"/>
-            <a:ext cx="1442520" cy="1258560"/>
+            <a:off x="1814400" y="8354520"/>
+            <a:ext cx="1440000" cy="1256040"/>
           </a:xfrm>
           <a:prstGeom prst="rect">
             <a:avLst/>
@@ -8942,14 +9953,14 @@
       </p:pic>
       <p:sp>
         <p:nvSpPr>
-          <p:cNvPr id="74" name="Google Shape;125;p2"/>
+          <p:cNvPr id="74" name="Google Shape;106;p 1"/>
           <p:cNvSpPr/>
           <p:nvPr/>
         </p:nvSpPr>
         <p:spPr>
           <a:xfrm>
-            <a:off x="704160" y="3409560"/>
-            <a:ext cx="6722280" cy="759960"/>
+            <a:off x="705600" y="3458520"/>
+            <a:ext cx="6722280" cy="577080"/>
           </a:xfrm>
           <a:prstGeom prst="rect">
             <a:avLst/>
@@ -8979,34 +9990,34 @@
               </a:tabLst>
             </a:pPr>
             <a:r>
-              <a:rPr b="0" lang="en-AU" sz="4400" spc="-1" strike="noStrike">
+              <a:rPr b="0" lang="en-AU" sz="3200" spc="-1" strike="noStrike">
                 <a:solidFill>
                   <a:schemeClr val="dk1"/>
                 </a:solidFill>
-                <a:latin typeface="Arial"/>
+                <a:latin typeface="Old English Five"/>
                 <a:ea typeface="Arial"/>
               </a:rPr>
               <a:t>Certificate Of Promotion</a:t>
             </a:r>
-            <a:endParaRPr b="0" lang="en-AU" sz="4400" spc="-1" strike="noStrike">
-              <a:solidFill>
-                <a:srgbClr val="000000"/>
-              </a:solidFill>
-              <a:latin typeface="Arial"/>
-            </a:endParaRPr>
-          </a:p>
-        </p:txBody>
-      </p:sp>
-      <p:sp>
-        <p:nvSpPr>
-          <p:cNvPr id="75" name="Google Shape;126;p2"/>
+            <a:endParaRPr b="0" lang="en-AU" sz="3200" spc="-1" strike="noStrike">
+              <a:solidFill>
+                <a:srgbClr val="000000"/>
+              </a:solidFill>
+              <a:latin typeface="Arial"/>
+            </a:endParaRPr>
+          </a:p>
+        </p:txBody>
+      </p:sp>
+      <p:sp>
+        <p:nvSpPr>
+          <p:cNvPr id="75" name="Google Shape;107;p 1"/>
           <p:cNvSpPr/>
           <p:nvPr/>
         </p:nvSpPr>
         <p:spPr>
           <a:xfrm>
-            <a:off x="1454400" y="4110120"/>
-            <a:ext cx="5369760" cy="638280"/>
+            <a:off x="1454400" y="4124520"/>
+            <a:ext cx="5368680" cy="638280"/>
           </a:xfrm>
           <a:prstGeom prst="rect">
             <a:avLst/>
@@ -9056,14 +10067,14 @@
       </p:sp>
       <p:sp>
         <p:nvSpPr>
-          <p:cNvPr id="76" name="Google Shape;127;p2"/>
+          <p:cNvPr id="76" name="Google Shape;108;p 1"/>
           <p:cNvSpPr/>
           <p:nvPr/>
         </p:nvSpPr>
         <p:spPr>
           <a:xfrm>
             <a:off x="2985840" y="8685000"/>
-            <a:ext cx="4281840" cy="591840"/>
+            <a:ext cx="4279320" cy="591840"/>
           </a:xfrm>
           <a:prstGeom prst="rect">
             <a:avLst/>
@@ -9100,7 +10111,7 @@
                 <a:latin typeface="Times New Roman"/>
                 <a:ea typeface="Times New Roman"/>
               </a:rPr>
-              <a:t>{signaturer}</a:t>
+              <a:t>LTCOL {signaturer}</a:t>
             </a:r>
             <a:br>
               <a:rPr sz="1100"/>
@@ -9139,14 +10150,14 @@
       </p:sp>
       <p:sp>
         <p:nvSpPr>
-          <p:cNvPr id="77" name="Google Shape;128;p2"/>
+          <p:cNvPr id="77" name="Google Shape;109;p 1"/>
           <p:cNvSpPr/>
           <p:nvPr/>
         </p:nvSpPr>
         <p:spPr>
           <a:xfrm>
-            <a:off x="3721320" y="8197200"/>
-            <a:ext cx="2812320" cy="516240"/>
+            <a:off x="3600000" y="8210520"/>
+            <a:ext cx="3296520" cy="516240"/>
           </a:xfrm>
           <a:prstGeom prst="rect">
             <a:avLst/>
@@ -9176,14 +10187,14 @@
               </a:tabLst>
             </a:pPr>
             <a:r>
-              <a:rPr b="0" lang="en-AU" sz="2800" spc="-1" strike="noStrike">
+              <a:rPr b="0" i="1" lang="en-AU" sz="2800" spc="-1" strike="noStrike">
                 <a:solidFill>
                   <a:schemeClr val="dk1"/>
                 </a:solidFill>
                 <a:latin typeface="Courgette"/>
                 <a:ea typeface="Courgette"/>
               </a:rPr>
-              <a:t>{signaturer}</a:t>
+              <a:t>LTCOL {signaturer}</a:t>
             </a:r>
             <a:endParaRPr b="0" lang="en-AU" sz="2800" spc="-1" strike="noStrike">
               <a:solidFill>
@@ -9196,14 +10207,14 @@
       </p:sp>
       <p:cxnSp>
         <p:nvCxnSpPr>
-          <p:cNvPr id="78" name="Google Shape;129;p2"/>
+          <p:cNvPr id="78" name="Google Shape;110;p 1"/>
           <p:cNvCxnSpPr/>
           <p:nvPr/>
         </p:nvCxnSpPr>
         <p:spPr>
           <a:xfrm flipH="1">
-            <a:off x="3720960" y="8684280"/>
-            <a:ext cx="2815920" cy="1800"/>
+            <a:off x="3722400" y="8696520"/>
+            <a:ext cx="2818440" cy="4320"/>
           </a:xfrm>
           <a:prstGeom prst="straightConnector1">
             <a:avLst/>
@@ -9218,14 +10229,14 @@
       </p:cxnSp>
       <p:sp>
         <p:nvSpPr>
-          <p:cNvPr id="79" name="Google Shape;130;p2"/>
+          <p:cNvPr id="79" name="Google Shape;111;p 1"/>
           <p:cNvSpPr/>
           <p:nvPr/>
         </p:nvSpPr>
         <p:spPr>
           <a:xfrm>
-            <a:off x="886320" y="5655600"/>
-            <a:ext cx="6494760" cy="699480"/>
+            <a:off x="885600" y="5668920"/>
+            <a:ext cx="6495480" cy="699480"/>
           </a:xfrm>
           <a:prstGeom prst="rect">
             <a:avLst/>
@@ -9262,7 +10273,7 @@
                 <a:latin typeface="Times New Roman"/>
                 <a:ea typeface="Times New Roman"/>
               </a:rPr>
-              <a:t>I, {signaturer}</a:t>
+              <a:t>I, </a:t>
             </a:r>
             <a:r>
               <a:rPr b="0" i="1" lang="en-AU" sz="2000" spc="-1" strike="noStrike">
@@ -9272,7 +10283,27 @@
                 <a:latin typeface="Times New Roman"/>
                 <a:ea typeface="Times New Roman"/>
               </a:rPr>
-              <a:t>,</a:t>
+              <a:t>Lieutenant Colonel</a:t>
+            </a:r>
+            <a:r>
+              <a:rPr b="0" lang="en-AU" sz="2000" spc="-1" strike="noStrike">
+                <a:solidFill>
+                  <a:srgbClr val="000000"/>
+                </a:solidFill>
+                <a:latin typeface="Times New Roman"/>
+                <a:ea typeface="Times New Roman"/>
+              </a:rPr>
+              <a:t> </a:t>
+            </a:r>
+            <a:r>
+              <a:rPr b="0" i="1" lang="en-AU" sz="2000" spc="-1" strike="noStrike">
+                <a:solidFill>
+                  <a:srgbClr val="000000"/>
+                </a:solidFill>
+                <a:latin typeface="Times New Roman"/>
+                <a:ea typeface="Times New Roman"/>
+              </a:rPr>
+              <a:t>{signaturer},</a:t>
             </a:r>
             <a:r>
               <a:rPr b="0" lang="en-AU" sz="2000" spc="-1" strike="noStrike">
@@ -9295,7 +10326,7 @@
       </p:sp>
       <p:pic>
         <p:nvPicPr>
-          <p:cNvPr id="80" name="Google Shape;131;p2" descr=""/>
+          <p:cNvPr id="80" name="Google Shape;112;p 1" descr=""/>
           <p:cNvPicPr/>
           <p:nvPr/>
         </p:nvPicPr>
@@ -9305,8 +10336,8 @@
         </p:blipFill>
         <p:spPr>
           <a:xfrm>
-            <a:off x="3344760" y="1419840"/>
-            <a:ext cx="1589040" cy="1638720"/>
+            <a:off x="3344400" y="1418400"/>
+            <a:ext cx="1589400" cy="1639800"/>
           </a:xfrm>
           <a:prstGeom prst="rect">
             <a:avLst/>
@@ -9318,14 +10349,14 @@
       </p:pic>
       <p:sp>
         <p:nvSpPr>
-          <p:cNvPr id="81" name="Google Shape;132;p2"/>
+          <p:cNvPr id="81" name="Google Shape;113;p 1"/>
           <p:cNvSpPr/>
           <p:nvPr/>
         </p:nvSpPr>
         <p:spPr>
           <a:xfrm>
             <a:off x="817920" y="6433920"/>
-            <a:ext cx="6494760" cy="577080"/>
+            <a:ext cx="6495480" cy="577080"/>
           </a:xfrm>
           <a:prstGeom prst="rect">
             <a:avLst/>
@@ -9375,14 +10406,14 @@
       </p:sp>
       <p:sp>
         <p:nvSpPr>
-          <p:cNvPr id="82" name="Google Shape;133;p2"/>
+          <p:cNvPr id="82" name="Google Shape;114;p 1"/>
           <p:cNvSpPr/>
           <p:nvPr/>
         </p:nvSpPr>
         <p:spPr>
           <a:xfrm>
-            <a:off x="873720" y="7107120"/>
-            <a:ext cx="6494760" cy="394560"/>
+            <a:off x="874800" y="7119720"/>
+            <a:ext cx="6495480" cy="394560"/>
           </a:xfrm>
           <a:prstGeom prst="rect">
             <a:avLst/>
@@ -9439,7 +10470,17 @@
                 <a:latin typeface="Times New Roman"/>
                 <a:ea typeface="Times New Roman"/>
               </a:rPr>
-              <a:t>with effect {date}.</a:t>
+              <a:t>with effect </a:t>
+            </a:r>
+            <a:r>
+              <a:rPr b="0" i="1" lang="en-AU" sz="2000" spc="-1" strike="noStrike">
+                <a:solidFill>
+                  <a:srgbClr val="000000"/>
+                </a:solidFill>
+                <a:latin typeface="Times New Roman"/>
+                <a:ea typeface="Times New Roman"/>
+              </a:rPr>
+              <a:t>{date}.</a:t>
             </a:r>
             <a:endParaRPr b="0" lang="en-AU" sz="2000" spc="-1" strike="noStrike">
               <a:solidFill>
@@ -9452,14 +10493,14 @@
       </p:sp>
       <p:sp>
         <p:nvSpPr>
-          <p:cNvPr id="83" name="Google Shape;134;p2"/>
+          <p:cNvPr id="83" name="Google Shape;115;p 1"/>
           <p:cNvSpPr/>
           <p:nvPr/>
         </p:nvSpPr>
         <p:spPr>
           <a:xfrm>
-            <a:off x="897480" y="4820400"/>
-            <a:ext cx="6494760" cy="699480"/>
+            <a:off x="896400" y="4833720"/>
+            <a:ext cx="6495480" cy="699480"/>
           </a:xfrm>
           <a:prstGeom prst="rect">
             <a:avLst/>
@@ -9496,7 +10537,7 @@
                 <a:latin typeface="Times New Roman"/>
                 <a:ea typeface="Times New Roman"/>
               </a:rPr>
-              <a:t>{name</a:t>
+              <a:t>{name} </a:t>
             </a:r>
             <a:r>
               <a:rPr b="0" lang="en-AU" sz="2000" spc="-1" strike="noStrike">
@@ -9506,7 +10547,7 @@
                 <a:latin typeface="Times New Roman"/>
                 <a:ea typeface="Times New Roman"/>
               </a:rPr>
-              <a:t>} has completed all necessary trainings and </a:t>
+              <a:t>has completed all necessary trainings and </a:t>
             </a:r>
             <a:br>
               <a:rPr sz="2000"/>
@@ -9562,7 +10603,7 @@
       </p:grpSpPr>
       <p:pic>
         <p:nvPicPr>
-          <p:cNvPr id="84" name="Google Shape;139;p3" descr=""/>
+          <p:cNvPr id="84" name="Google Shape;102;p 2" descr=""/>
           <p:cNvPicPr/>
           <p:nvPr/>
         </p:nvPicPr>
@@ -9572,8 +10613,8 @@
         </p:blipFill>
         <p:spPr>
           <a:xfrm rot="5400000">
-            <a:off x="-1008360" y="2058480"/>
-            <a:ext cx="10511280" cy="7116840"/>
+            <a:off x="-1113480" y="2058480"/>
+            <a:ext cx="10508760" cy="7114320"/>
           </a:xfrm>
           <a:prstGeom prst="rect">
             <a:avLst/>
@@ -9585,7 +10626,7 @@
       </p:pic>
       <p:pic>
         <p:nvPicPr>
-          <p:cNvPr id="85" name="Google Shape;140;p3" descr=""/>
+          <p:cNvPr id="85" name="Google Shape;103;p 2" descr=""/>
           <p:cNvPicPr/>
           <p:nvPr/>
         </p:nvPicPr>
@@ -9595,8 +10636,8 @@
         </p:blipFill>
         <p:spPr>
           <a:xfrm>
-            <a:off x="714240" y="723960"/>
-            <a:ext cx="6702120" cy="9799560"/>
+            <a:off x="712800" y="736920"/>
+            <a:ext cx="6700680" cy="9800280"/>
           </a:xfrm>
           <a:prstGeom prst="rect">
             <a:avLst/>
@@ -9608,7 +10649,7 @@
       </p:pic>
       <p:pic>
         <p:nvPicPr>
-          <p:cNvPr id="86" name="Google Shape;141;p3" descr=""/>
+          <p:cNvPr id="86" name="Google Shape;104;p 2" descr=""/>
           <p:cNvPicPr/>
           <p:nvPr/>
         </p:nvPicPr>
@@ -9619,8 +10660,8 @@
         </p:blipFill>
         <p:spPr>
           <a:xfrm rot="5400000">
-            <a:off x="-1506600" y="1476000"/>
-            <a:ext cx="11298600" cy="8278560"/>
+            <a:off x="-1501560" y="1473480"/>
+            <a:ext cx="11296080" cy="8276040"/>
           </a:xfrm>
           <a:prstGeom prst="rect">
             <a:avLst/>
@@ -9632,7 +10673,7 @@
       </p:pic>
       <p:pic>
         <p:nvPicPr>
-          <p:cNvPr id="87" name="Google Shape;142;p3" descr=""/>
+          <p:cNvPr id="87" name="Google Shape;105;p 2" descr=""/>
           <p:cNvPicPr/>
           <p:nvPr/>
         </p:nvPicPr>
@@ -9642,8 +10683,8 @@
         </p:blipFill>
         <p:spPr>
           <a:xfrm>
-            <a:off x="1814040" y="8340840"/>
-            <a:ext cx="1442520" cy="1258560"/>
+            <a:off x="1814400" y="8354520"/>
+            <a:ext cx="1440000" cy="1256040"/>
           </a:xfrm>
           <a:prstGeom prst="rect">
             <a:avLst/>
@@ -9655,14 +10696,14 @@
       </p:pic>
       <p:sp>
         <p:nvSpPr>
-          <p:cNvPr id="88" name="Google Shape;143;p3"/>
+          <p:cNvPr id="88" name="Google Shape;106;p 2"/>
           <p:cNvSpPr/>
           <p:nvPr/>
         </p:nvSpPr>
         <p:spPr>
           <a:xfrm>
-            <a:off x="704160" y="3409560"/>
-            <a:ext cx="6722280" cy="759960"/>
+            <a:off x="705600" y="3458520"/>
+            <a:ext cx="6722280" cy="577080"/>
           </a:xfrm>
           <a:prstGeom prst="rect">
             <a:avLst/>
@@ -9692,34 +10733,34 @@
               </a:tabLst>
             </a:pPr>
             <a:r>
-              <a:rPr b="0" lang="en-AU" sz="4400" spc="-1" strike="noStrike">
+              <a:rPr b="0" lang="en-AU" sz="3200" spc="-1" strike="noStrike">
                 <a:solidFill>
                   <a:schemeClr val="dk1"/>
                 </a:solidFill>
-                <a:latin typeface="Arial"/>
+                <a:latin typeface="Old English Five"/>
                 <a:ea typeface="Arial"/>
               </a:rPr>
               <a:t>Certificate Of Promotion</a:t>
             </a:r>
-            <a:endParaRPr b="0" lang="en-AU" sz="4400" spc="-1" strike="noStrike">
-              <a:solidFill>
-                <a:srgbClr val="000000"/>
-              </a:solidFill>
-              <a:latin typeface="Arial"/>
-            </a:endParaRPr>
-          </a:p>
-        </p:txBody>
-      </p:sp>
-      <p:sp>
-        <p:nvSpPr>
-          <p:cNvPr id="89" name="Google Shape;144;p3"/>
+            <a:endParaRPr b="0" lang="en-AU" sz="3200" spc="-1" strike="noStrike">
+              <a:solidFill>
+                <a:srgbClr val="000000"/>
+              </a:solidFill>
+              <a:latin typeface="Arial"/>
+            </a:endParaRPr>
+          </a:p>
+        </p:txBody>
+      </p:sp>
+      <p:sp>
+        <p:nvSpPr>
+          <p:cNvPr id="89" name="Google Shape;107;p 2"/>
           <p:cNvSpPr/>
           <p:nvPr/>
         </p:nvSpPr>
         <p:spPr>
           <a:xfrm>
-            <a:off x="1454400" y="4110120"/>
-            <a:ext cx="5369760" cy="638280"/>
+            <a:off x="1454400" y="4124520"/>
+            <a:ext cx="5368680" cy="638280"/>
           </a:xfrm>
           <a:prstGeom prst="rect">
             <a:avLst/>
@@ -9769,14 +10810,14 @@
       </p:sp>
       <p:sp>
         <p:nvSpPr>
-          <p:cNvPr id="90" name="Google Shape;145;p3"/>
+          <p:cNvPr id="90" name="Google Shape;108;p 2"/>
           <p:cNvSpPr/>
           <p:nvPr/>
         </p:nvSpPr>
         <p:spPr>
           <a:xfrm>
             <a:off x="2985840" y="8685000"/>
-            <a:ext cx="4281840" cy="591840"/>
+            <a:ext cx="4279320" cy="591840"/>
           </a:xfrm>
           <a:prstGeom prst="rect">
             <a:avLst/>
@@ -9813,7 +10854,7 @@
                 <a:latin typeface="Times New Roman"/>
                 <a:ea typeface="Times New Roman"/>
               </a:rPr>
-              <a:t>{signaturer}</a:t>
+              <a:t>MAJ {signaturer}</a:t>
             </a:r>
             <a:br>
               <a:rPr sz="1100"/>
@@ -9823,10 +10864,20 @@
                 <a:solidFill>
                   <a:srgbClr val="000000"/>
                 </a:solidFill>
-                <a:latin typeface="Times New Roman"/>
-                <a:ea typeface="Times New Roman"/>
-              </a:rPr>
-              <a:t>Commanding Officer </a:t>
+                <a:latin typeface="Arial"/>
+                <a:ea typeface="DejaVu Sans"/>
+              </a:rPr>
+              <a:t>Officer Commanding</a:t>
+            </a:r>
+            <a:r>
+              <a:rPr b="1" lang="en-AU" sz="1100" spc="-1" strike="noStrike">
+                <a:solidFill>
+                  <a:srgbClr val="000000"/>
+                </a:solidFill>
+                <a:latin typeface="Times New Roman"/>
+                <a:ea typeface="Times New Roman"/>
+              </a:rPr>
+              <a:t> </a:t>
             </a:r>
             <a:br>
               <a:rPr sz="1100"/>
@@ -9852,14 +10903,14 @@
       </p:sp>
       <p:sp>
         <p:nvSpPr>
-          <p:cNvPr id="91" name="Google Shape;146;p3"/>
+          <p:cNvPr id="91" name="Google Shape;109;p 2"/>
           <p:cNvSpPr/>
           <p:nvPr/>
         </p:nvSpPr>
         <p:spPr>
           <a:xfrm>
-            <a:off x="3721320" y="8197200"/>
-            <a:ext cx="2812320" cy="516240"/>
+            <a:off x="3722400" y="8210520"/>
+            <a:ext cx="2936520" cy="516240"/>
           </a:xfrm>
           <a:prstGeom prst="rect">
             <a:avLst/>
@@ -9889,14 +10940,14 @@
               </a:tabLst>
             </a:pPr>
             <a:r>
-              <a:rPr b="0" lang="en-AU" sz="2800" spc="-1" strike="noStrike">
+              <a:rPr b="0" i="1" lang="en-AU" sz="2800" spc="-1" strike="noStrike">
                 <a:solidFill>
                   <a:schemeClr val="dk1"/>
                 </a:solidFill>
                 <a:latin typeface="Courgette"/>
                 <a:ea typeface="Courgette"/>
               </a:rPr>
-              <a:t>{signaturer}</a:t>
+              <a:t>MAJ {signaturer}</a:t>
             </a:r>
             <a:endParaRPr b="0" lang="en-AU" sz="2800" spc="-1" strike="noStrike">
               <a:solidFill>
@@ -9909,14 +10960,14 @@
       </p:sp>
       <p:cxnSp>
         <p:nvCxnSpPr>
-          <p:cNvPr id="92" name="Google Shape;147;p3"/>
+          <p:cNvPr id="92" name="Google Shape;110;p 2"/>
           <p:cNvCxnSpPr/>
           <p:nvPr/>
         </p:nvCxnSpPr>
         <p:spPr>
           <a:xfrm flipH="1">
-            <a:off x="3720960" y="8684280"/>
-            <a:ext cx="2815920" cy="1800"/>
+            <a:off x="3722400" y="8696520"/>
+            <a:ext cx="2818440" cy="4320"/>
           </a:xfrm>
           <a:prstGeom prst="straightConnector1">
             <a:avLst/>
@@ -9931,14 +10982,14 @@
       </p:cxnSp>
       <p:sp>
         <p:nvSpPr>
-          <p:cNvPr id="93" name="Google Shape;148;p3"/>
+          <p:cNvPr id="93" name="Google Shape;111;p 2"/>
           <p:cNvSpPr/>
           <p:nvPr/>
         </p:nvSpPr>
         <p:spPr>
           <a:xfrm>
-            <a:off x="886320" y="5655600"/>
-            <a:ext cx="6494760" cy="699480"/>
+            <a:off x="885600" y="5668920"/>
+            <a:ext cx="6495480" cy="699480"/>
           </a:xfrm>
           <a:prstGeom prst="rect">
             <a:avLst/>
@@ -9975,7 +11026,7 @@
                 <a:latin typeface="Times New Roman"/>
                 <a:ea typeface="Times New Roman"/>
               </a:rPr>
-              <a:t>I, {signaturer}</a:t>
+              <a:t>I, </a:t>
             </a:r>
             <a:r>
               <a:rPr b="0" i="1" lang="en-AU" sz="2000" spc="-1" strike="noStrike">
@@ -9985,7 +11036,7 @@
                 <a:latin typeface="Times New Roman"/>
                 <a:ea typeface="Times New Roman"/>
               </a:rPr>
-              <a:t>,</a:t>
+              <a:t>Major</a:t>
             </a:r>
             <a:r>
               <a:rPr b="0" lang="en-AU" sz="2000" spc="-1" strike="noStrike">
@@ -9995,7 +11046,27 @@
                 <a:latin typeface="Times New Roman"/>
                 <a:ea typeface="Times New Roman"/>
               </a:rPr>
-              <a:t> Commanding Officer, Australian Special Operations Taskforce, hereby promote</a:t>
+              <a:t> </a:t>
+            </a:r>
+            <a:r>
+              <a:rPr b="0" i="1" lang="en-AU" sz="2000" spc="-1" strike="noStrike">
+                <a:solidFill>
+                  <a:srgbClr val="000000"/>
+                </a:solidFill>
+                <a:latin typeface="Times New Roman"/>
+                <a:ea typeface="Times New Roman"/>
+              </a:rPr>
+              <a:t>{signaturer},</a:t>
+            </a:r>
+            <a:r>
+              <a:rPr b="0" lang="en-AU" sz="2000" spc="-1" strike="noStrike">
+                <a:solidFill>
+                  <a:srgbClr val="000000"/>
+                </a:solidFill>
+                <a:latin typeface="Times New Roman"/>
+                <a:ea typeface="Times New Roman"/>
+              </a:rPr>
+              <a:t> Officer Commanding, Australian Special Operations Taskforce, hereby promote</a:t>
             </a:r>
             <a:endParaRPr b="0" lang="en-AU" sz="2000" spc="-1" strike="noStrike">
               <a:solidFill>
@@ -10008,14 +11079,14 @@
       </p:sp>
       <p:sp>
         <p:nvSpPr>
-          <p:cNvPr id="94" name="Google Shape;149;p3"/>
+          <p:cNvPr id="94" name="Google Shape;113;p 2"/>
           <p:cNvSpPr/>
           <p:nvPr/>
         </p:nvSpPr>
         <p:spPr>
           <a:xfrm>
             <a:off x="817920" y="6433920"/>
-            <a:ext cx="6494760" cy="577080"/>
+            <a:ext cx="6495480" cy="577080"/>
           </a:xfrm>
           <a:prstGeom prst="rect">
             <a:avLst/>
@@ -10065,14 +11136,14 @@
       </p:sp>
       <p:sp>
         <p:nvSpPr>
-          <p:cNvPr id="95" name="Google Shape;150;p3"/>
+          <p:cNvPr id="95" name="Google Shape;114;p 2"/>
           <p:cNvSpPr/>
           <p:nvPr/>
         </p:nvSpPr>
         <p:spPr>
           <a:xfrm>
-            <a:off x="873720" y="7107120"/>
-            <a:ext cx="6494760" cy="394560"/>
+            <a:off x="874800" y="7119720"/>
+            <a:ext cx="6495480" cy="394560"/>
           </a:xfrm>
           <a:prstGeom prst="rect">
             <a:avLst/>
@@ -10129,7 +11200,17 @@
                 <a:latin typeface="Times New Roman"/>
                 <a:ea typeface="Times New Roman"/>
               </a:rPr>
-              <a:t>with effect {date}.</a:t>
+              <a:t>with effect </a:t>
+            </a:r>
+            <a:r>
+              <a:rPr b="0" i="1" lang="en-AU" sz="2000" spc="-1" strike="noStrike">
+                <a:solidFill>
+                  <a:srgbClr val="000000"/>
+                </a:solidFill>
+                <a:latin typeface="Times New Roman"/>
+                <a:ea typeface="Times New Roman"/>
+              </a:rPr>
+              <a:t>{date}.</a:t>
             </a:r>
             <a:endParaRPr b="0" lang="en-AU" sz="2000" spc="-1" strike="noStrike">
               <a:solidFill>
@@ -10142,14 +11223,14 @@
       </p:sp>
       <p:sp>
         <p:nvSpPr>
-          <p:cNvPr id="96" name="Google Shape;151;p3"/>
+          <p:cNvPr id="96" name="Google Shape;115;p 2"/>
           <p:cNvSpPr/>
           <p:nvPr/>
         </p:nvSpPr>
         <p:spPr>
           <a:xfrm>
-            <a:off x="897480" y="4820400"/>
-            <a:ext cx="6494760" cy="699480"/>
+            <a:off x="896400" y="4833720"/>
+            <a:ext cx="6495480" cy="699480"/>
           </a:xfrm>
           <a:prstGeom prst="rect">
             <a:avLst/>
@@ -10222,7 +11303,7 @@
       </p:sp>
       <p:pic>
         <p:nvPicPr>
-          <p:cNvPr id="97" name="Google Shape;152;p3" descr=""/>
+          <p:cNvPr id="97" name="Google Shape;116;p 1" descr=""/>
           <p:cNvPicPr/>
           <p:nvPr/>
         </p:nvPicPr>
@@ -10232,8 +11313,8 @@
         </p:blipFill>
         <p:spPr>
           <a:xfrm>
-            <a:off x="3810240" y="1378440"/>
-            <a:ext cx="526680" cy="549000"/>
+            <a:off x="3808800" y="1944000"/>
+            <a:ext cx="526680" cy="548280"/>
           </a:xfrm>
           <a:prstGeom prst="rect">
             <a:avLst/>
@@ -10245,7 +11326,7 @@
       </p:pic>
       <p:pic>
         <p:nvPicPr>
-          <p:cNvPr id="98" name="Google Shape;153;p3" descr=""/>
+          <p:cNvPr id="98" name="Google Shape;116;p 2" descr=""/>
           <p:cNvPicPr/>
           <p:nvPr/>
         </p:nvPicPr>
@@ -10255,8 +11336,8 @@
         </p:blipFill>
         <p:spPr>
           <a:xfrm>
-            <a:off x="3810240" y="1942560"/>
-            <a:ext cx="526680" cy="549000"/>
+            <a:off x="3808800" y="1378800"/>
+            <a:ext cx="526680" cy="548280"/>
           </a:xfrm>
           <a:prstGeom prst="rect">
             <a:avLst/>
@@ -10268,7 +11349,7 @@
       </p:pic>
       <p:pic>
         <p:nvPicPr>
-          <p:cNvPr id="99" name="Google Shape;154;p3" descr=""/>
+          <p:cNvPr id="99" name="Google Shape;116;p 3" descr=""/>
           <p:cNvPicPr/>
           <p:nvPr/>
         </p:nvPicPr>
@@ -10278,8 +11359,8 @@
         </p:blipFill>
         <p:spPr>
           <a:xfrm>
-            <a:off x="3810240" y="2506680"/>
-            <a:ext cx="526680" cy="549000"/>
+            <a:off x="3808800" y="2505600"/>
+            <a:ext cx="526680" cy="548280"/>
           </a:xfrm>
           <a:prstGeom prst="rect">
             <a:avLst/>
@@ -10321,7 +11402,7 @@
       </p:grpSpPr>
       <p:pic>
         <p:nvPicPr>
-          <p:cNvPr id="100" name="Google Shape;159;p4" descr=""/>
+          <p:cNvPr id="100" name="Google Shape;102;p 3" descr=""/>
           <p:cNvPicPr/>
           <p:nvPr/>
         </p:nvPicPr>
@@ -10331,8 +11412,8 @@
         </p:blipFill>
         <p:spPr>
           <a:xfrm rot="5400000">
-            <a:off x="-1118520" y="2058480"/>
-            <a:ext cx="10511280" cy="7116840"/>
+            <a:off x="-1113480" y="2058480"/>
+            <a:ext cx="10508760" cy="7114320"/>
           </a:xfrm>
           <a:prstGeom prst="rect">
             <a:avLst/>
@@ -10344,7 +11425,7 @@
       </p:pic>
       <p:pic>
         <p:nvPicPr>
-          <p:cNvPr id="101" name="Google Shape;160;p4" descr=""/>
+          <p:cNvPr id="101" name="Google Shape;103;p 3" descr=""/>
           <p:cNvPicPr/>
           <p:nvPr/>
         </p:nvPicPr>
@@ -10354,8 +11435,8 @@
         </p:blipFill>
         <p:spPr>
           <a:xfrm>
-            <a:off x="714240" y="723960"/>
-            <a:ext cx="6702120" cy="9799560"/>
+            <a:off x="712800" y="736920"/>
+            <a:ext cx="6700680" cy="9800280"/>
           </a:xfrm>
           <a:prstGeom prst="rect">
             <a:avLst/>
@@ -10367,7 +11448,7 @@
       </p:pic>
       <p:pic>
         <p:nvPicPr>
-          <p:cNvPr id="102" name="Google Shape;161;p4" descr=""/>
+          <p:cNvPr id="102" name="Google Shape;104;p 3" descr=""/>
           <p:cNvPicPr/>
           <p:nvPr/>
         </p:nvPicPr>
@@ -10378,8 +11459,8 @@
         </p:blipFill>
         <p:spPr>
           <a:xfrm rot="5400000">
-            <a:off x="-1506600" y="1476000"/>
-            <a:ext cx="11298600" cy="8278560"/>
+            <a:off x="-1501560" y="1473480"/>
+            <a:ext cx="11296080" cy="8276040"/>
           </a:xfrm>
           <a:prstGeom prst="rect">
             <a:avLst/>
@@ -10391,7 +11472,7 @@
       </p:pic>
       <p:pic>
         <p:nvPicPr>
-          <p:cNvPr id="103" name="Google Shape;162;p4" descr=""/>
+          <p:cNvPr id="103" name="Google Shape;105;p 3" descr=""/>
           <p:cNvPicPr/>
           <p:nvPr/>
         </p:nvPicPr>
@@ -10401,8 +11482,8 @@
         </p:blipFill>
         <p:spPr>
           <a:xfrm>
-            <a:off x="1814040" y="8340840"/>
-            <a:ext cx="1442520" cy="1258560"/>
+            <a:off x="1814400" y="8354520"/>
+            <a:ext cx="1440000" cy="1256040"/>
           </a:xfrm>
           <a:prstGeom prst="rect">
             <a:avLst/>
@@ -10414,14 +11495,14 @@
       </p:pic>
       <p:sp>
         <p:nvSpPr>
-          <p:cNvPr id="104" name="Google Shape;163;p4"/>
+          <p:cNvPr id="104" name="Google Shape;106;p 3"/>
           <p:cNvSpPr/>
           <p:nvPr/>
         </p:nvSpPr>
         <p:spPr>
           <a:xfrm>
-            <a:off x="704160" y="3409560"/>
-            <a:ext cx="6722280" cy="759960"/>
+            <a:off x="705600" y="3494520"/>
+            <a:ext cx="6722280" cy="577080"/>
           </a:xfrm>
           <a:prstGeom prst="rect">
             <a:avLst/>
@@ -10451,34 +11532,34 @@
               </a:tabLst>
             </a:pPr>
             <a:r>
-              <a:rPr b="0" lang="en-AU" sz="4400" spc="-1" strike="noStrike">
+              <a:rPr b="0" lang="en-AU" sz="3200" spc="-1" strike="noStrike">
                 <a:solidFill>
                   <a:schemeClr val="dk1"/>
                 </a:solidFill>
-                <a:latin typeface="Arial"/>
+                <a:latin typeface="Old English Five"/>
                 <a:ea typeface="Arial"/>
               </a:rPr>
               <a:t>Certificate Of Promotion</a:t>
             </a:r>
-            <a:endParaRPr b="0" lang="en-AU" sz="4400" spc="-1" strike="noStrike">
-              <a:solidFill>
-                <a:srgbClr val="000000"/>
-              </a:solidFill>
-              <a:latin typeface="Arial"/>
-            </a:endParaRPr>
-          </a:p>
-        </p:txBody>
-      </p:sp>
-      <p:sp>
-        <p:nvSpPr>
-          <p:cNvPr id="105" name="Google Shape;164;p4"/>
+            <a:endParaRPr b="0" lang="en-AU" sz="3200" spc="-1" strike="noStrike">
+              <a:solidFill>
+                <a:srgbClr val="000000"/>
+              </a:solidFill>
+              <a:latin typeface="Arial"/>
+            </a:endParaRPr>
+          </a:p>
+        </p:txBody>
+      </p:sp>
+      <p:sp>
+        <p:nvSpPr>
+          <p:cNvPr id="105" name="Google Shape;107;p 3"/>
           <p:cNvSpPr/>
           <p:nvPr/>
         </p:nvSpPr>
         <p:spPr>
           <a:xfrm>
-            <a:off x="1454400" y="4110120"/>
-            <a:ext cx="5369760" cy="638280"/>
+            <a:off x="1454400" y="4124520"/>
+            <a:ext cx="5368680" cy="638280"/>
           </a:xfrm>
           <a:prstGeom prst="rect">
             <a:avLst/>
@@ -10528,14 +11609,14 @@
       </p:sp>
       <p:sp>
         <p:nvSpPr>
-          <p:cNvPr id="106" name="Google Shape;165;p4"/>
+          <p:cNvPr id="106" name="Google Shape;108;p 3"/>
           <p:cNvSpPr/>
           <p:nvPr/>
         </p:nvSpPr>
         <p:spPr>
           <a:xfrm>
             <a:off x="2985840" y="8685000"/>
-            <a:ext cx="4281840" cy="591840"/>
+            <a:ext cx="4279320" cy="591840"/>
           </a:xfrm>
           <a:prstGeom prst="rect">
             <a:avLst/>
@@ -10569,10 +11650,10 @@
                 <a:solidFill>
                   <a:srgbClr val="000000"/>
                 </a:solidFill>
-                <a:latin typeface="Arial"/>
-                <a:ea typeface="DejaVu Sans"/>
-              </a:rPr>
-              <a:t>{signaturer}</a:t>
+                <a:latin typeface="Times New Roman"/>
+                <a:ea typeface="Times New Roman"/>
+              </a:rPr>
+              <a:t>MAJ {signaturer}</a:t>
             </a:r>
             <a:br>
               <a:rPr sz="1100"/>
@@ -10582,10 +11663,20 @@
                 <a:solidFill>
                   <a:srgbClr val="000000"/>
                 </a:solidFill>
-                <a:latin typeface="Times New Roman"/>
-                <a:ea typeface="Times New Roman"/>
-              </a:rPr>
-              <a:t>Commanding Officer </a:t>
+                <a:latin typeface="Arial"/>
+                <a:ea typeface="DejaVu Sans"/>
+              </a:rPr>
+              <a:t>Officer Commanding</a:t>
+            </a:r>
+            <a:r>
+              <a:rPr b="1" lang="en-AU" sz="1100" spc="-1" strike="noStrike">
+                <a:solidFill>
+                  <a:srgbClr val="000000"/>
+                </a:solidFill>
+                <a:latin typeface="Times New Roman"/>
+                <a:ea typeface="Times New Roman"/>
+              </a:rPr>
+              <a:t> </a:t>
             </a:r>
             <a:br>
               <a:rPr sz="1100"/>
@@ -10611,14 +11702,14 @@
       </p:sp>
       <p:sp>
         <p:nvSpPr>
-          <p:cNvPr id="107" name="Google Shape;166;p4"/>
+          <p:cNvPr id="107" name="Google Shape;109;p 3"/>
           <p:cNvSpPr/>
           <p:nvPr/>
         </p:nvSpPr>
         <p:spPr>
           <a:xfrm>
-            <a:off x="3721320" y="8197200"/>
-            <a:ext cx="2812320" cy="516240"/>
+            <a:off x="3722400" y="8210520"/>
+            <a:ext cx="3116520" cy="516240"/>
           </a:xfrm>
           <a:prstGeom prst="rect">
             <a:avLst/>
@@ -10648,14 +11739,14 @@
               </a:tabLst>
             </a:pPr>
             <a:r>
-              <a:rPr b="0" lang="en-AU" sz="2800" spc="-1" strike="noStrike">
+              <a:rPr b="0" i="1" lang="en-AU" sz="2800" spc="-1" strike="noStrike">
                 <a:solidFill>
                   <a:schemeClr val="dk1"/>
                 </a:solidFill>
                 <a:latin typeface="Courgette"/>
                 <a:ea typeface="Courgette"/>
               </a:rPr>
-              <a:t>{signaturer}</a:t>
+              <a:t>MAJ {signaturer}</a:t>
             </a:r>
             <a:endParaRPr b="0" lang="en-AU" sz="2800" spc="-1" strike="noStrike">
               <a:solidFill>
@@ -10668,14 +11759,14 @@
       </p:sp>
       <p:cxnSp>
         <p:nvCxnSpPr>
-          <p:cNvPr id="108" name="Google Shape;167;p4"/>
+          <p:cNvPr id="108" name="Google Shape;110;p 3"/>
           <p:cNvCxnSpPr/>
           <p:nvPr/>
         </p:nvCxnSpPr>
         <p:spPr>
           <a:xfrm flipH="1">
-            <a:off x="3720960" y="8684280"/>
-            <a:ext cx="2815920" cy="1800"/>
+            <a:off x="3722400" y="8696520"/>
+            <a:ext cx="2818440" cy="4320"/>
           </a:xfrm>
           <a:prstGeom prst="straightConnector1">
             <a:avLst/>
@@ -10690,14 +11781,14 @@
       </p:cxnSp>
       <p:sp>
         <p:nvSpPr>
-          <p:cNvPr id="109" name="Google Shape;168;p4"/>
+          <p:cNvPr id="109" name="Google Shape;111;p 3"/>
           <p:cNvSpPr/>
           <p:nvPr/>
         </p:nvSpPr>
         <p:spPr>
           <a:xfrm>
-            <a:off x="886320" y="5655600"/>
-            <a:ext cx="6494760" cy="699480"/>
+            <a:off x="885600" y="5668920"/>
+            <a:ext cx="6495480" cy="699480"/>
           </a:xfrm>
           <a:prstGeom prst="rect">
             <a:avLst/>
@@ -10734,7 +11825,7 @@
                 <a:latin typeface="Times New Roman"/>
                 <a:ea typeface="Times New Roman"/>
               </a:rPr>
-              <a:t>I, {signaturer}</a:t>
+              <a:t>I, </a:t>
             </a:r>
             <a:r>
               <a:rPr b="0" i="1" lang="en-AU" sz="2000" spc="-1" strike="noStrike">
@@ -10744,7 +11835,7 @@
                 <a:latin typeface="Times New Roman"/>
                 <a:ea typeface="Times New Roman"/>
               </a:rPr>
-              <a:t>,</a:t>
+              <a:t>Major</a:t>
             </a:r>
             <a:r>
               <a:rPr b="0" lang="en-AU" sz="2000" spc="-1" strike="noStrike">
@@ -10754,7 +11845,27 @@
                 <a:latin typeface="Times New Roman"/>
                 <a:ea typeface="Times New Roman"/>
               </a:rPr>
-              <a:t> Commanding Officer, Australian Special Operations Taskforce, hereby promote</a:t>
+              <a:t> </a:t>
+            </a:r>
+            <a:r>
+              <a:rPr b="0" i="1" lang="en-AU" sz="2000" spc="-1" strike="noStrike">
+                <a:solidFill>
+                  <a:srgbClr val="000000"/>
+                </a:solidFill>
+                <a:latin typeface="Times New Roman"/>
+                <a:ea typeface="Times New Roman"/>
+              </a:rPr>
+              <a:t>{signaturer},</a:t>
+            </a:r>
+            <a:r>
+              <a:rPr b="0" lang="en-AU" sz="2000" spc="-1" strike="noStrike">
+                <a:solidFill>
+                  <a:srgbClr val="000000"/>
+                </a:solidFill>
+                <a:latin typeface="Times New Roman"/>
+                <a:ea typeface="Times New Roman"/>
+              </a:rPr>
+              <a:t> Officer Commanding, Australian Special Operations Taskforce, hereby promote</a:t>
             </a:r>
             <a:endParaRPr b="0" lang="en-AU" sz="2000" spc="-1" strike="noStrike">
               <a:solidFill>
@@ -10767,14 +11878,14 @@
       </p:sp>
       <p:sp>
         <p:nvSpPr>
-          <p:cNvPr id="110" name="Google Shape;169;p4"/>
+          <p:cNvPr id="110" name="Google Shape;113;p 3"/>
           <p:cNvSpPr/>
           <p:nvPr/>
         </p:nvSpPr>
         <p:spPr>
           <a:xfrm>
             <a:off x="817920" y="6433920"/>
-            <a:ext cx="6494760" cy="577080"/>
+            <a:ext cx="6495480" cy="577080"/>
           </a:xfrm>
           <a:prstGeom prst="rect">
             <a:avLst/>
@@ -10804,7 +11915,7 @@
               </a:tabLst>
             </a:pPr>
             <a:r>
-              <a:rPr b="0" lang="en-AU" sz="3200" spc="-1" strike="noStrike">
+              <a:rPr b="0" i="1" lang="en-AU" sz="3200" spc="-1" strike="noStrike">
                 <a:solidFill>
                   <a:srgbClr val="000000"/>
                 </a:solidFill>
@@ -10824,14 +11935,14 @@
       </p:sp>
       <p:sp>
         <p:nvSpPr>
-          <p:cNvPr id="111" name="Google Shape;170;p4"/>
+          <p:cNvPr id="111" name="Google Shape;114;p 3"/>
           <p:cNvSpPr/>
           <p:nvPr/>
         </p:nvSpPr>
         <p:spPr>
           <a:xfrm>
-            <a:off x="873720" y="7107120"/>
-            <a:ext cx="6494760" cy="394560"/>
+            <a:off x="874800" y="7119720"/>
+            <a:ext cx="6495480" cy="394560"/>
           </a:xfrm>
           <a:prstGeom prst="rect">
             <a:avLst/>
@@ -10898,7 +12009,7 @@
                 <a:latin typeface="Times New Roman"/>
                 <a:ea typeface="Times New Roman"/>
               </a:rPr>
-              <a:t>{date}</a:t>
+              <a:t>{date}.</a:t>
             </a:r>
             <a:endParaRPr b="0" lang="en-AU" sz="2000" spc="-1" strike="noStrike">
               <a:solidFill>
@@ -10911,14 +12022,14 @@
       </p:sp>
       <p:sp>
         <p:nvSpPr>
-          <p:cNvPr id="112" name="Google Shape;171;p4"/>
+          <p:cNvPr id="112" name="Google Shape;115;p 3"/>
           <p:cNvSpPr/>
           <p:nvPr/>
         </p:nvSpPr>
         <p:spPr>
           <a:xfrm>
-            <a:off x="897480" y="4820400"/>
-            <a:ext cx="6494760" cy="699480"/>
+            <a:off x="896400" y="4833720"/>
+            <a:ext cx="6495480" cy="699480"/>
           </a:xfrm>
           <a:prstGeom prst="rect">
             <a:avLst/>
@@ -10955,7 +12066,7 @@
                 <a:latin typeface="Times New Roman"/>
                 <a:ea typeface="Times New Roman"/>
               </a:rPr>
-              <a:t>{name}</a:t>
+              <a:t>{name} </a:t>
             </a:r>
             <a:r>
               <a:rPr b="0" lang="en-AU" sz="2000" spc="-1" strike="noStrike">
@@ -10965,7 +12076,7 @@
                 <a:latin typeface="Times New Roman"/>
                 <a:ea typeface="Times New Roman"/>
               </a:rPr>
-              <a:t> has completed all necessary trainings and </a:t>
+              <a:t>has completed all necessary trainings and </a:t>
             </a:r>
             <a:br>
               <a:rPr sz="2000"/>
@@ -10991,7 +12102,7 @@
       </p:sp>
       <p:pic>
         <p:nvPicPr>
-          <p:cNvPr id="113" name="Google Shape;172;p4" descr=""/>
+          <p:cNvPr id="113" name="Google Shape;116;p 4" descr=""/>
           <p:cNvPicPr/>
           <p:nvPr/>
         </p:nvPicPr>
@@ -11001,8 +12112,8 @@
         </p:blipFill>
         <p:spPr>
           <a:xfrm>
-            <a:off x="3633480" y="2408400"/>
-            <a:ext cx="864000" cy="900360"/>
+            <a:off x="3632400" y="2408400"/>
+            <a:ext cx="865800" cy="901800"/>
           </a:xfrm>
           <a:prstGeom prst="rect">
             <a:avLst/>
@@ -11014,7 +12125,7 @@
       </p:pic>
       <p:pic>
         <p:nvPicPr>
-          <p:cNvPr id="114" name="Google Shape;173;p4" descr=""/>
+          <p:cNvPr id="114" name="Google Shape;116;p 5" descr=""/>
           <p:cNvPicPr/>
           <p:nvPr/>
         </p:nvPicPr>
@@ -11024,8 +12135,8 @@
         </p:blipFill>
         <p:spPr>
           <a:xfrm>
-            <a:off x="3633480" y="1383840"/>
-            <a:ext cx="864000" cy="900360"/>
+            <a:off x="3632400" y="1382400"/>
+            <a:ext cx="865800" cy="901800"/>
           </a:xfrm>
           <a:prstGeom prst="rect">
             <a:avLst/>
@@ -11067,7 +12178,7 @@
       </p:grpSpPr>
       <p:pic>
         <p:nvPicPr>
-          <p:cNvPr id="115" name="Google Shape;178;p5" descr=""/>
+          <p:cNvPr id="115" name="Google Shape;102;p 4" descr=""/>
           <p:cNvPicPr/>
           <p:nvPr/>
         </p:nvPicPr>
@@ -11077,8 +12188,8 @@
         </p:blipFill>
         <p:spPr>
           <a:xfrm rot="5400000">
-            <a:off x="-1118520" y="2058480"/>
-            <a:ext cx="10511280" cy="7116840"/>
+            <a:off x="-1113480" y="2058480"/>
+            <a:ext cx="10508760" cy="7114320"/>
           </a:xfrm>
           <a:prstGeom prst="rect">
             <a:avLst/>
@@ -11090,7 +12201,7 @@
       </p:pic>
       <p:pic>
         <p:nvPicPr>
-          <p:cNvPr id="116" name="Google Shape;179;p5" descr=""/>
+          <p:cNvPr id="116" name="Google Shape;103;p 4" descr=""/>
           <p:cNvPicPr/>
           <p:nvPr/>
         </p:nvPicPr>
@@ -11100,8 +12211,8 @@
         </p:blipFill>
         <p:spPr>
           <a:xfrm>
-            <a:off x="714240" y="723960"/>
-            <a:ext cx="6702120" cy="9799560"/>
+            <a:off x="712800" y="723600"/>
+            <a:ext cx="6700680" cy="9800280"/>
           </a:xfrm>
           <a:prstGeom prst="rect">
             <a:avLst/>
@@ -11113,7 +12224,7 @@
       </p:pic>
       <p:pic>
         <p:nvPicPr>
-          <p:cNvPr id="117" name="Google Shape;180;p5" descr=""/>
+          <p:cNvPr id="117" name="Google Shape;104;p 4" descr=""/>
           <p:cNvPicPr/>
           <p:nvPr/>
         </p:nvPicPr>
@@ -11124,8 +12235,8 @@
         </p:blipFill>
         <p:spPr>
           <a:xfrm rot="5400000">
-            <a:off x="-1506600" y="1476000"/>
-            <a:ext cx="11298600" cy="8278560"/>
+            <a:off x="-1501560" y="1473480"/>
+            <a:ext cx="11296080" cy="8276040"/>
           </a:xfrm>
           <a:prstGeom prst="rect">
             <a:avLst/>
@@ -11137,7 +12248,7 @@
       </p:pic>
       <p:pic>
         <p:nvPicPr>
-          <p:cNvPr id="118" name="Google Shape;181;p5" descr=""/>
+          <p:cNvPr id="118" name="Google Shape;105;p 4" descr=""/>
           <p:cNvPicPr/>
           <p:nvPr/>
         </p:nvPicPr>
@@ -11147,8 +12258,8 @@
         </p:blipFill>
         <p:spPr>
           <a:xfrm>
-            <a:off x="1814040" y="8340840"/>
-            <a:ext cx="1442520" cy="1258560"/>
+            <a:off x="1814400" y="8354520"/>
+            <a:ext cx="1440000" cy="1256040"/>
           </a:xfrm>
           <a:prstGeom prst="rect">
             <a:avLst/>
@@ -11160,14 +12271,14 @@
       </p:pic>
       <p:sp>
         <p:nvSpPr>
-          <p:cNvPr id="119" name="Google Shape;182;p5"/>
+          <p:cNvPr id="119" name="Google Shape;106;p 4"/>
           <p:cNvSpPr/>
           <p:nvPr/>
         </p:nvSpPr>
         <p:spPr>
           <a:xfrm>
-            <a:off x="704160" y="3409560"/>
-            <a:ext cx="6722280" cy="759960"/>
+            <a:off x="705600" y="3553200"/>
+            <a:ext cx="6723000" cy="577080"/>
           </a:xfrm>
           <a:prstGeom prst="rect">
             <a:avLst/>
@@ -11197,34 +12308,34 @@
               </a:tabLst>
             </a:pPr>
             <a:r>
-              <a:rPr b="0" lang="en-AU" sz="4400" spc="-1" strike="noStrike">
+              <a:rPr b="0" lang="en-AU" sz="3200" spc="-1" strike="noStrike">
                 <a:solidFill>
                   <a:schemeClr val="dk1"/>
                 </a:solidFill>
-                <a:latin typeface="Arial"/>
+                <a:latin typeface="Old English Five"/>
                 <a:ea typeface="Arial"/>
               </a:rPr>
               <a:t>Certificate Of Promotion</a:t>
             </a:r>
-            <a:endParaRPr b="0" lang="en-AU" sz="4400" spc="-1" strike="noStrike">
-              <a:solidFill>
-                <a:srgbClr val="000000"/>
-              </a:solidFill>
-              <a:latin typeface="Arial"/>
-            </a:endParaRPr>
-          </a:p>
-        </p:txBody>
-      </p:sp>
-      <p:sp>
-        <p:nvSpPr>
-          <p:cNvPr id="120" name="Google Shape;183;p5"/>
+            <a:endParaRPr b="0" lang="en-AU" sz="3200" spc="-1" strike="noStrike">
+              <a:solidFill>
+                <a:srgbClr val="000000"/>
+              </a:solidFill>
+              <a:latin typeface="Arial"/>
+            </a:endParaRPr>
+          </a:p>
+        </p:txBody>
+      </p:sp>
+      <p:sp>
+        <p:nvSpPr>
+          <p:cNvPr id="120" name="Google Shape;107;p 4"/>
           <p:cNvSpPr/>
           <p:nvPr/>
         </p:nvSpPr>
         <p:spPr>
           <a:xfrm>
-            <a:off x="1454400" y="4110120"/>
-            <a:ext cx="5369760" cy="638280"/>
+            <a:off x="1454400" y="4124520"/>
+            <a:ext cx="5368680" cy="638280"/>
           </a:xfrm>
           <a:prstGeom prst="rect">
             <a:avLst/>
@@ -11274,14 +12385,14 @@
       </p:sp>
       <p:sp>
         <p:nvSpPr>
-          <p:cNvPr id="121" name="Google Shape;184;p5"/>
+          <p:cNvPr id="121" name="Google Shape;108;p 4"/>
           <p:cNvSpPr/>
           <p:nvPr/>
         </p:nvSpPr>
         <p:spPr>
           <a:xfrm>
             <a:off x="2985840" y="8685000"/>
-            <a:ext cx="4281840" cy="591840"/>
+            <a:ext cx="4279320" cy="591840"/>
           </a:xfrm>
           <a:prstGeom prst="rect">
             <a:avLst/>
@@ -11311,14 +12422,14 @@
               </a:tabLst>
             </a:pPr>
             <a:r>
-              <a:rPr b="0" lang="en-AU" sz="1100" spc="-1" strike="noStrike">
-                <a:solidFill>
-                  <a:srgbClr val="000000"/>
-                </a:solidFill>
-                <a:latin typeface="Times New Roman"/>
-                <a:ea typeface="DejaVu Sans"/>
-              </a:rPr>
-              <a:t>{signaturer}</a:t>
+              <a:rPr b="1" lang="en-AU" sz="1100" spc="-1" strike="noStrike">
+                <a:solidFill>
+                  <a:srgbClr val="000000"/>
+                </a:solidFill>
+                <a:latin typeface="Times New Roman"/>
+                <a:ea typeface="Times New Roman"/>
+              </a:rPr>
+              <a:t>MAJ {signaturer}</a:t>
             </a:r>
             <a:br>
               <a:rPr sz="1100"/>
@@ -11328,10 +12439,20 @@
                 <a:solidFill>
                   <a:srgbClr val="000000"/>
                 </a:solidFill>
-                <a:latin typeface="Times New Roman"/>
-                <a:ea typeface="Times New Roman"/>
-              </a:rPr>
-              <a:t>Commanding Officer </a:t>
+                <a:latin typeface="Arial"/>
+                <a:ea typeface="DejaVu Sans"/>
+              </a:rPr>
+              <a:t>Officer Commanding</a:t>
+            </a:r>
+            <a:r>
+              <a:rPr b="1" lang="en-AU" sz="1100" spc="-1" strike="noStrike">
+                <a:solidFill>
+                  <a:srgbClr val="000000"/>
+                </a:solidFill>
+                <a:latin typeface="Times New Roman"/>
+                <a:ea typeface="Times New Roman"/>
+              </a:rPr>
+              <a:t> </a:t>
             </a:r>
             <a:br>
               <a:rPr sz="1100"/>
@@ -11357,14 +12478,14 @@
       </p:sp>
       <p:sp>
         <p:nvSpPr>
-          <p:cNvPr id="122" name="Google Shape;185;p5"/>
+          <p:cNvPr id="122" name="Google Shape;109;p 4"/>
           <p:cNvSpPr/>
           <p:nvPr/>
         </p:nvSpPr>
         <p:spPr>
           <a:xfrm>
-            <a:off x="3721320" y="8197200"/>
-            <a:ext cx="2812320" cy="516240"/>
+            <a:off x="3722400" y="8210520"/>
+            <a:ext cx="3116520" cy="516240"/>
           </a:xfrm>
           <a:prstGeom prst="rect">
             <a:avLst/>
@@ -11394,14 +12515,14 @@
               </a:tabLst>
             </a:pPr>
             <a:r>
-              <a:rPr b="0" lang="en-AU" sz="2800" spc="-1" strike="noStrike">
+              <a:rPr b="0" i="1" lang="en-AU" sz="2800" spc="-1" strike="noStrike">
                 <a:solidFill>
                   <a:schemeClr val="dk1"/>
                 </a:solidFill>
                 <a:latin typeface="Courgette"/>
                 <a:ea typeface="Courgette"/>
               </a:rPr>
-              <a:t>{signaturer}</a:t>
+              <a:t>MAJ {signaturer}</a:t>
             </a:r>
             <a:endParaRPr b="0" lang="en-AU" sz="2800" spc="-1" strike="noStrike">
               <a:solidFill>
@@ -11414,14 +12535,14 @@
       </p:sp>
       <p:cxnSp>
         <p:nvCxnSpPr>
-          <p:cNvPr id="123" name="Google Shape;186;p5"/>
+          <p:cNvPr id="123" name="Google Shape;110;p 4"/>
           <p:cNvCxnSpPr/>
           <p:nvPr/>
         </p:nvCxnSpPr>
         <p:spPr>
           <a:xfrm flipH="1">
-            <a:off x="3720960" y="8684280"/>
-            <a:ext cx="2815920" cy="1800"/>
+            <a:off x="3722400" y="8696520"/>
+            <a:ext cx="2818440" cy="4320"/>
           </a:xfrm>
           <a:prstGeom prst="straightConnector1">
             <a:avLst/>
@@ -11436,14 +12557,14 @@
       </p:cxnSp>
       <p:sp>
         <p:nvSpPr>
-          <p:cNvPr id="124" name="Google Shape;187;p5"/>
+          <p:cNvPr id="124" name="Google Shape;111;p 4"/>
           <p:cNvSpPr/>
           <p:nvPr/>
         </p:nvSpPr>
         <p:spPr>
           <a:xfrm>
-            <a:off x="886320" y="5655600"/>
-            <a:ext cx="6494760" cy="699480"/>
+            <a:off x="885600" y="5668920"/>
+            <a:ext cx="6495480" cy="699480"/>
           </a:xfrm>
           <a:prstGeom prst="rect">
             <a:avLst/>
@@ -11490,7 +12611,7 @@
                 <a:latin typeface="Times New Roman"/>
                 <a:ea typeface="Times New Roman"/>
               </a:rPr>
-              <a:t>Major Trew,</a:t>
+              <a:t>Major</a:t>
             </a:r>
             <a:r>
               <a:rPr b="0" lang="en-AU" sz="2000" spc="-1" strike="noStrike">
@@ -11500,7 +12621,27 @@
                 <a:latin typeface="Times New Roman"/>
                 <a:ea typeface="Times New Roman"/>
               </a:rPr>
-              <a:t> Commanding Officer, Australian Special Operations Taskforce, hereby promote</a:t>
+              <a:t> </a:t>
+            </a:r>
+            <a:r>
+              <a:rPr b="0" i="1" lang="en-AU" sz="2000" spc="-1" strike="noStrike">
+                <a:solidFill>
+                  <a:srgbClr val="000000"/>
+                </a:solidFill>
+                <a:latin typeface="Times New Roman"/>
+                <a:ea typeface="Times New Roman"/>
+              </a:rPr>
+              <a:t>{signaturer},</a:t>
+            </a:r>
+            <a:r>
+              <a:rPr b="0" lang="en-AU" sz="2000" spc="-1" strike="noStrike">
+                <a:solidFill>
+                  <a:srgbClr val="000000"/>
+                </a:solidFill>
+                <a:latin typeface="Times New Roman"/>
+                <a:ea typeface="Times New Roman"/>
+              </a:rPr>
+              <a:t> Officer Commanding, Australian Special Operations Taskforce, hereby promote</a:t>
             </a:r>
             <a:endParaRPr b="0" lang="en-AU" sz="2000" spc="-1" strike="noStrike">
               <a:solidFill>
@@ -11513,14 +12654,14 @@
       </p:sp>
       <p:sp>
         <p:nvSpPr>
-          <p:cNvPr id="125" name="Google Shape;188;p5"/>
+          <p:cNvPr id="125" name="Google Shape;113;p 4"/>
           <p:cNvSpPr/>
           <p:nvPr/>
         </p:nvSpPr>
         <p:spPr>
           <a:xfrm>
             <a:off x="817920" y="6433920"/>
-            <a:ext cx="6494760" cy="577080"/>
+            <a:ext cx="6495480" cy="577080"/>
           </a:xfrm>
           <a:prstGeom prst="rect">
             <a:avLst/>
@@ -11550,7 +12691,7 @@
               </a:tabLst>
             </a:pPr>
             <a:r>
-              <a:rPr b="0" lang="en-AU" sz="3200" spc="-1" strike="noStrike">
+              <a:rPr b="0" i="1" lang="en-AU" sz="3200" spc="-1" strike="noStrike">
                 <a:solidFill>
                   <a:srgbClr val="000000"/>
                 </a:solidFill>
@@ -11570,14 +12711,14 @@
       </p:sp>
       <p:sp>
         <p:nvSpPr>
-          <p:cNvPr id="126" name="Google Shape;189;p5"/>
+          <p:cNvPr id="126" name="Google Shape;114;p 4"/>
           <p:cNvSpPr/>
           <p:nvPr/>
         </p:nvSpPr>
         <p:spPr>
           <a:xfrm>
-            <a:off x="873720" y="7107120"/>
-            <a:ext cx="6494760" cy="699480"/>
+            <a:off x="874800" y="7119720"/>
+            <a:ext cx="6495480" cy="699480"/>
           </a:xfrm>
           <a:prstGeom prst="rect">
             <a:avLst/>
@@ -11636,19 +12777,6 @@
               </a:rPr>
               <a:t>with effect </a:t>
             </a:r>
-            <a:br>
-              <a:rPr sz="2000"/>
-            </a:br>
-            <a:r>
-              <a:rPr b="0" lang="en-AU" sz="2000" spc="-1" strike="noStrike">
-                <a:solidFill>
-                  <a:srgbClr val="000000"/>
-                </a:solidFill>
-                <a:latin typeface="Times New Roman"/>
-                <a:ea typeface="Times New Roman"/>
-              </a:rPr>
-              <a:t>{date}.</a:t>
-            </a:r>
             <a:endParaRPr b="0" lang="en-AU" sz="2000" spc="-1" strike="noStrike">
               <a:solidFill>
                 <a:srgbClr val="000000"/>
@@ -11656,37 +12784,6 @@
               <a:latin typeface="Arial"/>
             </a:endParaRPr>
           </a:p>
-        </p:txBody>
-      </p:sp>
-      <p:sp>
-        <p:nvSpPr>
-          <p:cNvPr id="127" name="Google Shape;190;p5"/>
-          <p:cNvSpPr/>
-          <p:nvPr/>
-        </p:nvSpPr>
-        <p:spPr>
-          <a:xfrm>
-            <a:off x="897480" y="4820400"/>
-            <a:ext cx="6494760" cy="699480"/>
-          </a:xfrm>
-          <a:prstGeom prst="rect">
-            <a:avLst/>
-          </a:prstGeom>
-          <a:noFill/>
-          <a:ln w="0">
-            <a:noFill/>
-          </a:ln>
-        </p:spPr>
-        <p:style>
-          <a:lnRef idx="0"/>
-          <a:fillRef idx="0"/>
-          <a:effectRef idx="0"/>
-          <a:fontRef idx="minor"/>
-        </p:style>
-        <p:txBody>
-          <a:bodyPr lIns="90000" rIns="90000" tIns="45000" bIns="45000" anchor="t">
-            <a:spAutoFit/>
-          </a:bodyPr>
           <a:p>
             <a:pPr algn="ctr">
               <a:lnSpc>
@@ -11704,6 +12801,63 @@
                 <a:latin typeface="Times New Roman"/>
                 <a:ea typeface="Times New Roman"/>
               </a:rPr>
+              <a:t>{date}.</a:t>
+            </a:r>
+            <a:endParaRPr b="0" lang="en-AU" sz="2000" spc="-1" strike="noStrike">
+              <a:solidFill>
+                <a:srgbClr val="000000"/>
+              </a:solidFill>
+              <a:latin typeface="Arial"/>
+            </a:endParaRPr>
+          </a:p>
+        </p:txBody>
+      </p:sp>
+      <p:sp>
+        <p:nvSpPr>
+          <p:cNvPr id="127" name="Google Shape;115;p 4"/>
+          <p:cNvSpPr/>
+          <p:nvPr/>
+        </p:nvSpPr>
+        <p:spPr>
+          <a:xfrm>
+            <a:off x="896400" y="4833720"/>
+            <a:ext cx="6495480" cy="699480"/>
+          </a:xfrm>
+          <a:prstGeom prst="rect">
+            <a:avLst/>
+          </a:prstGeom>
+          <a:noFill/>
+          <a:ln w="0">
+            <a:noFill/>
+          </a:ln>
+        </p:spPr>
+        <p:style>
+          <a:lnRef idx="0"/>
+          <a:fillRef idx="0"/>
+          <a:effectRef idx="0"/>
+          <a:fontRef idx="minor"/>
+        </p:style>
+        <p:txBody>
+          <a:bodyPr lIns="90000" rIns="90000" tIns="45000" bIns="45000" anchor="t">
+            <a:spAutoFit/>
+          </a:bodyPr>
+          <a:p>
+            <a:pPr algn="ctr">
+              <a:lnSpc>
+                <a:spcPct val="100000"/>
+              </a:lnSpc>
+              <a:tabLst>
+                <a:tab algn="l" pos="0"/>
+              </a:tabLst>
+            </a:pPr>
+            <a:r>
+              <a:rPr b="0" i="1" lang="en-AU" sz="2000" spc="-1" strike="noStrike">
+                <a:solidFill>
+                  <a:srgbClr val="000000"/>
+                </a:solidFill>
+                <a:latin typeface="Times New Roman"/>
+                <a:ea typeface="Times New Roman"/>
+              </a:rPr>
               <a:t>{name} </a:t>
             </a:r>
             <a:r>
@@ -11750,8 +12904,8 @@
         </p:blipFill>
         <p:spPr>
           <a:xfrm>
-            <a:off x="3434400" y="1394280"/>
-            <a:ext cx="1261800" cy="2013480"/>
+            <a:off x="3434760" y="1394640"/>
+            <a:ext cx="1261800" cy="2014200"/>
           </a:xfrm>
           <a:prstGeom prst="rect">
             <a:avLst/>
@@ -11793,7 +12947,7 @@
       </p:grpSpPr>
       <p:pic>
         <p:nvPicPr>
-          <p:cNvPr id="129" name="Google Shape;196;p6" descr=""/>
+          <p:cNvPr id="129" name="Google Shape;102;p 5" descr=""/>
           <p:cNvPicPr/>
           <p:nvPr/>
         </p:nvPicPr>
@@ -11803,8 +12957,8 @@
         </p:blipFill>
         <p:spPr>
           <a:xfrm rot="5400000">
-            <a:off x="-1118520" y="2058480"/>
-            <a:ext cx="10511280" cy="7116840"/>
+            <a:off x="-1113480" y="2058480"/>
+            <a:ext cx="10508760" cy="7114320"/>
           </a:xfrm>
           <a:prstGeom prst="rect">
             <a:avLst/>
@@ -11816,7 +12970,7 @@
       </p:pic>
       <p:pic>
         <p:nvPicPr>
-          <p:cNvPr id="130" name="Google Shape;197;p6" descr=""/>
+          <p:cNvPr id="130" name="Google Shape;103;p 5" descr=""/>
           <p:cNvPicPr/>
           <p:nvPr/>
         </p:nvPicPr>
@@ -11826,8 +12980,8 @@
         </p:blipFill>
         <p:spPr>
           <a:xfrm>
-            <a:off x="714240" y="723960"/>
-            <a:ext cx="6702120" cy="9799560"/>
+            <a:off x="712800" y="723600"/>
+            <a:ext cx="6700680" cy="9800280"/>
           </a:xfrm>
           <a:prstGeom prst="rect">
             <a:avLst/>
@@ -11839,7 +12993,7 @@
       </p:pic>
       <p:pic>
         <p:nvPicPr>
-          <p:cNvPr id="131" name="Google Shape;198;p6" descr=""/>
+          <p:cNvPr id="131" name="Google Shape;104;p 5" descr=""/>
           <p:cNvPicPr/>
           <p:nvPr/>
         </p:nvPicPr>
@@ -11850,8 +13004,8 @@
         </p:blipFill>
         <p:spPr>
           <a:xfrm rot="5400000">
-            <a:off x="-1506600" y="1476000"/>
-            <a:ext cx="11298600" cy="8278560"/>
+            <a:off x="-1501560" y="1473480"/>
+            <a:ext cx="11296080" cy="8276040"/>
           </a:xfrm>
           <a:prstGeom prst="rect">
             <a:avLst/>
@@ -11863,7 +13017,7 @@
       </p:pic>
       <p:pic>
         <p:nvPicPr>
-          <p:cNvPr id="132" name="Google Shape;199;p6" descr=""/>
+          <p:cNvPr id="132" name="Google Shape;105;p 5" descr=""/>
           <p:cNvPicPr/>
           <p:nvPr/>
         </p:nvPicPr>
@@ -11873,8 +13027,8 @@
         </p:blipFill>
         <p:spPr>
           <a:xfrm>
-            <a:off x="1814040" y="8340840"/>
-            <a:ext cx="1442520" cy="1258560"/>
+            <a:off x="1814400" y="8354520"/>
+            <a:ext cx="1440000" cy="1256040"/>
           </a:xfrm>
           <a:prstGeom prst="rect">
             <a:avLst/>
@@ -11886,14 +13040,14 @@
       </p:pic>
       <p:sp>
         <p:nvSpPr>
-          <p:cNvPr id="133" name="Google Shape;200;p6"/>
+          <p:cNvPr id="133" name="Google Shape;106;p 5"/>
           <p:cNvSpPr/>
           <p:nvPr/>
         </p:nvSpPr>
         <p:spPr>
           <a:xfrm>
-            <a:off x="704160" y="3409560"/>
-            <a:ext cx="6722280" cy="759960"/>
+            <a:off x="705600" y="3553200"/>
+            <a:ext cx="6723000" cy="577080"/>
           </a:xfrm>
           <a:prstGeom prst="rect">
             <a:avLst/>
@@ -11923,34 +13077,34 @@
               </a:tabLst>
             </a:pPr>
             <a:r>
-              <a:rPr b="0" lang="en-AU" sz="4400" spc="-1" strike="noStrike">
+              <a:rPr b="0" lang="en-AU" sz="3200" spc="-1" strike="noStrike">
                 <a:solidFill>
                   <a:schemeClr val="dk1"/>
                 </a:solidFill>
-                <a:latin typeface="Arial"/>
+                <a:latin typeface="Old English Five"/>
                 <a:ea typeface="Arial"/>
               </a:rPr>
               <a:t>Certificate Of Promotion</a:t>
             </a:r>
-            <a:endParaRPr b="0" lang="en-AU" sz="4400" spc="-1" strike="noStrike">
-              <a:solidFill>
-                <a:srgbClr val="000000"/>
-              </a:solidFill>
-              <a:latin typeface="Arial"/>
-            </a:endParaRPr>
-          </a:p>
-        </p:txBody>
-      </p:sp>
-      <p:sp>
-        <p:nvSpPr>
-          <p:cNvPr id="134" name="Google Shape;201;p6"/>
+            <a:endParaRPr b="0" lang="en-AU" sz="3200" spc="-1" strike="noStrike">
+              <a:solidFill>
+                <a:srgbClr val="000000"/>
+              </a:solidFill>
+              <a:latin typeface="Arial"/>
+            </a:endParaRPr>
+          </a:p>
+        </p:txBody>
+      </p:sp>
+      <p:sp>
+        <p:nvSpPr>
+          <p:cNvPr id="134" name="Google Shape;107;p 5"/>
           <p:cNvSpPr/>
           <p:nvPr/>
         </p:nvSpPr>
         <p:spPr>
           <a:xfrm>
-            <a:off x="1454400" y="4110120"/>
-            <a:ext cx="5369760" cy="638280"/>
+            <a:off x="1454400" y="4124520"/>
+            <a:ext cx="5368680" cy="638280"/>
           </a:xfrm>
           <a:prstGeom prst="rect">
             <a:avLst/>
@@ -12000,14 +13154,14 @@
       </p:sp>
       <p:sp>
         <p:nvSpPr>
-          <p:cNvPr id="135" name="Google Shape;202;p6"/>
+          <p:cNvPr id="135" name="Google Shape;108;p 5"/>
           <p:cNvSpPr/>
           <p:nvPr/>
         </p:nvSpPr>
         <p:spPr>
           <a:xfrm>
             <a:off x="2985840" y="8685000"/>
-            <a:ext cx="4281840" cy="591840"/>
+            <a:ext cx="4279320" cy="591840"/>
           </a:xfrm>
           <a:prstGeom prst="rect">
             <a:avLst/>
@@ -12037,14 +13191,14 @@
               </a:tabLst>
             </a:pPr>
             <a:r>
-              <a:rPr b="0" lang="en-AU" sz="1100" spc="-1" strike="noStrike">
-                <a:solidFill>
-                  <a:srgbClr val="000000"/>
-                </a:solidFill>
-                <a:latin typeface="Times New Roman"/>
-                <a:ea typeface="DejaVu Sans"/>
-              </a:rPr>
-              <a:t>{signaturer}</a:t>
+              <a:rPr b="1" lang="en-AU" sz="1100" spc="-1" strike="noStrike">
+                <a:solidFill>
+                  <a:srgbClr val="000000"/>
+                </a:solidFill>
+                <a:latin typeface="Times New Roman"/>
+                <a:ea typeface="Times New Roman"/>
+              </a:rPr>
+              <a:t>MAJ {signaturer}</a:t>
             </a:r>
             <a:br>
               <a:rPr sz="1100"/>
@@ -12054,10 +13208,20 @@
                 <a:solidFill>
                   <a:srgbClr val="000000"/>
                 </a:solidFill>
-                <a:latin typeface="Times New Roman"/>
-                <a:ea typeface="Times New Roman"/>
-              </a:rPr>
-              <a:t>Commanding Officer </a:t>
+                <a:latin typeface="Arial"/>
+                <a:ea typeface="DejaVu Sans"/>
+              </a:rPr>
+              <a:t>Officer Commanding</a:t>
+            </a:r>
+            <a:r>
+              <a:rPr b="1" lang="en-AU" sz="1100" spc="-1" strike="noStrike">
+                <a:solidFill>
+                  <a:srgbClr val="000000"/>
+                </a:solidFill>
+                <a:latin typeface="Times New Roman"/>
+                <a:ea typeface="Times New Roman"/>
+              </a:rPr>
+              <a:t> </a:t>
             </a:r>
             <a:br>
               <a:rPr sz="1100"/>
@@ -12083,14 +13247,14 @@
       </p:sp>
       <p:sp>
         <p:nvSpPr>
-          <p:cNvPr id="136" name="Google Shape;203;p6"/>
+          <p:cNvPr id="136" name="Google Shape;109;p 5"/>
           <p:cNvSpPr/>
           <p:nvPr/>
         </p:nvSpPr>
         <p:spPr>
           <a:xfrm>
-            <a:off x="3721320" y="8197200"/>
-            <a:ext cx="2812320" cy="516240"/>
+            <a:off x="3722400" y="8210520"/>
+            <a:ext cx="3116520" cy="516240"/>
           </a:xfrm>
           <a:prstGeom prst="rect">
             <a:avLst/>
@@ -12120,14 +13284,14 @@
               </a:tabLst>
             </a:pPr>
             <a:r>
-              <a:rPr b="0" lang="en-AU" sz="2800" spc="-1" strike="noStrike">
+              <a:rPr b="0" i="1" lang="en-AU" sz="2800" spc="-1" strike="noStrike">
                 <a:solidFill>
                   <a:schemeClr val="dk1"/>
                 </a:solidFill>
                 <a:latin typeface="Courgette"/>
                 <a:ea typeface="Courgette"/>
               </a:rPr>
-              <a:t>{signaturer}</a:t>
+              <a:t>MAJ {signaturer}</a:t>
             </a:r>
             <a:endParaRPr b="0" lang="en-AU" sz="2800" spc="-1" strike="noStrike">
               <a:solidFill>
@@ -12140,14 +13304,14 @@
       </p:sp>
       <p:cxnSp>
         <p:nvCxnSpPr>
-          <p:cNvPr id="137" name="Google Shape;204;p6"/>
+          <p:cNvPr id="137" name="Google Shape;110;p 5"/>
           <p:cNvCxnSpPr/>
           <p:nvPr/>
         </p:nvCxnSpPr>
         <p:spPr>
           <a:xfrm flipH="1">
-            <a:off x="3720960" y="8684280"/>
-            <a:ext cx="2815920" cy="1800"/>
+            <a:off x="3722400" y="8696520"/>
+            <a:ext cx="2818440" cy="4320"/>
           </a:xfrm>
           <a:prstGeom prst="straightConnector1">
             <a:avLst/>
@@ -12162,14 +13326,14 @@
       </p:cxnSp>
       <p:sp>
         <p:nvSpPr>
-          <p:cNvPr id="138" name="Google Shape;205;p6"/>
+          <p:cNvPr id="138" name="Google Shape;111;p 5"/>
           <p:cNvSpPr/>
           <p:nvPr/>
         </p:nvSpPr>
         <p:spPr>
           <a:xfrm>
-            <a:off x="886320" y="5655600"/>
-            <a:ext cx="6494760" cy="699480"/>
+            <a:off x="885600" y="5668920"/>
+            <a:ext cx="6495480" cy="699480"/>
           </a:xfrm>
           <a:prstGeom prst="rect">
             <a:avLst/>
@@ -12206,7 +13370,7 @@
                 <a:latin typeface="Times New Roman"/>
                 <a:ea typeface="Times New Roman"/>
               </a:rPr>
-              <a:t>I, {signaturer}</a:t>
+              <a:t>I, </a:t>
             </a:r>
             <a:r>
               <a:rPr b="0" i="1" lang="en-AU" sz="2000" spc="-1" strike="noStrike">
@@ -12216,7 +13380,7 @@
                 <a:latin typeface="Times New Roman"/>
                 <a:ea typeface="Times New Roman"/>
               </a:rPr>
-              <a:t>,</a:t>
+              <a:t>Major</a:t>
             </a:r>
             <a:r>
               <a:rPr b="0" lang="en-AU" sz="2000" spc="-1" strike="noStrike">
@@ -12226,7 +13390,27 @@
                 <a:latin typeface="Times New Roman"/>
                 <a:ea typeface="Times New Roman"/>
               </a:rPr>
-              <a:t> Commanding Officer, Australian Special Operations Taskforce, hereby promote</a:t>
+              <a:t> </a:t>
+            </a:r>
+            <a:r>
+              <a:rPr b="0" i="1" lang="en-AU" sz="2000" spc="-1" strike="noStrike">
+                <a:solidFill>
+                  <a:srgbClr val="000000"/>
+                </a:solidFill>
+                <a:latin typeface="Times New Roman"/>
+                <a:ea typeface="Times New Roman"/>
+              </a:rPr>
+              <a:t>{signaturer},</a:t>
+            </a:r>
+            <a:r>
+              <a:rPr b="0" lang="en-AU" sz="2000" spc="-1" strike="noStrike">
+                <a:solidFill>
+                  <a:srgbClr val="000000"/>
+                </a:solidFill>
+                <a:latin typeface="Times New Roman"/>
+                <a:ea typeface="Times New Roman"/>
+              </a:rPr>
+              <a:t> Officer Commanding, Australian Special Operations Taskforce, hereby promote</a:t>
             </a:r>
             <a:endParaRPr b="0" lang="en-AU" sz="2000" spc="-1" strike="noStrike">
               <a:solidFill>
@@ -12239,14 +13423,14 @@
       </p:sp>
       <p:sp>
         <p:nvSpPr>
-          <p:cNvPr id="139" name="Google Shape;206;p6"/>
+          <p:cNvPr id="139" name="Google Shape;113;p 5"/>
           <p:cNvSpPr/>
           <p:nvPr/>
         </p:nvSpPr>
         <p:spPr>
           <a:xfrm>
             <a:off x="817920" y="6433920"/>
-            <a:ext cx="6494760" cy="577080"/>
+            <a:ext cx="6495480" cy="577080"/>
           </a:xfrm>
           <a:prstGeom prst="rect">
             <a:avLst/>
@@ -12276,7 +13460,7 @@
               </a:tabLst>
             </a:pPr>
             <a:r>
-              <a:rPr b="0" lang="en-AU" sz="3200" spc="-1" strike="noStrike">
+              <a:rPr b="0" i="1" lang="en-AU" sz="3200" spc="-1" strike="noStrike">
                 <a:solidFill>
                   <a:srgbClr val="000000"/>
                 </a:solidFill>
@@ -12296,14 +13480,14 @@
       </p:sp>
       <p:sp>
         <p:nvSpPr>
-          <p:cNvPr id="140" name="Google Shape;207;p6"/>
+          <p:cNvPr id="140" name="Google Shape;114;p 5"/>
           <p:cNvSpPr/>
           <p:nvPr/>
         </p:nvSpPr>
         <p:spPr>
           <a:xfrm>
-            <a:off x="873720" y="7107120"/>
-            <a:ext cx="6494760" cy="699480"/>
+            <a:off x="874800" y="7119720"/>
+            <a:ext cx="6495480" cy="699480"/>
           </a:xfrm>
           <a:prstGeom prst="rect">
             <a:avLst/>
@@ -12362,19 +13546,6 @@
               </a:rPr>
               <a:t>with effect </a:t>
             </a:r>
-            <a:br>
-              <a:rPr sz="2000"/>
-            </a:br>
-            <a:r>
-              <a:rPr b="0" lang="en-AU" sz="2000" spc="-1" strike="noStrike">
-                <a:solidFill>
-                  <a:srgbClr val="000000"/>
-                </a:solidFill>
-                <a:latin typeface="Times New Roman"/>
-                <a:ea typeface="Times New Roman"/>
-              </a:rPr>
-              <a:t>{date}.</a:t>
-            </a:r>
             <a:endParaRPr b="0" lang="en-AU" sz="2000" spc="-1" strike="noStrike">
               <a:solidFill>
                 <a:srgbClr val="000000"/>
@@ -12382,37 +13553,6 @@
               <a:latin typeface="Arial"/>
             </a:endParaRPr>
           </a:p>
-        </p:txBody>
-      </p:sp>
-      <p:sp>
-        <p:nvSpPr>
-          <p:cNvPr id="141" name="Google Shape;208;p6"/>
-          <p:cNvSpPr/>
-          <p:nvPr/>
-        </p:nvSpPr>
-        <p:spPr>
-          <a:xfrm>
-            <a:off x="897480" y="4820400"/>
-            <a:ext cx="6494760" cy="699480"/>
-          </a:xfrm>
-          <a:prstGeom prst="rect">
-            <a:avLst/>
-          </a:prstGeom>
-          <a:noFill/>
-          <a:ln w="0">
-            <a:noFill/>
-          </a:ln>
-        </p:spPr>
-        <p:style>
-          <a:lnRef idx="0"/>
-          <a:fillRef idx="0"/>
-          <a:effectRef idx="0"/>
-          <a:fontRef idx="minor"/>
-        </p:style>
-        <p:txBody>
-          <a:bodyPr lIns="90000" rIns="90000" tIns="45000" bIns="45000" anchor="t">
-            <a:spAutoFit/>
-          </a:bodyPr>
           <a:p>
             <a:pPr algn="ctr">
               <a:lnSpc>
@@ -12430,6 +13570,63 @@
                 <a:latin typeface="Times New Roman"/>
                 <a:ea typeface="Times New Roman"/>
               </a:rPr>
+              <a:t>{date}.</a:t>
+            </a:r>
+            <a:endParaRPr b="0" lang="en-AU" sz="2000" spc="-1" strike="noStrike">
+              <a:solidFill>
+                <a:srgbClr val="000000"/>
+              </a:solidFill>
+              <a:latin typeface="Arial"/>
+            </a:endParaRPr>
+          </a:p>
+        </p:txBody>
+      </p:sp>
+      <p:sp>
+        <p:nvSpPr>
+          <p:cNvPr id="141" name="Google Shape;115;p 5"/>
+          <p:cNvSpPr/>
+          <p:nvPr/>
+        </p:nvSpPr>
+        <p:spPr>
+          <a:xfrm>
+            <a:off x="896400" y="4833720"/>
+            <a:ext cx="6495480" cy="699480"/>
+          </a:xfrm>
+          <a:prstGeom prst="rect">
+            <a:avLst/>
+          </a:prstGeom>
+          <a:noFill/>
+          <a:ln w="0">
+            <a:noFill/>
+          </a:ln>
+        </p:spPr>
+        <p:style>
+          <a:lnRef idx="0"/>
+          <a:fillRef idx="0"/>
+          <a:effectRef idx="0"/>
+          <a:fontRef idx="minor"/>
+        </p:style>
+        <p:txBody>
+          <a:bodyPr lIns="90000" rIns="90000" tIns="45000" bIns="45000" anchor="t">
+            <a:spAutoFit/>
+          </a:bodyPr>
+          <a:p>
+            <a:pPr algn="ctr">
+              <a:lnSpc>
+                <a:spcPct val="100000"/>
+              </a:lnSpc>
+              <a:tabLst>
+                <a:tab algn="l" pos="0"/>
+              </a:tabLst>
+            </a:pPr>
+            <a:r>
+              <a:rPr b="0" i="1" lang="en-AU" sz="2000" spc="-1" strike="noStrike">
+                <a:solidFill>
+                  <a:srgbClr val="000000"/>
+                </a:solidFill>
+                <a:latin typeface="Times New Roman"/>
+                <a:ea typeface="Times New Roman"/>
+              </a:rPr>
               <a:t>{name} </a:t>
             </a:r>
             <a:r>
@@ -12466,7 +13663,7 @@
       </p:sp>
       <p:pic>
         <p:nvPicPr>
-          <p:cNvPr id="142" name="Google Shape;209;p6" descr=""/>
+          <p:cNvPr id="142" name="Google Shape;209;p 1" descr=""/>
           <p:cNvPicPr/>
           <p:nvPr/>
         </p:nvPicPr>
@@ -12476,8 +13673,8 @@
         </p:blipFill>
         <p:spPr>
           <a:xfrm>
-            <a:off x="3432240" y="1385280"/>
-            <a:ext cx="1266120" cy="2019960"/>
+            <a:off x="3432600" y="1385640"/>
+            <a:ext cx="1263600" cy="2017440"/>
           </a:xfrm>
           <a:prstGeom prst="rect">
             <a:avLst/>
@@ -12519,7 +13716,7 @@
       </p:grpSpPr>
       <p:pic>
         <p:nvPicPr>
-          <p:cNvPr id="143" name="Google Shape;214;p7" descr=""/>
+          <p:cNvPr id="143" name="Google Shape;102;p 6" descr=""/>
           <p:cNvPicPr/>
           <p:nvPr/>
         </p:nvPicPr>
@@ -12529,8 +13726,8 @@
         </p:blipFill>
         <p:spPr>
           <a:xfrm rot="5400000">
-            <a:off x="-1118520" y="2058480"/>
-            <a:ext cx="10511280" cy="7116840"/>
+            <a:off x="-1113480" y="2058480"/>
+            <a:ext cx="10508760" cy="7114320"/>
           </a:xfrm>
           <a:prstGeom prst="rect">
             <a:avLst/>
@@ -12542,7 +13739,7 @@
       </p:pic>
       <p:pic>
         <p:nvPicPr>
-          <p:cNvPr id="144" name="Google Shape;215;p7" descr=""/>
+          <p:cNvPr id="144" name="Google Shape;103;p 6" descr=""/>
           <p:cNvPicPr/>
           <p:nvPr/>
         </p:nvPicPr>
@@ -12552,8 +13749,8 @@
         </p:blipFill>
         <p:spPr>
           <a:xfrm>
-            <a:off x="714240" y="723960"/>
-            <a:ext cx="6702120" cy="9799560"/>
+            <a:off x="712800" y="723600"/>
+            <a:ext cx="6700680" cy="9800280"/>
           </a:xfrm>
           <a:prstGeom prst="rect">
             <a:avLst/>
@@ -12565,7 +13762,7 @@
       </p:pic>
       <p:pic>
         <p:nvPicPr>
-          <p:cNvPr id="145" name="Google Shape;216;p7" descr=""/>
+          <p:cNvPr id="145" name="Google Shape;104;p 6" descr=""/>
           <p:cNvPicPr/>
           <p:nvPr/>
         </p:nvPicPr>
@@ -12576,8 +13773,8 @@
         </p:blipFill>
         <p:spPr>
           <a:xfrm rot="5400000">
-            <a:off x="-1506600" y="1476000"/>
-            <a:ext cx="11298600" cy="8278560"/>
+            <a:off x="-1501560" y="1473480"/>
+            <a:ext cx="11296080" cy="8276040"/>
           </a:xfrm>
           <a:prstGeom prst="rect">
             <a:avLst/>
@@ -12589,7 +13786,7 @@
       </p:pic>
       <p:pic>
         <p:nvPicPr>
-          <p:cNvPr id="146" name="Google Shape;217;p7" descr=""/>
+          <p:cNvPr id="146" name="Google Shape;105;p 6" descr=""/>
           <p:cNvPicPr/>
           <p:nvPr/>
         </p:nvPicPr>
@@ -12599,8 +13796,8 @@
         </p:blipFill>
         <p:spPr>
           <a:xfrm>
-            <a:off x="1814040" y="8340840"/>
-            <a:ext cx="1442520" cy="1258560"/>
+            <a:off x="1814400" y="8354520"/>
+            <a:ext cx="1440000" cy="1256040"/>
           </a:xfrm>
           <a:prstGeom prst="rect">
             <a:avLst/>
@@ -12612,14 +13809,14 @@
       </p:pic>
       <p:sp>
         <p:nvSpPr>
-          <p:cNvPr id="147" name="Google Shape;218;p7"/>
+          <p:cNvPr id="147" name="Google Shape;106;p 6"/>
           <p:cNvSpPr/>
           <p:nvPr/>
         </p:nvSpPr>
         <p:spPr>
           <a:xfrm>
-            <a:off x="704160" y="3409560"/>
-            <a:ext cx="6722280" cy="759960"/>
+            <a:off x="705600" y="3553200"/>
+            <a:ext cx="6723000" cy="577080"/>
           </a:xfrm>
           <a:prstGeom prst="rect">
             <a:avLst/>
@@ -12649,34 +13846,34 @@
               </a:tabLst>
             </a:pPr>
             <a:r>
-              <a:rPr b="0" lang="en-AU" sz="4400" spc="-1" strike="noStrike">
+              <a:rPr b="0" lang="en-AU" sz="3200" spc="-1" strike="noStrike">
                 <a:solidFill>
                   <a:schemeClr val="dk1"/>
                 </a:solidFill>
-                <a:latin typeface="Arial"/>
+                <a:latin typeface="Old English Five"/>
                 <a:ea typeface="Arial"/>
               </a:rPr>
               <a:t>Certificate Of Promotion</a:t>
             </a:r>
-            <a:endParaRPr b="0" lang="en-AU" sz="4400" spc="-1" strike="noStrike">
-              <a:solidFill>
-                <a:srgbClr val="000000"/>
-              </a:solidFill>
-              <a:latin typeface="Arial"/>
-            </a:endParaRPr>
-          </a:p>
-        </p:txBody>
-      </p:sp>
-      <p:sp>
-        <p:nvSpPr>
-          <p:cNvPr id="148" name="Google Shape;219;p7"/>
+            <a:endParaRPr b="0" lang="en-AU" sz="3200" spc="-1" strike="noStrike">
+              <a:solidFill>
+                <a:srgbClr val="000000"/>
+              </a:solidFill>
+              <a:latin typeface="Arial"/>
+            </a:endParaRPr>
+          </a:p>
+        </p:txBody>
+      </p:sp>
+      <p:sp>
+        <p:nvSpPr>
+          <p:cNvPr id="148" name="Google Shape;107;p 6"/>
           <p:cNvSpPr/>
           <p:nvPr/>
         </p:nvSpPr>
         <p:spPr>
           <a:xfrm>
-            <a:off x="1454400" y="4110120"/>
-            <a:ext cx="5369760" cy="638280"/>
+            <a:off x="1454400" y="4124520"/>
+            <a:ext cx="5368680" cy="638280"/>
           </a:xfrm>
           <a:prstGeom prst="rect">
             <a:avLst/>
@@ -12726,14 +13923,14 @@
       </p:sp>
       <p:sp>
         <p:nvSpPr>
-          <p:cNvPr id="149" name="Google Shape;220;p7"/>
+          <p:cNvPr id="149" name="Google Shape;108;p 6"/>
           <p:cNvSpPr/>
           <p:nvPr/>
         </p:nvSpPr>
         <p:spPr>
           <a:xfrm>
             <a:off x="2985840" y="8685000"/>
-            <a:ext cx="4281840" cy="591840"/>
+            <a:ext cx="4279320" cy="591840"/>
           </a:xfrm>
           <a:prstGeom prst="rect">
             <a:avLst/>
@@ -12763,14 +13960,14 @@
               </a:tabLst>
             </a:pPr>
             <a:r>
-              <a:rPr b="0" lang="en-AU" sz="1100" spc="-1" strike="noStrike">
-                <a:solidFill>
-                  <a:srgbClr val="000000"/>
-                </a:solidFill>
-                <a:latin typeface="Times New Roman"/>
-                <a:ea typeface="DejaVu Sans"/>
-              </a:rPr>
-              <a:t>{signaturer}</a:t>
+              <a:rPr b="1" lang="en-AU" sz="1100" spc="-1" strike="noStrike">
+                <a:solidFill>
+                  <a:srgbClr val="000000"/>
+                </a:solidFill>
+                <a:latin typeface="Times New Roman"/>
+                <a:ea typeface="Times New Roman"/>
+              </a:rPr>
+              <a:t>MAJ {signaturer}</a:t>
             </a:r>
             <a:br>
               <a:rPr sz="1100"/>
@@ -12780,10 +13977,20 @@
                 <a:solidFill>
                   <a:srgbClr val="000000"/>
                 </a:solidFill>
-                <a:latin typeface="Times New Roman"/>
-                <a:ea typeface="Times New Roman"/>
-              </a:rPr>
-              <a:t>Commanding Officer </a:t>
+                <a:latin typeface="Arial"/>
+                <a:ea typeface="DejaVu Sans"/>
+              </a:rPr>
+              <a:t>Officer Commanding</a:t>
+            </a:r>
+            <a:r>
+              <a:rPr b="1" lang="en-AU" sz="1100" spc="-1" strike="noStrike">
+                <a:solidFill>
+                  <a:srgbClr val="000000"/>
+                </a:solidFill>
+                <a:latin typeface="Times New Roman"/>
+                <a:ea typeface="Times New Roman"/>
+              </a:rPr>
+              <a:t> </a:t>
             </a:r>
             <a:br>
               <a:rPr sz="1100"/>
@@ -12809,14 +14016,14 @@
       </p:sp>
       <p:sp>
         <p:nvSpPr>
-          <p:cNvPr id="150" name="Google Shape;221;p7"/>
+          <p:cNvPr id="150" name="Google Shape;109;p 6"/>
           <p:cNvSpPr/>
           <p:nvPr/>
         </p:nvSpPr>
         <p:spPr>
           <a:xfrm>
-            <a:off x="3721320" y="8197200"/>
-            <a:ext cx="2812320" cy="516240"/>
+            <a:off x="3722400" y="8210520"/>
+            <a:ext cx="3116520" cy="516240"/>
           </a:xfrm>
           <a:prstGeom prst="rect">
             <a:avLst/>
@@ -12846,14 +14053,14 @@
               </a:tabLst>
             </a:pPr>
             <a:r>
-              <a:rPr b="0" lang="en-AU" sz="2800" spc="-1" strike="noStrike">
+              <a:rPr b="0" i="1" lang="en-AU" sz="2800" spc="-1" strike="noStrike">
                 <a:solidFill>
                   <a:schemeClr val="dk1"/>
                 </a:solidFill>
                 <a:latin typeface="Courgette"/>
                 <a:ea typeface="Courgette"/>
               </a:rPr>
-              <a:t>{signaturer}</a:t>
+              <a:t>MAJ {signaturer}</a:t>
             </a:r>
             <a:endParaRPr b="0" lang="en-AU" sz="2800" spc="-1" strike="noStrike">
               <a:solidFill>
@@ -12866,14 +14073,14 @@
       </p:sp>
       <p:cxnSp>
         <p:nvCxnSpPr>
-          <p:cNvPr id="151" name="Google Shape;222;p7"/>
+          <p:cNvPr id="151" name="Google Shape;110;p 6"/>
           <p:cNvCxnSpPr/>
           <p:nvPr/>
         </p:nvCxnSpPr>
         <p:spPr>
           <a:xfrm flipH="1">
-            <a:off x="3720960" y="8684280"/>
-            <a:ext cx="2815920" cy="1800"/>
+            <a:off x="3722400" y="8696520"/>
+            <a:ext cx="2818440" cy="4320"/>
           </a:xfrm>
           <a:prstGeom prst="straightConnector1">
             <a:avLst/>
@@ -12888,14 +14095,14 @@
       </p:cxnSp>
       <p:sp>
         <p:nvSpPr>
-          <p:cNvPr id="152" name="Google Shape;223;p7"/>
+          <p:cNvPr id="152" name="Google Shape;111;p 6"/>
           <p:cNvSpPr/>
           <p:nvPr/>
         </p:nvSpPr>
         <p:spPr>
           <a:xfrm>
-            <a:off x="886320" y="5655600"/>
-            <a:ext cx="6494760" cy="699480"/>
+            <a:off x="885600" y="5668920"/>
+            <a:ext cx="6495480" cy="699480"/>
           </a:xfrm>
           <a:prstGeom prst="rect">
             <a:avLst/>
@@ -12932,7 +14139,7 @@
                 <a:latin typeface="Times New Roman"/>
                 <a:ea typeface="Times New Roman"/>
               </a:rPr>
-              <a:t>I, {signaturer}</a:t>
+              <a:t>I, </a:t>
             </a:r>
             <a:r>
               <a:rPr b="0" i="1" lang="en-AU" sz="2000" spc="-1" strike="noStrike">
@@ -12942,7 +14149,7 @@
                 <a:latin typeface="Times New Roman"/>
                 <a:ea typeface="Times New Roman"/>
               </a:rPr>
-              <a:t>,</a:t>
+              <a:t>Major</a:t>
             </a:r>
             <a:r>
               <a:rPr b="0" lang="en-AU" sz="2000" spc="-1" strike="noStrike">
@@ -12952,7 +14159,27 @@
                 <a:latin typeface="Times New Roman"/>
                 <a:ea typeface="Times New Roman"/>
               </a:rPr>
-              <a:t> Commanding Officer, Australian Special Operations Taskforce, hereby promote</a:t>
+              <a:t> </a:t>
+            </a:r>
+            <a:r>
+              <a:rPr b="0" i="1" lang="en-AU" sz="2000" spc="-1" strike="noStrike">
+                <a:solidFill>
+                  <a:srgbClr val="000000"/>
+                </a:solidFill>
+                <a:latin typeface="Times New Roman"/>
+                <a:ea typeface="Times New Roman"/>
+              </a:rPr>
+              <a:t>{signaturer},</a:t>
+            </a:r>
+            <a:r>
+              <a:rPr b="0" lang="en-AU" sz="2000" spc="-1" strike="noStrike">
+                <a:solidFill>
+                  <a:srgbClr val="000000"/>
+                </a:solidFill>
+                <a:latin typeface="Times New Roman"/>
+                <a:ea typeface="Times New Roman"/>
+              </a:rPr>
+              <a:t> Officer Commanding, Australian Special Operations Taskforce, hereby promote</a:t>
             </a:r>
             <a:endParaRPr b="0" lang="en-AU" sz="2000" spc="-1" strike="noStrike">
               <a:solidFill>
@@ -12965,14 +14192,14 @@
       </p:sp>
       <p:sp>
         <p:nvSpPr>
-          <p:cNvPr id="153" name="Google Shape;224;p7"/>
+          <p:cNvPr id="153" name="Google Shape;113;p 6"/>
           <p:cNvSpPr/>
           <p:nvPr/>
         </p:nvSpPr>
         <p:spPr>
           <a:xfrm>
             <a:off x="817920" y="6433920"/>
-            <a:ext cx="6494760" cy="577080"/>
+            <a:ext cx="6495480" cy="577080"/>
           </a:xfrm>
           <a:prstGeom prst="rect">
             <a:avLst/>
@@ -13022,14 +14249,14 @@
       </p:sp>
       <p:sp>
         <p:nvSpPr>
-          <p:cNvPr id="154" name="Google Shape;225;p7"/>
+          <p:cNvPr id="154" name="Google Shape;114;p 6"/>
           <p:cNvSpPr/>
           <p:nvPr/>
         </p:nvSpPr>
         <p:spPr>
           <a:xfrm>
-            <a:off x="873720" y="7107120"/>
-            <a:ext cx="6494760" cy="699480"/>
+            <a:off x="874800" y="7119720"/>
+            <a:ext cx="6495480" cy="699480"/>
           </a:xfrm>
           <a:prstGeom prst="rect">
             <a:avLst/>
@@ -13088,19 +14315,6 @@
               </a:rPr>
               <a:t>with effect </a:t>
             </a:r>
-            <a:br>
-              <a:rPr sz="2000"/>
-            </a:br>
-            <a:r>
-              <a:rPr b="0" lang="en-AU" sz="2000" spc="-1" strike="noStrike">
-                <a:solidFill>
-                  <a:srgbClr val="000000"/>
-                </a:solidFill>
-                <a:latin typeface="Times New Roman"/>
-                <a:ea typeface="Times New Roman"/>
-              </a:rPr>
-              <a:t>{date}.</a:t>
-            </a:r>
             <a:endParaRPr b="0" lang="en-AU" sz="2000" spc="-1" strike="noStrike">
               <a:solidFill>
                 <a:srgbClr val="000000"/>
@@ -13108,37 +14322,6 @@
               <a:latin typeface="Arial"/>
             </a:endParaRPr>
           </a:p>
-        </p:txBody>
-      </p:sp>
-      <p:sp>
-        <p:nvSpPr>
-          <p:cNvPr id="155" name="Google Shape;226;p7"/>
-          <p:cNvSpPr/>
-          <p:nvPr/>
-        </p:nvSpPr>
-        <p:spPr>
-          <a:xfrm>
-            <a:off x="897480" y="4820400"/>
-            <a:ext cx="6494760" cy="699480"/>
-          </a:xfrm>
-          <a:prstGeom prst="rect">
-            <a:avLst/>
-          </a:prstGeom>
-          <a:noFill/>
-          <a:ln w="0">
-            <a:noFill/>
-          </a:ln>
-        </p:spPr>
-        <p:style>
-          <a:lnRef idx="0"/>
-          <a:fillRef idx="0"/>
-          <a:effectRef idx="0"/>
-          <a:fontRef idx="minor"/>
-        </p:style>
-        <p:txBody>
-          <a:bodyPr lIns="90000" rIns="90000" tIns="45000" bIns="45000" anchor="t">
-            <a:spAutoFit/>
-          </a:bodyPr>
           <a:p>
             <a:pPr algn="ctr">
               <a:lnSpc>
@@ -13156,6 +14339,63 @@
                 <a:latin typeface="Times New Roman"/>
                 <a:ea typeface="Times New Roman"/>
               </a:rPr>
+              <a:t>{date}.</a:t>
+            </a:r>
+            <a:endParaRPr b="0" lang="en-AU" sz="2000" spc="-1" strike="noStrike">
+              <a:solidFill>
+                <a:srgbClr val="000000"/>
+              </a:solidFill>
+              <a:latin typeface="Arial"/>
+            </a:endParaRPr>
+          </a:p>
+        </p:txBody>
+      </p:sp>
+      <p:sp>
+        <p:nvSpPr>
+          <p:cNvPr id="155" name="Google Shape;115;p 6"/>
+          <p:cNvSpPr/>
+          <p:nvPr/>
+        </p:nvSpPr>
+        <p:spPr>
+          <a:xfrm>
+            <a:off x="896400" y="4833720"/>
+            <a:ext cx="6495480" cy="699480"/>
+          </a:xfrm>
+          <a:prstGeom prst="rect">
+            <a:avLst/>
+          </a:prstGeom>
+          <a:noFill/>
+          <a:ln w="0">
+            <a:noFill/>
+          </a:ln>
+        </p:spPr>
+        <p:style>
+          <a:lnRef idx="0"/>
+          <a:fillRef idx="0"/>
+          <a:effectRef idx="0"/>
+          <a:fontRef idx="minor"/>
+        </p:style>
+        <p:txBody>
+          <a:bodyPr lIns="90000" rIns="90000" tIns="45000" bIns="45000" anchor="t">
+            <a:spAutoFit/>
+          </a:bodyPr>
+          <a:p>
+            <a:pPr algn="ctr">
+              <a:lnSpc>
+                <a:spcPct val="100000"/>
+              </a:lnSpc>
+              <a:tabLst>
+                <a:tab algn="l" pos="0"/>
+              </a:tabLst>
+            </a:pPr>
+            <a:r>
+              <a:rPr b="0" i="1" lang="en-AU" sz="2000" spc="-1" strike="noStrike">
+                <a:solidFill>
+                  <a:srgbClr val="000000"/>
+                </a:solidFill>
+                <a:latin typeface="Times New Roman"/>
+                <a:ea typeface="Times New Roman"/>
+              </a:rPr>
               <a:t>{name} </a:t>
             </a:r>
             <a:r>
@@ -13202,8 +14442,8 @@
         </p:blipFill>
         <p:spPr>
           <a:xfrm>
-            <a:off x="3432240" y="1317240"/>
-            <a:ext cx="1266120" cy="2019960"/>
+            <a:off x="3432600" y="1317600"/>
+            <a:ext cx="1263600" cy="2017440"/>
           </a:xfrm>
           <a:prstGeom prst="rect">
             <a:avLst/>
@@ -13245,7 +14485,7 @@
       </p:grpSpPr>
       <p:pic>
         <p:nvPicPr>
-          <p:cNvPr id="157" name="Google Shape;232;p8" descr=""/>
+          <p:cNvPr id="157" name="Google Shape;102;p 7" descr=""/>
           <p:cNvPicPr/>
           <p:nvPr/>
         </p:nvPicPr>
@@ -13255,8 +14495,8 @@
         </p:blipFill>
         <p:spPr>
           <a:xfrm rot="5400000">
-            <a:off x="-1118520" y="2058480"/>
-            <a:ext cx="10511280" cy="7116840"/>
+            <a:off x="-1113480" y="2058480"/>
+            <a:ext cx="10508760" cy="7114320"/>
           </a:xfrm>
           <a:prstGeom prst="rect">
             <a:avLst/>
@@ -13268,7 +14508,7 @@
       </p:pic>
       <p:pic>
         <p:nvPicPr>
-          <p:cNvPr id="158" name="Google Shape;233;p8" descr=""/>
+          <p:cNvPr id="158" name="Google Shape;103;p 7" descr=""/>
           <p:cNvPicPr/>
           <p:nvPr/>
         </p:nvPicPr>
@@ -13278,8 +14518,8 @@
         </p:blipFill>
         <p:spPr>
           <a:xfrm>
-            <a:off x="714240" y="723960"/>
-            <a:ext cx="6702120" cy="9799560"/>
+            <a:off x="712800" y="723600"/>
+            <a:ext cx="6700680" cy="9800280"/>
           </a:xfrm>
           <a:prstGeom prst="rect">
             <a:avLst/>
@@ -13291,7 +14531,7 @@
       </p:pic>
       <p:pic>
         <p:nvPicPr>
-          <p:cNvPr id="159" name="Google Shape;234;p8" descr=""/>
+          <p:cNvPr id="159" name="Google Shape;104;p 7" descr=""/>
           <p:cNvPicPr/>
           <p:nvPr/>
         </p:nvPicPr>
@@ -13302,8 +14542,8 @@
         </p:blipFill>
         <p:spPr>
           <a:xfrm rot="5400000">
-            <a:off x="-1506600" y="1476000"/>
-            <a:ext cx="11298600" cy="8278560"/>
+            <a:off x="-1501560" y="1473480"/>
+            <a:ext cx="11296080" cy="8276040"/>
           </a:xfrm>
           <a:prstGeom prst="rect">
             <a:avLst/>
@@ -13315,7 +14555,7 @@
       </p:pic>
       <p:pic>
         <p:nvPicPr>
-          <p:cNvPr id="160" name="Google Shape;235;p8" descr=""/>
+          <p:cNvPr id="160" name="Google Shape;105;p 7" descr=""/>
           <p:cNvPicPr/>
           <p:nvPr/>
         </p:nvPicPr>
@@ -13325,8 +14565,8 @@
         </p:blipFill>
         <p:spPr>
           <a:xfrm>
-            <a:off x="1814040" y="8340840"/>
-            <a:ext cx="1442520" cy="1258560"/>
+            <a:off x="1814400" y="8354520"/>
+            <a:ext cx="1440000" cy="1256040"/>
           </a:xfrm>
           <a:prstGeom prst="rect">
             <a:avLst/>
@@ -13338,14 +14578,14 @@
       </p:pic>
       <p:sp>
         <p:nvSpPr>
-          <p:cNvPr id="161" name="Google Shape;236;p8"/>
+          <p:cNvPr id="161" name="Google Shape;106;p 7"/>
           <p:cNvSpPr/>
           <p:nvPr/>
         </p:nvSpPr>
         <p:spPr>
           <a:xfrm>
-            <a:off x="704160" y="3409560"/>
-            <a:ext cx="6722280" cy="759960"/>
+            <a:off x="705600" y="3553200"/>
+            <a:ext cx="6723000" cy="577080"/>
           </a:xfrm>
           <a:prstGeom prst="rect">
             <a:avLst/>
@@ -13375,34 +14615,34 @@
               </a:tabLst>
             </a:pPr>
             <a:r>
-              <a:rPr b="0" lang="en-AU" sz="4400" spc="-1" strike="noStrike">
+              <a:rPr b="0" lang="en-AU" sz="3200" spc="-1" strike="noStrike">
                 <a:solidFill>
                   <a:schemeClr val="dk1"/>
                 </a:solidFill>
-                <a:latin typeface="Arial"/>
+                <a:latin typeface="Old English Five"/>
                 <a:ea typeface="Arial"/>
               </a:rPr>
               <a:t>Certificate Of Promotion</a:t>
             </a:r>
-            <a:endParaRPr b="0" lang="en-AU" sz="4400" spc="-1" strike="noStrike">
-              <a:solidFill>
-                <a:srgbClr val="000000"/>
-              </a:solidFill>
-              <a:latin typeface="Arial"/>
-            </a:endParaRPr>
-          </a:p>
-        </p:txBody>
-      </p:sp>
-      <p:sp>
-        <p:nvSpPr>
-          <p:cNvPr id="162" name="Google Shape;237;p8"/>
+            <a:endParaRPr b="0" lang="en-AU" sz="3200" spc="-1" strike="noStrike">
+              <a:solidFill>
+                <a:srgbClr val="000000"/>
+              </a:solidFill>
+              <a:latin typeface="Arial"/>
+            </a:endParaRPr>
+          </a:p>
+        </p:txBody>
+      </p:sp>
+      <p:sp>
+        <p:nvSpPr>
+          <p:cNvPr id="162" name="Google Shape;107;p 7"/>
           <p:cNvSpPr/>
           <p:nvPr/>
         </p:nvSpPr>
         <p:spPr>
           <a:xfrm>
-            <a:off x="1454400" y="4110120"/>
-            <a:ext cx="5369760" cy="638280"/>
+            <a:off x="1454400" y="4124520"/>
+            <a:ext cx="5368680" cy="638280"/>
           </a:xfrm>
           <a:prstGeom prst="rect">
             <a:avLst/>
@@ -13452,14 +14692,14 @@
       </p:sp>
       <p:sp>
         <p:nvSpPr>
-          <p:cNvPr id="163" name="Google Shape;238;p8"/>
+          <p:cNvPr id="163" name="Google Shape;108;p 7"/>
           <p:cNvSpPr/>
           <p:nvPr/>
         </p:nvSpPr>
         <p:spPr>
           <a:xfrm>
             <a:off x="2985840" y="8685000"/>
-            <a:ext cx="4281840" cy="591840"/>
+            <a:ext cx="4279320" cy="591840"/>
           </a:xfrm>
           <a:prstGeom prst="rect">
             <a:avLst/>
@@ -13489,14 +14729,14 @@
               </a:tabLst>
             </a:pPr>
             <a:r>
-              <a:rPr b="0" lang="en-AU" sz="1100" spc="-1" strike="noStrike">
-                <a:solidFill>
-                  <a:srgbClr val="000000"/>
-                </a:solidFill>
-                <a:latin typeface="Arial"/>
-                <a:ea typeface="DejaVu Sans"/>
-              </a:rPr>
-              <a:t>{signaturer}</a:t>
+              <a:rPr b="1" lang="en-AU" sz="1100" spc="-1" strike="noStrike">
+                <a:solidFill>
+                  <a:srgbClr val="000000"/>
+                </a:solidFill>
+                <a:latin typeface="Times New Roman"/>
+                <a:ea typeface="Times New Roman"/>
+              </a:rPr>
+              <a:t>MAJ {signaturer}</a:t>
             </a:r>
             <a:br>
               <a:rPr sz="1100"/>
@@ -13506,10 +14746,20 @@
                 <a:solidFill>
                   <a:srgbClr val="000000"/>
                 </a:solidFill>
-                <a:latin typeface="Times New Roman"/>
-                <a:ea typeface="Times New Roman"/>
-              </a:rPr>
-              <a:t>Commanding Officer </a:t>
+                <a:latin typeface="Arial"/>
+                <a:ea typeface="DejaVu Sans"/>
+              </a:rPr>
+              <a:t>Officer Commanding</a:t>
+            </a:r>
+            <a:r>
+              <a:rPr b="1" lang="en-AU" sz="1100" spc="-1" strike="noStrike">
+                <a:solidFill>
+                  <a:srgbClr val="000000"/>
+                </a:solidFill>
+                <a:latin typeface="Times New Roman"/>
+                <a:ea typeface="Times New Roman"/>
+              </a:rPr>
+              <a:t> </a:t>
             </a:r>
             <a:br>
               <a:rPr sz="1100"/>
@@ -13535,14 +14785,14 @@
       </p:sp>
       <p:sp>
         <p:nvSpPr>
-          <p:cNvPr id="164" name="Google Shape;239;p8"/>
+          <p:cNvPr id="164" name="Google Shape;109;p 7"/>
           <p:cNvSpPr/>
           <p:nvPr/>
         </p:nvSpPr>
         <p:spPr>
           <a:xfrm>
-            <a:off x="3721320" y="8197200"/>
-            <a:ext cx="2812320" cy="516240"/>
+            <a:off x="3722400" y="8210520"/>
+            <a:ext cx="3116520" cy="942840"/>
           </a:xfrm>
           <a:prstGeom prst="rect">
             <a:avLst/>
@@ -13572,14 +14822,14 @@
               </a:tabLst>
             </a:pPr>
             <a:r>
-              <a:rPr b="0" lang="en-AU" sz="2800" spc="-1" strike="noStrike">
+              <a:rPr b="0" i="1" lang="en-AU" sz="2800" spc="-1" strike="noStrike">
                 <a:solidFill>
                   <a:schemeClr val="dk1"/>
                 </a:solidFill>
                 <a:latin typeface="Courgette"/>
                 <a:ea typeface="Courgette"/>
               </a:rPr>
-              <a:t>{signaturer}</a:t>
+              <a:t>MAJ {signaturer}</a:t>
             </a:r>
             <a:endParaRPr b="0" lang="en-AU" sz="2800" spc="-1" strike="noStrike">
               <a:solidFill>
@@ -13588,59 +14838,6 @@
               <a:latin typeface="Arial"/>
             </a:endParaRPr>
           </a:p>
-        </p:txBody>
-      </p:sp>
-      <p:cxnSp>
-        <p:nvCxnSpPr>
-          <p:cNvPr id="165" name="Google Shape;240;p8"/>
-          <p:cNvCxnSpPr/>
-          <p:nvPr/>
-        </p:nvCxnSpPr>
-        <p:spPr>
-          <a:xfrm flipH="1">
-            <a:off x="3720960" y="8684280"/>
-            <a:ext cx="2815920" cy="1800"/>
-          </a:xfrm>
-          <a:prstGeom prst="straightConnector1">
-            <a:avLst/>
-          </a:prstGeom>
-          <a:ln w="12700">
-            <a:solidFill>
-              <a:srgbClr val="000000"/>
-            </a:solidFill>
-            <a:miter/>
-          </a:ln>
-        </p:spPr>
-      </p:cxnSp>
-      <p:sp>
-        <p:nvSpPr>
-          <p:cNvPr id="166" name="Google Shape;241;p8"/>
-          <p:cNvSpPr/>
-          <p:nvPr/>
-        </p:nvSpPr>
-        <p:spPr>
-          <a:xfrm>
-            <a:off x="886320" y="5655600"/>
-            <a:ext cx="6494760" cy="699480"/>
-          </a:xfrm>
-          <a:prstGeom prst="rect">
-            <a:avLst/>
-          </a:prstGeom>
-          <a:noFill/>
-          <a:ln w="0">
-            <a:noFill/>
-          </a:ln>
-        </p:spPr>
-        <p:style>
-          <a:lnRef idx="0"/>
-          <a:fillRef idx="0"/>
-          <a:effectRef idx="0"/>
-          <a:fontRef idx="minor"/>
-        </p:style>
-        <p:txBody>
-          <a:bodyPr lIns="90000" rIns="90000" tIns="45000" bIns="45000" anchor="t">
-            <a:spAutoFit/>
-          </a:bodyPr>
           <a:p>
             <a:pPr algn="ctr">
               <a:lnSpc>
@@ -13650,55 +14847,47 @@
                 <a:tab algn="l" pos="0"/>
               </a:tabLst>
             </a:pPr>
-            <a:r>
-              <a:rPr b="0" lang="en-AU" sz="2000" spc="-1" strike="noStrike">
-                <a:solidFill>
-                  <a:srgbClr val="000000"/>
-                </a:solidFill>
-                <a:latin typeface="Times New Roman"/>
-                <a:ea typeface="Times New Roman"/>
-              </a:rPr>
-              <a:t>I, {signaturer}</a:t>
-            </a:r>
-            <a:r>
-              <a:rPr b="0" i="1" lang="en-AU" sz="2000" spc="-1" strike="noStrike">
-                <a:solidFill>
-                  <a:srgbClr val="000000"/>
-                </a:solidFill>
-                <a:latin typeface="Times New Roman"/>
-                <a:ea typeface="Times New Roman"/>
-              </a:rPr>
-              <a:t>,</a:t>
-            </a:r>
-            <a:r>
-              <a:rPr b="0" lang="en-AU" sz="2000" spc="-1" strike="noStrike">
-                <a:solidFill>
-                  <a:srgbClr val="000000"/>
-                </a:solidFill>
-                <a:latin typeface="Times New Roman"/>
-                <a:ea typeface="Times New Roman"/>
-              </a:rPr>
-              <a:t> Commanding Officer, Australian Special Operations Taskforce, hereby promote</a:t>
-            </a:r>
-            <a:endParaRPr b="0" lang="en-AU" sz="2000" spc="-1" strike="noStrike">
-              <a:solidFill>
-                <a:srgbClr val="000000"/>
-              </a:solidFill>
-              <a:latin typeface="Arial"/>
-            </a:endParaRPr>
-          </a:p>
-        </p:txBody>
-      </p:sp>
-      <p:sp>
-        <p:nvSpPr>
-          <p:cNvPr id="167" name="Google Shape;242;p8"/>
+            <a:endParaRPr b="0" lang="en-AU" sz="2800" spc="-1" strike="noStrike">
+              <a:solidFill>
+                <a:srgbClr val="000000"/>
+              </a:solidFill>
+              <a:latin typeface="Arial"/>
+            </a:endParaRPr>
+          </a:p>
+        </p:txBody>
+      </p:sp>
+      <p:cxnSp>
+        <p:nvCxnSpPr>
+          <p:cNvPr id="165" name="Google Shape;110;p 7"/>
+          <p:cNvCxnSpPr/>
+          <p:nvPr/>
+        </p:nvCxnSpPr>
+        <p:spPr>
+          <a:xfrm flipH="1">
+            <a:off x="3722400" y="8696520"/>
+            <a:ext cx="2818440" cy="4320"/>
+          </a:xfrm>
+          <a:prstGeom prst="straightConnector1">
+            <a:avLst/>
+          </a:prstGeom>
+          <a:ln w="12700">
+            <a:solidFill>
+              <a:srgbClr val="000000"/>
+            </a:solidFill>
+            <a:miter/>
+          </a:ln>
+        </p:spPr>
+      </p:cxnSp>
+      <p:sp>
+        <p:nvSpPr>
+          <p:cNvPr id="166" name="Google Shape;111;p 7"/>
           <p:cNvSpPr/>
           <p:nvPr/>
         </p:nvSpPr>
         <p:spPr>
           <a:xfrm>
-            <a:off x="817920" y="6433920"/>
-            <a:ext cx="6494760" cy="577080"/>
+            <a:off x="885600" y="5668920"/>
+            <a:ext cx="6495480" cy="699480"/>
           </a:xfrm>
           <a:prstGeom prst="rect">
             <a:avLst/>
@@ -13728,34 +14917,74 @@
               </a:tabLst>
             </a:pPr>
             <a:r>
-              <a:rPr b="0" i="1" lang="en-AU" sz="3200" spc="-1" strike="noStrike">
-                <a:solidFill>
-                  <a:schemeClr val="dk1"/>
-                </a:solidFill>
-                <a:latin typeface="Times New Roman"/>
-                <a:ea typeface="Times New Roman"/>
-              </a:rPr>
-              <a:t>{name}</a:t>
-            </a:r>
-            <a:endParaRPr b="0" lang="en-AU" sz="3200" spc="-1" strike="noStrike">
-              <a:solidFill>
-                <a:srgbClr val="000000"/>
-              </a:solidFill>
-              <a:latin typeface="Arial"/>
-            </a:endParaRPr>
-          </a:p>
-        </p:txBody>
-      </p:sp>
-      <p:sp>
-        <p:nvSpPr>
-          <p:cNvPr id="168" name="Google Shape;243;p8"/>
+              <a:rPr b="0" lang="en-AU" sz="2000" spc="-1" strike="noStrike">
+                <a:solidFill>
+                  <a:srgbClr val="000000"/>
+                </a:solidFill>
+                <a:latin typeface="Times New Roman"/>
+                <a:ea typeface="Times New Roman"/>
+              </a:rPr>
+              <a:t>I, </a:t>
+            </a:r>
+            <a:r>
+              <a:rPr b="0" i="1" lang="en-AU" sz="2000" spc="-1" strike="noStrike">
+                <a:solidFill>
+                  <a:srgbClr val="000000"/>
+                </a:solidFill>
+                <a:latin typeface="Times New Roman"/>
+                <a:ea typeface="Times New Roman"/>
+              </a:rPr>
+              <a:t>Major</a:t>
+            </a:r>
+            <a:r>
+              <a:rPr b="0" lang="en-AU" sz="2000" spc="-1" strike="noStrike">
+                <a:solidFill>
+                  <a:srgbClr val="000000"/>
+                </a:solidFill>
+                <a:latin typeface="Times New Roman"/>
+                <a:ea typeface="Times New Roman"/>
+              </a:rPr>
+              <a:t> </a:t>
+            </a:r>
+            <a:r>
+              <a:rPr b="0" i="1" lang="en-AU" sz="2000" spc="-1" strike="noStrike">
+                <a:solidFill>
+                  <a:srgbClr val="000000"/>
+                </a:solidFill>
+                <a:latin typeface="Times New Roman"/>
+                <a:ea typeface="Times New Roman"/>
+              </a:rPr>
+              <a:t>{signaturer},</a:t>
+            </a:r>
+            <a:r>
+              <a:rPr b="0" lang="en-AU" sz="2000" spc="-1" strike="noStrike">
+                <a:solidFill>
+                  <a:srgbClr val="000000"/>
+                </a:solidFill>
+                <a:latin typeface="Times New Roman"/>
+                <a:ea typeface="Times New Roman"/>
+              </a:rPr>
+              <a:t> Officer Commanding, Australian Special Operations Taskforce, hereby promote</a:t>
+            </a:r>
+            <a:endParaRPr b="0" lang="en-AU" sz="2000" spc="-1" strike="noStrike">
+              <a:solidFill>
+                <a:srgbClr val="000000"/>
+              </a:solidFill>
+              <a:latin typeface="Arial"/>
+            </a:endParaRPr>
+          </a:p>
+        </p:txBody>
+      </p:sp>
+      <p:sp>
+        <p:nvSpPr>
+          <p:cNvPr id="167" name="Google Shape;113;p 7"/>
           <p:cNvSpPr/>
           <p:nvPr/>
         </p:nvSpPr>
         <p:spPr>
           <a:xfrm>
-            <a:off x="873720" y="7107120"/>
-            <a:ext cx="6494760" cy="699480"/>
+            <a:off x="817920" y="6433920"/>
+            <a:ext cx="6495480" cy="577080"/>
           </a:xfrm>
           <a:prstGeom prst="rect">
             <a:avLst/>
@@ -13785,67 +15014,34 @@
               </a:tabLst>
             </a:pPr>
             <a:r>
-              <a:rPr b="0" lang="en-AU" sz="2000" spc="-1" strike="noStrike">
-                <a:solidFill>
-                  <a:srgbClr val="000000"/>
-                </a:solidFill>
-                <a:latin typeface="Times New Roman"/>
-                <a:ea typeface="Times New Roman"/>
-              </a:rPr>
-              <a:t>to the rank of </a:t>
-            </a:r>
-            <a:r>
-              <a:rPr b="0" i="1" lang="en-AU" sz="2000" spc="-1" strike="noStrike">
-                <a:solidFill>
-                  <a:srgbClr val="000000"/>
-                </a:solidFill>
-                <a:latin typeface="Times New Roman"/>
-                <a:ea typeface="Times New Roman"/>
-              </a:rPr>
-              <a:t>Warrant Officer 1 </a:t>
-            </a:r>
-            <a:r>
-              <a:rPr b="0" lang="en-AU" sz="2000" spc="-1" strike="noStrike">
-                <a:solidFill>
-                  <a:srgbClr val="000000"/>
-                </a:solidFill>
-                <a:latin typeface="Times New Roman"/>
-                <a:ea typeface="Times New Roman"/>
-              </a:rPr>
-              <a:t>with effect </a:t>
-            </a:r>
-            <a:br>
-              <a:rPr sz="2000"/>
-            </a:br>
-            <a:r>
-              <a:rPr b="0" lang="en-AU" sz="2000" spc="-1" strike="noStrike">
-                <a:solidFill>
-                  <a:srgbClr val="000000"/>
-                </a:solidFill>
-                <a:latin typeface="Times New Roman"/>
-                <a:ea typeface="Times New Roman"/>
-              </a:rPr>
-              <a:t>{date}.</a:t>
-            </a:r>
-            <a:endParaRPr b="0" lang="en-AU" sz="2000" spc="-1" strike="noStrike">
-              <a:solidFill>
-                <a:srgbClr val="000000"/>
-              </a:solidFill>
-              <a:latin typeface="Arial"/>
-            </a:endParaRPr>
-          </a:p>
-        </p:txBody>
-      </p:sp>
-      <p:sp>
-        <p:nvSpPr>
-          <p:cNvPr id="169" name="Google Shape;244;p8"/>
+              <a:rPr b="0" i="1" lang="en-AU" sz="3200" spc="-1" strike="noStrike">
+                <a:solidFill>
+                  <a:srgbClr val="000000"/>
+                </a:solidFill>
+                <a:latin typeface="Times New Roman"/>
+                <a:ea typeface="Times New Roman"/>
+              </a:rPr>
+              <a:t>{name}</a:t>
+            </a:r>
+            <a:endParaRPr b="0" lang="en-AU" sz="3200" spc="-1" strike="noStrike">
+              <a:solidFill>
+                <a:srgbClr val="000000"/>
+              </a:solidFill>
+              <a:latin typeface="Arial"/>
+            </a:endParaRPr>
+          </a:p>
+        </p:txBody>
+      </p:sp>
+      <p:sp>
+        <p:nvSpPr>
+          <p:cNvPr id="168" name="Google Shape;114;p 7"/>
           <p:cNvSpPr/>
           <p:nvPr/>
         </p:nvSpPr>
         <p:spPr>
           <a:xfrm>
-            <a:off x="931680" y="4937040"/>
-            <a:ext cx="6494760" cy="699480"/>
+            <a:off x="874800" y="7119720"/>
+            <a:ext cx="6495480" cy="699480"/>
           </a:xfrm>
           <a:prstGeom prst="rect">
             <a:avLst/>
@@ -13875,15 +15071,51 @@
               </a:tabLst>
             </a:pPr>
             <a:r>
+              <a:rPr b="0" lang="en-AU" sz="2000" spc="-1" strike="noStrike">
+                <a:solidFill>
+                  <a:srgbClr val="000000"/>
+                </a:solidFill>
+                <a:latin typeface="Times New Roman"/>
+                <a:ea typeface="Times New Roman"/>
+              </a:rPr>
+              <a:t>to the rank of </a:t>
+            </a:r>
+            <a:r>
               <a:rPr b="0" i="1" lang="en-AU" sz="2000" spc="-1" strike="noStrike">
                 <a:solidFill>
-                  <a:schemeClr val="dk1"/>
-                </a:solidFill>
-                <a:latin typeface="Times New Roman"/>
-                <a:ea typeface="Times New Roman"/>
-              </a:rPr>
-              <a:t>{name}</a:t>
-            </a:r>
+                  <a:srgbClr val="000000"/>
+                </a:solidFill>
+                <a:latin typeface="Times New Roman"/>
+                <a:ea typeface="Times New Roman"/>
+              </a:rPr>
+              <a:t>Warrant Officer Class One </a:t>
+            </a:r>
+            <a:r>
+              <a:rPr b="0" lang="en-AU" sz="2000" spc="-1" strike="noStrike">
+                <a:solidFill>
+                  <a:srgbClr val="000000"/>
+                </a:solidFill>
+                <a:latin typeface="Times New Roman"/>
+                <a:ea typeface="Times New Roman"/>
+              </a:rPr>
+              <a:t>with effect </a:t>
+            </a:r>
+            <a:endParaRPr b="0" lang="en-AU" sz="2000" spc="-1" strike="noStrike">
+              <a:solidFill>
+                <a:srgbClr val="000000"/>
+              </a:solidFill>
+              <a:latin typeface="Arial"/>
+            </a:endParaRPr>
+          </a:p>
+          <a:p>
+            <a:pPr algn="ctr">
+              <a:lnSpc>
+                <a:spcPct val="100000"/>
+              </a:lnSpc>
+              <a:tabLst>
+                <a:tab algn="l" pos="0"/>
+              </a:tabLst>
+            </a:pPr>
             <a:r>
               <a:rPr b="0" i="1" lang="en-AU" sz="2000" spc="-1" strike="noStrike">
                 <a:solidFill>
@@ -13892,7 +15124,64 @@
                 <a:latin typeface="Times New Roman"/>
                 <a:ea typeface="Times New Roman"/>
               </a:rPr>
-              <a:t> </a:t>
+              <a:t>{date}.</a:t>
+            </a:r>
+            <a:endParaRPr b="0" lang="en-AU" sz="2000" spc="-1" strike="noStrike">
+              <a:solidFill>
+                <a:srgbClr val="000000"/>
+              </a:solidFill>
+              <a:latin typeface="Arial"/>
+            </a:endParaRPr>
+          </a:p>
+        </p:txBody>
+      </p:sp>
+      <p:sp>
+        <p:nvSpPr>
+          <p:cNvPr id="169" name="Google Shape;115;p 7"/>
+          <p:cNvSpPr/>
+          <p:nvPr/>
+        </p:nvSpPr>
+        <p:spPr>
+          <a:xfrm>
+            <a:off x="896400" y="4833720"/>
+            <a:ext cx="6495480" cy="699480"/>
+          </a:xfrm>
+          <a:prstGeom prst="rect">
+            <a:avLst/>
+          </a:prstGeom>
+          <a:noFill/>
+          <a:ln w="0">
+            <a:noFill/>
+          </a:ln>
+        </p:spPr>
+        <p:style>
+          <a:lnRef idx="0"/>
+          <a:fillRef idx="0"/>
+          <a:effectRef idx="0"/>
+          <a:fontRef idx="minor"/>
+        </p:style>
+        <p:txBody>
+          <a:bodyPr lIns="90000" rIns="90000" tIns="45000" bIns="45000" anchor="t">
+            <a:spAutoFit/>
+          </a:bodyPr>
+          <a:p>
+            <a:pPr algn="ctr">
+              <a:lnSpc>
+                <a:spcPct val="100000"/>
+              </a:lnSpc>
+              <a:tabLst>
+                <a:tab algn="l" pos="0"/>
+              </a:tabLst>
+            </a:pPr>
+            <a:r>
+              <a:rPr b="0" i="1" lang="en-AU" sz="2000" spc="-1" strike="noStrike">
+                <a:solidFill>
+                  <a:srgbClr val="000000"/>
+                </a:solidFill>
+                <a:latin typeface="Times New Roman"/>
+                <a:ea typeface="Times New Roman"/>
+              </a:rPr>
+              <a:t>{name} </a:t>
             </a:r>
             <a:r>
               <a:rPr b="0" lang="en-AU" sz="2000" spc="-1" strike="noStrike">
@@ -13902,7 +15191,20 @@
                 <a:latin typeface="Times New Roman"/>
                 <a:ea typeface="Times New Roman"/>
               </a:rPr>
-              <a:t>has completed all necessary trainings and been deemed suitable in all areas required for promotion.</a:t>
+              <a:t>has completed all necessary trainings and </a:t>
+            </a:r>
+            <a:br>
+              <a:rPr sz="2000"/>
+            </a:br>
+            <a:r>
+              <a:rPr b="0" lang="en-AU" sz="2000" spc="-1" strike="noStrike">
+                <a:solidFill>
+                  <a:srgbClr val="000000"/>
+                </a:solidFill>
+                <a:latin typeface="Times New Roman"/>
+                <a:ea typeface="Times New Roman"/>
+              </a:rPr>
+              <a:t>been deemed suitable in all areas required for promotion.</a:t>
             </a:r>
             <a:endParaRPr b="0" lang="en-AU" sz="2000" spc="-1" strike="noStrike">
               <a:solidFill>
@@ -13915,7 +15217,7 @@
       </p:sp>
       <p:pic>
         <p:nvPicPr>
-          <p:cNvPr id="170" name="Google Shape;245;p8" descr=""/>
+          <p:cNvPr id="170" name="Google Shape;245;p 1" descr=""/>
           <p:cNvPicPr/>
           <p:nvPr/>
         </p:nvPicPr>
@@ -13926,7 +15228,7 @@
         <p:spPr>
           <a:xfrm>
             <a:off x="3081600" y="1530000"/>
-            <a:ext cx="1957680" cy="1513440"/>
+            <a:ext cx="1955160" cy="1510920"/>
           </a:xfrm>
           <a:prstGeom prst="rect">
             <a:avLst/>
